--- a/Machine Learning Model - DefaultShield.pptx
+++ b/Machine Learning Model - DefaultShield.pptx
@@ -10,8 +10,8 @@
     <p:sldId id="257" r:id="rId4"/>
     <p:sldId id="258" r:id="rId5"/>
     <p:sldId id="283" r:id="rId6"/>
-    <p:sldId id="284" r:id="rId7"/>
-    <p:sldId id="3321" r:id="rId8"/>
+    <p:sldId id="3321" r:id="rId7"/>
+    <p:sldId id="284" r:id="rId8"/>
     <p:sldId id="3322" r:id="rId9"/>
     <p:sldId id="3323" r:id="rId10"/>
     <p:sldId id="3312" r:id="rId11"/>
@@ -116,6 +116,11 @@
       </a:defRPr>
     </a:lvl9pPr>
   </p:defaultTextStyle>
+  <p:extLst>
+    <p:ext uri="{EFAFB233-063F-42B5-8137-9DF3F51BA10A}">
+      <p15:sldGuideLst xmlns:p15="http://schemas.microsoft.com/office/powerpoint/2012/main"/>
+    </p:ext>
+  </p:extLst>
 </p:presentation>
 </file>
 
@@ -1657,7 +1662,7 @@
           <a:p>
             <a:fld id="{0C95BF98-BB32-4D77-94C0-F8150519D7DE}" type="datetimeFigureOut">
               <a:rPr lang="en-GB" smtClean="0"/>
-              <a:t>14/11/2023</a:t>
+              <a:t>15/11/2023</a:t>
             </a:fld>
             <a:endParaRPr lang="en-GB"/>
           </a:p>
@@ -1857,7 +1862,7 @@
           <a:p>
             <a:fld id="{0C95BF98-BB32-4D77-94C0-F8150519D7DE}" type="datetimeFigureOut">
               <a:rPr lang="en-GB" smtClean="0"/>
-              <a:t>14/11/2023</a:t>
+              <a:t>15/11/2023</a:t>
             </a:fld>
             <a:endParaRPr lang="en-GB"/>
           </a:p>
@@ -2067,7 +2072,7 @@
           <a:p>
             <a:fld id="{0C95BF98-BB32-4D77-94C0-F8150519D7DE}" type="datetimeFigureOut">
               <a:rPr lang="en-GB" smtClean="0"/>
-              <a:t>14/11/2023</a:t>
+              <a:t>15/11/2023</a:t>
             </a:fld>
             <a:endParaRPr lang="en-GB"/>
           </a:p>
@@ -4087,7 +4092,7 @@
           <a:p>
             <a:fld id="{0C95BF98-BB32-4D77-94C0-F8150519D7DE}" type="datetimeFigureOut">
               <a:rPr lang="en-GB" smtClean="0"/>
-              <a:t>14/11/2023</a:t>
+              <a:t>15/11/2023</a:t>
             </a:fld>
             <a:endParaRPr lang="en-GB"/>
           </a:p>
@@ -5241,7 +5246,7 @@
           <a:p>
             <a:fld id="{0C95BF98-BB32-4D77-94C0-F8150519D7DE}" type="datetimeFigureOut">
               <a:rPr lang="en-GB" smtClean="0"/>
-              <a:t>14/11/2023</a:t>
+              <a:t>15/11/2023</a:t>
             </a:fld>
             <a:endParaRPr lang="en-GB"/>
           </a:p>
@@ -5509,7 +5514,7 @@
           <a:p>
             <a:fld id="{0C95BF98-BB32-4D77-94C0-F8150519D7DE}" type="datetimeFigureOut">
               <a:rPr lang="en-GB" smtClean="0"/>
-              <a:t>14/11/2023</a:t>
+              <a:t>15/11/2023</a:t>
             </a:fld>
             <a:endParaRPr lang="en-GB"/>
           </a:p>
@@ -5924,7 +5929,7 @@
           <a:p>
             <a:fld id="{0C95BF98-BB32-4D77-94C0-F8150519D7DE}" type="datetimeFigureOut">
               <a:rPr lang="en-GB" smtClean="0"/>
-              <a:t>14/11/2023</a:t>
+              <a:t>15/11/2023</a:t>
             </a:fld>
             <a:endParaRPr lang="en-GB"/>
           </a:p>
@@ -6066,7 +6071,7 @@
           <a:p>
             <a:fld id="{0C95BF98-BB32-4D77-94C0-F8150519D7DE}" type="datetimeFigureOut">
               <a:rPr lang="en-GB" smtClean="0"/>
-              <a:t>14/11/2023</a:t>
+              <a:t>15/11/2023</a:t>
             </a:fld>
             <a:endParaRPr lang="en-GB"/>
           </a:p>
@@ -6179,7 +6184,7 @@
           <a:p>
             <a:fld id="{0C95BF98-BB32-4D77-94C0-F8150519D7DE}" type="datetimeFigureOut">
               <a:rPr lang="en-GB" smtClean="0"/>
-              <a:t>14/11/2023</a:t>
+              <a:t>15/11/2023</a:t>
             </a:fld>
             <a:endParaRPr lang="en-GB"/>
           </a:p>
@@ -6492,7 +6497,7 @@
           <a:p>
             <a:fld id="{0C95BF98-BB32-4D77-94C0-F8150519D7DE}" type="datetimeFigureOut">
               <a:rPr lang="en-GB" smtClean="0"/>
-              <a:t>14/11/2023</a:t>
+              <a:t>15/11/2023</a:t>
             </a:fld>
             <a:endParaRPr lang="en-GB"/>
           </a:p>
@@ -6781,7 +6786,7 @@
           <a:p>
             <a:fld id="{0C95BF98-BB32-4D77-94C0-F8150519D7DE}" type="datetimeFigureOut">
               <a:rPr lang="en-GB" smtClean="0"/>
-              <a:t>14/11/2023</a:t>
+              <a:t>15/11/2023</a:t>
             </a:fld>
             <a:endParaRPr lang="en-GB"/>
           </a:p>
@@ -7024,7 +7029,7 @@
           <a:p>
             <a:fld id="{0C95BF98-BB32-4D77-94C0-F8150519D7DE}" type="datetimeFigureOut">
               <a:rPr lang="en-GB" smtClean="0"/>
-              <a:t>14/11/2023</a:t>
+              <a:t>15/11/2023</a:t>
             </a:fld>
             <a:endParaRPr lang="en-GB"/>
           </a:p>
@@ -9324,7 +9329,7 @@
         </p:nvSpPr>
         <p:spPr>
           <a:xfrm>
-            <a:off x="1524000" y="4370227"/>
+            <a:off x="1522476" y="3894532"/>
             <a:ext cx="9144000" cy="1193138"/>
           </a:xfrm>
         </p:spPr>
@@ -9335,15 +9340,15 @@
           <a:lstStyle/>
           <a:p>
             <a:r>
-              <a:rPr lang="en-GB" sz="3700" dirty="0"/>
+              <a:rPr lang="en-GB" sz="3700" b="1" dirty="0"/>
               <a:t>Machine Learning Model to Predict </a:t>
             </a:r>
             <a:br>
-              <a:rPr lang="en-GB" sz="3700" dirty="0"/>
+              <a:rPr lang="en-GB" sz="3700" b="1" dirty="0"/>
             </a:br>
             <a:r>
-              <a:rPr lang="en-GB" sz="3700" dirty="0"/>
-              <a:t>Loan Default</a:t>
+              <a:rPr lang="en-GB" sz="3700" b="1" dirty="0"/>
+              <a:t>Creditworthiness of Borrowers</a:t>
             </a:r>
           </a:p>
         </p:txBody>
@@ -9366,21 +9371,20 @@
         </p:nvSpPr>
         <p:spPr>
           <a:xfrm>
-            <a:off x="1524000" y="5636465"/>
-            <a:ext cx="9144000" cy="646785"/>
+            <a:off x="1522476" y="5020065"/>
+            <a:ext cx="9144000" cy="347274"/>
           </a:xfrm>
         </p:spPr>
         <p:txBody>
           <a:bodyPr>
-            <a:normAutofit/>
+            <a:normAutofit fontScale="92500" lnSpcReduction="20000"/>
           </a:bodyPr>
           <a:lstStyle/>
           <a:p>
             <a:r>
-              <a:rPr lang="en-GB"/>
+              <a:rPr lang="en-GB" dirty="0"/>
               <a:t>Yasitha De Alwis</a:t>
             </a:r>
-            <a:endParaRPr lang="en-GB" dirty="0"/>
           </a:p>
         </p:txBody>
       </p:sp>
@@ -9405,7 +9409,7 @@
         </p:blipFill>
         <p:spPr>
           <a:xfrm>
-            <a:off x="1690046" y="386205"/>
+            <a:off x="1764559" y="21624"/>
             <a:ext cx="8903441" cy="3766876"/>
           </a:xfrm>
           <a:custGeom>
@@ -10587,6 +10591,255 @@
           </a:custGeom>
         </p:spPr>
       </p:pic>
+      <p:sp>
+        <p:nvSpPr>
+          <p:cNvPr id="4" name="Subtitle 2">
+            <a:extLst>
+              <a:ext uri="{FF2B5EF4-FFF2-40B4-BE49-F238E27FC236}">
+                <a16:creationId xmlns:a16="http://schemas.microsoft.com/office/drawing/2014/main" id="{09BD5B4B-A3AF-0D4B-2AD7-4E81799D5924}"/>
+              </a:ext>
+            </a:extLst>
+          </p:cNvPr>
+          <p:cNvSpPr txBox="1">
+            <a:spLocks/>
+          </p:cNvSpPr>
+          <p:nvPr/>
+        </p:nvSpPr>
+        <p:spPr>
+          <a:xfrm>
+            <a:off x="24809" y="5683111"/>
+            <a:ext cx="9144000" cy="1520456"/>
+          </a:xfrm>
+          <a:prstGeom prst="rect">
+            <a:avLst/>
+          </a:prstGeom>
+        </p:spPr>
+        <p:txBody>
+          <a:bodyPr vert="horz" lIns="91440" tIns="45720" rIns="91440" bIns="45720" rtlCol="0">
+            <a:normAutofit/>
+          </a:bodyPr>
+          <a:lstStyle>
+            <a:lvl1pPr marL="0" indent="0" algn="ctr" defTabSz="914400" rtl="0" eaLnBrk="1" latinLnBrk="0" hangingPunct="1">
+              <a:lnSpc>
+                <a:spcPct val="90000"/>
+              </a:lnSpc>
+              <a:spcBef>
+                <a:spcPts val="1000"/>
+              </a:spcBef>
+              <a:buFont typeface="Arial" panose="020B0604020202020204" pitchFamily="34" charset="0"/>
+              <a:buNone/>
+              <a:defRPr sz="2400" kern="1200">
+                <a:solidFill>
+                  <a:schemeClr val="tx1"/>
+                </a:solidFill>
+                <a:latin typeface="+mn-lt"/>
+                <a:ea typeface="+mn-ea"/>
+                <a:cs typeface="+mn-cs"/>
+              </a:defRPr>
+            </a:lvl1pPr>
+            <a:lvl2pPr marL="457200" indent="0" algn="ctr" defTabSz="914400" rtl="0" eaLnBrk="1" latinLnBrk="0" hangingPunct="1">
+              <a:lnSpc>
+                <a:spcPct val="90000"/>
+              </a:lnSpc>
+              <a:spcBef>
+                <a:spcPts val="500"/>
+              </a:spcBef>
+              <a:buFont typeface="Arial" panose="020B0604020202020204" pitchFamily="34" charset="0"/>
+              <a:buNone/>
+              <a:defRPr sz="2000" kern="1200">
+                <a:solidFill>
+                  <a:schemeClr val="tx1"/>
+                </a:solidFill>
+                <a:latin typeface="+mn-lt"/>
+                <a:ea typeface="+mn-ea"/>
+                <a:cs typeface="+mn-cs"/>
+              </a:defRPr>
+            </a:lvl2pPr>
+            <a:lvl3pPr marL="914400" indent="0" algn="ctr" defTabSz="914400" rtl="0" eaLnBrk="1" latinLnBrk="0" hangingPunct="1">
+              <a:lnSpc>
+                <a:spcPct val="90000"/>
+              </a:lnSpc>
+              <a:spcBef>
+                <a:spcPts val="500"/>
+              </a:spcBef>
+              <a:buFont typeface="Arial" panose="020B0604020202020204" pitchFamily="34" charset="0"/>
+              <a:buNone/>
+              <a:defRPr sz="1800" kern="1200">
+                <a:solidFill>
+                  <a:schemeClr val="tx1"/>
+                </a:solidFill>
+                <a:latin typeface="+mn-lt"/>
+                <a:ea typeface="+mn-ea"/>
+                <a:cs typeface="+mn-cs"/>
+              </a:defRPr>
+            </a:lvl3pPr>
+            <a:lvl4pPr marL="1371600" indent="0" algn="ctr" defTabSz="914400" rtl="0" eaLnBrk="1" latinLnBrk="0" hangingPunct="1">
+              <a:lnSpc>
+                <a:spcPct val="90000"/>
+              </a:lnSpc>
+              <a:spcBef>
+                <a:spcPts val="500"/>
+              </a:spcBef>
+              <a:buFont typeface="Arial" panose="020B0604020202020204" pitchFamily="34" charset="0"/>
+              <a:buNone/>
+              <a:defRPr sz="1600" kern="1200">
+                <a:solidFill>
+                  <a:schemeClr val="tx1"/>
+                </a:solidFill>
+                <a:latin typeface="+mn-lt"/>
+                <a:ea typeface="+mn-ea"/>
+                <a:cs typeface="+mn-cs"/>
+              </a:defRPr>
+            </a:lvl4pPr>
+            <a:lvl5pPr marL="1828800" indent="0" algn="ctr" defTabSz="914400" rtl="0" eaLnBrk="1" latinLnBrk="0" hangingPunct="1">
+              <a:lnSpc>
+                <a:spcPct val="90000"/>
+              </a:lnSpc>
+              <a:spcBef>
+                <a:spcPts val="500"/>
+              </a:spcBef>
+              <a:buFont typeface="Arial" panose="020B0604020202020204" pitchFamily="34" charset="0"/>
+              <a:buNone/>
+              <a:defRPr sz="1600" kern="1200">
+                <a:solidFill>
+                  <a:schemeClr val="tx1"/>
+                </a:solidFill>
+                <a:latin typeface="+mn-lt"/>
+                <a:ea typeface="+mn-ea"/>
+                <a:cs typeface="+mn-cs"/>
+              </a:defRPr>
+            </a:lvl5pPr>
+            <a:lvl6pPr marL="2286000" indent="0" algn="ctr" defTabSz="914400" rtl="0" eaLnBrk="1" latinLnBrk="0" hangingPunct="1">
+              <a:lnSpc>
+                <a:spcPct val="90000"/>
+              </a:lnSpc>
+              <a:spcBef>
+                <a:spcPts val="500"/>
+              </a:spcBef>
+              <a:buFont typeface="Arial" panose="020B0604020202020204" pitchFamily="34" charset="0"/>
+              <a:buNone/>
+              <a:defRPr sz="1600" kern="1200">
+                <a:solidFill>
+                  <a:schemeClr val="tx1"/>
+                </a:solidFill>
+                <a:latin typeface="+mn-lt"/>
+                <a:ea typeface="+mn-ea"/>
+                <a:cs typeface="+mn-cs"/>
+              </a:defRPr>
+            </a:lvl6pPr>
+            <a:lvl7pPr marL="2743200" indent="0" algn="ctr" defTabSz="914400" rtl="0" eaLnBrk="1" latinLnBrk="0" hangingPunct="1">
+              <a:lnSpc>
+                <a:spcPct val="90000"/>
+              </a:lnSpc>
+              <a:spcBef>
+                <a:spcPts val="500"/>
+              </a:spcBef>
+              <a:buFont typeface="Arial" panose="020B0604020202020204" pitchFamily="34" charset="0"/>
+              <a:buNone/>
+              <a:defRPr sz="1600" kern="1200">
+                <a:solidFill>
+                  <a:schemeClr val="tx1"/>
+                </a:solidFill>
+                <a:latin typeface="+mn-lt"/>
+                <a:ea typeface="+mn-ea"/>
+                <a:cs typeface="+mn-cs"/>
+              </a:defRPr>
+            </a:lvl7pPr>
+            <a:lvl8pPr marL="3200400" indent="0" algn="ctr" defTabSz="914400" rtl="0" eaLnBrk="1" latinLnBrk="0" hangingPunct="1">
+              <a:lnSpc>
+                <a:spcPct val="90000"/>
+              </a:lnSpc>
+              <a:spcBef>
+                <a:spcPts val="500"/>
+              </a:spcBef>
+              <a:buFont typeface="Arial" panose="020B0604020202020204" pitchFamily="34" charset="0"/>
+              <a:buNone/>
+              <a:defRPr sz="1600" kern="1200">
+                <a:solidFill>
+                  <a:schemeClr val="tx1"/>
+                </a:solidFill>
+                <a:latin typeface="+mn-lt"/>
+                <a:ea typeface="+mn-ea"/>
+                <a:cs typeface="+mn-cs"/>
+              </a:defRPr>
+            </a:lvl8pPr>
+            <a:lvl9pPr marL="3657600" indent="0" algn="ctr" defTabSz="914400" rtl="0" eaLnBrk="1" latinLnBrk="0" hangingPunct="1">
+              <a:lnSpc>
+                <a:spcPct val="90000"/>
+              </a:lnSpc>
+              <a:spcBef>
+                <a:spcPts val="500"/>
+              </a:spcBef>
+              <a:buFont typeface="Arial" panose="020B0604020202020204" pitchFamily="34" charset="0"/>
+              <a:buNone/>
+              <a:defRPr sz="1600" kern="1200">
+                <a:solidFill>
+                  <a:schemeClr val="tx1"/>
+                </a:solidFill>
+                <a:latin typeface="+mn-lt"/>
+                <a:ea typeface="+mn-ea"/>
+                <a:cs typeface="+mn-cs"/>
+              </a:defRPr>
+            </a:lvl9pPr>
+          </a:lstStyle>
+          <a:p>
+            <a:pPr algn="l"/>
+            <a:r>
+              <a:rPr lang="en-GB" sz="1800" dirty="0">
+                <a:hlinkClick r:id="rId3"/>
+              </a:rPr>
+              <a:t>ydealwis@gmail.com</a:t>
+            </a:r>
+            <a:endParaRPr lang="en-GB" sz="1800" dirty="0"/>
+          </a:p>
+          <a:p>
+            <a:pPr algn="l">
+              <a:spcAft>
+                <a:spcPts val="600"/>
+              </a:spcAft>
+            </a:pPr>
+            <a:r>
+              <a:rPr lang="en-US" sz="1800" dirty="0"/>
+              <a:t>Git Hub : </a:t>
+            </a:r>
+            <a:r>
+              <a:rPr lang="en-US" sz="1800" dirty="0">
+                <a:hlinkClick r:id="rId4"/>
+              </a:rPr>
+              <a:t>@yasiSriLanka</a:t>
+            </a:r>
+            <a:endParaRPr lang="en-US" sz="1800" dirty="0"/>
+          </a:p>
+          <a:p>
+            <a:pPr algn="l">
+              <a:spcAft>
+                <a:spcPts val="600"/>
+              </a:spcAft>
+            </a:pPr>
+            <a:r>
+              <a:rPr lang="en-US" sz="1800" dirty="0" err="1"/>
+              <a:t>Linkedin</a:t>
+            </a:r>
+            <a:r>
+              <a:rPr lang="en-US" sz="1800" dirty="0"/>
+              <a:t>: </a:t>
+            </a:r>
+            <a:r>
+              <a:rPr lang="en-US" sz="1800" dirty="0">
+                <a:hlinkClick r:id="rId5"/>
+              </a:rPr>
+              <a:t>https://www.linkedin.com/in/yasitha-de-alwis/</a:t>
+            </a:r>
+            <a:endParaRPr lang="en-GB" sz="1800" dirty="0"/>
+          </a:p>
+          <a:p>
+            <a:endParaRPr lang="en-GB" sz="1800" dirty="0"/>
+          </a:p>
+          <a:p>
+            <a:endParaRPr lang="en-GB" dirty="0"/>
+          </a:p>
+        </p:txBody>
+      </p:sp>
     </p:spTree>
     <p:extLst>
       <p:ext uri="{BB962C8B-B14F-4D97-AF65-F5344CB8AC3E}">
@@ -11075,6 +11328,14 @@
               </a:rPr>
               <a:t>Next Steps</a:t>
             </a:r>
+            <a:endParaRPr lang="en-US" dirty="0">
+              <a:solidFill>
+                <a:srgbClr val="0D0D0D"/>
+              </a:solidFill>
+              <a:latin typeface="+mj-lt"/>
+              <a:ea typeface="+mj-ea"/>
+              <a:cs typeface="+mj-cs"/>
+            </a:endParaRPr>
           </a:p>
         </p:txBody>
       </p:sp>
@@ -11241,6 +11502,40 @@
       </p:sp>
       <p:sp>
         <p:nvSpPr>
+          <p:cNvPr id="3" name="TextBox 2">
+            <a:extLst>
+              <a:ext uri="{FF2B5EF4-FFF2-40B4-BE49-F238E27FC236}">
+                <a16:creationId xmlns:a16="http://schemas.microsoft.com/office/drawing/2014/main" id="{D1EE0934-EFDF-5C3A-8B45-7F18FE6A4FE2}"/>
+              </a:ext>
+            </a:extLst>
+          </p:cNvPr>
+          <p:cNvSpPr txBox="1"/>
+          <p:nvPr/>
+        </p:nvSpPr>
+        <p:spPr>
+          <a:xfrm>
+            <a:off x="342623" y="4306186"/>
+            <a:ext cx="3623321" cy="457200"/>
+          </a:xfrm>
+          <a:prstGeom prst="rect">
+            <a:avLst/>
+          </a:prstGeom>
+          <a:solidFill>
+            <a:schemeClr val="bg1"/>
+          </a:solidFill>
+        </p:spPr>
+        <p:txBody>
+          <a:bodyPr wrap="square" rtlCol="0">
+            <a:spAutoFit/>
+          </a:bodyPr>
+          <a:lstStyle/>
+          <a:p>
+            <a:endParaRPr lang="en-GB" dirty="0"/>
+          </a:p>
+        </p:txBody>
+      </p:sp>
+      <p:sp>
+        <p:nvSpPr>
           <p:cNvPr id="5" name="TextBox 4">
             <a:extLst>
               <a:ext uri="{FF2B5EF4-FFF2-40B4-BE49-F238E27FC236}">
@@ -11253,8 +11548,8 @@
         </p:nvSpPr>
         <p:spPr>
           <a:xfrm>
-            <a:off x="481028" y="1605516"/>
-            <a:ext cx="7854897" cy="4401205"/>
+            <a:off x="208616" y="1501926"/>
+            <a:ext cx="7854897" cy="4832092"/>
           </a:xfrm>
           <a:prstGeom prst="rect">
             <a:avLst/>
@@ -11302,14 +11597,31 @@
                   <a:srgbClr val="0D0D0D"/>
                 </a:solidFill>
               </a:rPr>
-              <a:t>Incorporate real time data for dynamic modelling</a:t>
+              <a:t>Extend data for better performance</a:t>
             </a:r>
+          </a:p>
+          <a:p>
+            <a:endParaRPr lang="en-GB" sz="2800" dirty="0">
+              <a:solidFill>
+                <a:srgbClr val="0D0D0D"/>
+              </a:solidFill>
+            </a:endParaRPr>
           </a:p>
           <a:p>
             <a:pPr marL="285750" indent="-285750">
               <a:buFont typeface="Arial" panose="020B0604020202020204" pitchFamily="34" charset="0"/>
               <a:buChar char="•"/>
             </a:pPr>
+            <a:r>
+              <a:rPr lang="en-GB" sz="2800" dirty="0">
+                <a:solidFill>
+                  <a:srgbClr val="0D0D0D"/>
+                </a:solidFill>
+              </a:rPr>
+              <a:t>Regular update of the model</a:t>
+            </a:r>
+          </a:p>
+          <a:p>
             <a:endParaRPr lang="en-GB" sz="2800" dirty="0">
               <a:solidFill>
                 <a:srgbClr val="0D0D0D"/>
@@ -11346,20 +11658,6 @@
               <a:buFont typeface="Arial" panose="020B0604020202020204" pitchFamily="34" charset="0"/>
               <a:buChar char="•"/>
             </a:pPr>
-            <a:r>
-              <a:rPr lang="en-GB" sz="2800" dirty="0">
-                <a:solidFill>
-                  <a:srgbClr val="0D0D0D"/>
-                </a:solidFill>
-              </a:rPr>
-              <a:t>Regular update of the model</a:t>
-            </a:r>
-          </a:p>
-          <a:p>
-            <a:pPr marL="285750" indent="-285750">
-              <a:buFont typeface="Arial" panose="020B0604020202020204" pitchFamily="34" charset="0"/>
-              <a:buChar char="•"/>
-            </a:pPr>
             <a:endParaRPr lang="en-GB" sz="2800" dirty="0">
               <a:solidFill>
                 <a:srgbClr val="0D0D0D"/>
@@ -11376,6 +11674,40 @@
                 <a:srgbClr val="0D0D0D"/>
               </a:solidFill>
             </a:endParaRPr>
+          </a:p>
+        </p:txBody>
+      </p:sp>
+      <p:sp>
+        <p:nvSpPr>
+          <p:cNvPr id="6" name="TextBox 5">
+            <a:extLst>
+              <a:ext uri="{FF2B5EF4-FFF2-40B4-BE49-F238E27FC236}">
+                <a16:creationId xmlns:a16="http://schemas.microsoft.com/office/drawing/2014/main" id="{80E47895-3E4E-177A-04C3-F2E0A480695B}"/>
+              </a:ext>
+            </a:extLst>
+          </p:cNvPr>
+          <p:cNvSpPr txBox="1"/>
+          <p:nvPr/>
+        </p:nvSpPr>
+        <p:spPr>
+          <a:xfrm>
+            <a:off x="3903157" y="4464587"/>
+            <a:ext cx="631131" cy="107722"/>
+          </a:xfrm>
+          <a:prstGeom prst="rect">
+            <a:avLst/>
+          </a:prstGeom>
+          <a:solidFill>
+            <a:srgbClr val="FCFCFC"/>
+          </a:solidFill>
+        </p:spPr>
+        <p:txBody>
+          <a:bodyPr wrap="square" rtlCol="0">
+            <a:spAutoFit/>
+          </a:bodyPr>
+          <a:lstStyle/>
+          <a:p>
+            <a:endParaRPr lang="en-GB" sz="100" dirty="0"/>
           </a:p>
         </p:txBody>
       </p:sp>
@@ -11502,8 +11834,8 @@
         </p:nvSpPr>
         <p:spPr>
           <a:xfrm>
-            <a:off x="179306" y="4523908"/>
-            <a:ext cx="5276642" cy="2237536"/>
+            <a:off x="147408" y="5140596"/>
+            <a:ext cx="5276642" cy="1615827"/>
           </a:xfrm>
           <a:prstGeom prst="rect">
             <a:avLst/>
@@ -11517,18 +11849,18 @@
           <a:lstStyle/>
           <a:p>
             <a:r>
-              <a:rPr lang="en-GB" sz="2400" dirty="0"/>
+              <a:rPr lang="en-GB" sz="2000" dirty="0"/>
               <a:t>Yasitha De Alwis</a:t>
             </a:r>
           </a:p>
           <a:p>
             <a:r>
-              <a:rPr lang="en-GB" sz="2400" dirty="0">
+              <a:rPr lang="en-GB" sz="2000" dirty="0">
                 <a:hlinkClick r:id="rId3"/>
               </a:rPr>
               <a:t>ydealwis@gmail.com</a:t>
             </a:r>
-            <a:endParaRPr lang="en-GB" sz="2400" dirty="0"/>
+            <a:endParaRPr lang="en-GB" sz="2000" dirty="0"/>
           </a:p>
           <a:p>
             <a:pPr algn="l">
@@ -11540,16 +11872,20 @@
               </a:spcAft>
             </a:pPr>
             <a:r>
-              <a:rPr lang="en-US" sz="2400" dirty="0"/>
-              <a:t>Git Hub : </a:t>
+              <a:rPr lang="en-US" sz="2000" dirty="0" err="1"/>
+              <a:t>Github</a:t>
             </a:r>
             <a:r>
-              <a:rPr lang="en-US" sz="2400" dirty="0">
+              <a:rPr lang="en-US" sz="2000" dirty="0"/>
+              <a:t> : </a:t>
+            </a:r>
+            <a:r>
+              <a:rPr lang="en-US" sz="2000" dirty="0">
                 <a:hlinkClick r:id="rId4"/>
               </a:rPr>
               <a:t>@yasiSriLanka</a:t>
             </a:r>
-            <a:endParaRPr lang="en-US" sz="2400" dirty="0"/>
+            <a:endParaRPr lang="en-US" sz="2000" dirty="0"/>
           </a:p>
           <a:p>
             <a:pPr algn="l">
@@ -11561,20 +11897,20 @@
               </a:spcAft>
             </a:pPr>
             <a:r>
-              <a:rPr lang="en-US" sz="2400" dirty="0" err="1"/>
+              <a:rPr lang="en-US" sz="2000" dirty="0" err="1"/>
               <a:t>Linkedin</a:t>
             </a:r>
             <a:r>
-              <a:rPr lang="en-US" sz="2400" dirty="0"/>
+              <a:rPr lang="en-US" sz="2000" dirty="0"/>
               <a:t>: </a:t>
             </a:r>
             <a:r>
-              <a:rPr lang="en-US" sz="2400" dirty="0">
+              <a:rPr lang="en-US" sz="2000" dirty="0">
                 <a:hlinkClick r:id="rId5"/>
               </a:rPr>
               <a:t>https://www.linkedin.com/in/yasitha-de-alwis/</a:t>
             </a:r>
-            <a:endParaRPr lang="en-GB" sz="2400" dirty="0"/>
+            <a:endParaRPr lang="en-GB" sz="2000" dirty="0"/>
           </a:p>
         </p:txBody>
       </p:sp>
@@ -12917,21 +13253,21 @@
               <a:rPr lang="en-GB" sz="1600" dirty="0">
                 <a:latin typeface="Trebuchet MS" panose="020B0603020202020204" pitchFamily="34" charset="0"/>
               </a:rPr>
-              <a:t>Most borrowers (58%) </a:t>
+              <a:t>Most borrowers (51%) </a:t>
             </a:r>
             <a:r>
               <a:rPr lang="en-GB" sz="1600" i="0" dirty="0">
                 <a:effectLst/>
                 <a:latin typeface="Trebuchet MS" panose="020B0603020202020204" pitchFamily="34" charset="0"/>
               </a:rPr>
-              <a:t>take out a personal loan to </a:t>
+              <a:t>take out a personal loan to pay down debt i.e. </a:t>
             </a:r>
             <a:r>
               <a:rPr lang="en-GB" sz="1600" b="1" i="0" dirty="0">
                 <a:effectLst/>
                 <a:latin typeface="Trebuchet MS" panose="020B0603020202020204" pitchFamily="34" charset="0"/>
               </a:rPr>
-              <a:t>consolidate debt, refinance credit cards or home improvements</a:t>
+              <a:t>consolidate debt or refinance credit cards.</a:t>
             </a:r>
             <a:endParaRPr lang="en-GB" sz="1600" b="1" dirty="0">
               <a:latin typeface="Trebuchet MS" panose="020B0603020202020204" pitchFamily="34" charset="0"/>
@@ -13476,6 +13812,47 @@
           </a:p>
         </p:txBody>
       </p:sp>
+      <p:sp>
+        <p:nvSpPr>
+          <p:cNvPr id="6" name="TextBox 5">
+            <a:extLst>
+              <a:ext uri="{FF2B5EF4-FFF2-40B4-BE49-F238E27FC236}">
+                <a16:creationId xmlns:a16="http://schemas.microsoft.com/office/drawing/2014/main" id="{E256A557-E123-5EC7-17EC-8CB98F62C6FF}"/>
+              </a:ext>
+            </a:extLst>
+          </p:cNvPr>
+          <p:cNvSpPr txBox="1"/>
+          <p:nvPr/>
+        </p:nvSpPr>
+        <p:spPr>
+          <a:xfrm>
+            <a:off x="2280683" y="5380075"/>
+            <a:ext cx="4232393" cy="707886"/>
+          </a:xfrm>
+          <a:prstGeom prst="rect">
+            <a:avLst/>
+          </a:prstGeom>
+          <a:noFill/>
+        </p:spPr>
+        <p:txBody>
+          <a:bodyPr wrap="square" rtlCol="0">
+            <a:spAutoFit/>
+          </a:bodyPr>
+          <a:lstStyle/>
+          <a:p>
+            <a:r>
+              <a:rPr lang="en-GB" sz="2000" b="1" dirty="0"/>
+              <a:t>Objective </a:t>
+            </a:r>
+          </a:p>
+          <a:p>
+            <a:r>
+              <a:rPr lang="en-GB" sz="2000" b="1" dirty="0"/>
+              <a:t>Model to Predict Creditworthiness</a:t>
+            </a:r>
+          </a:p>
+        </p:txBody>
+      </p:sp>
     </p:spTree>
     <p:extLst>
       <p:ext uri="{BB962C8B-B14F-4D97-AF65-F5344CB8AC3E}">
@@ -13486,10 +13863,3827 @@
   <p:clrMapOvr>
     <a:masterClrMapping/>
   </p:clrMapOvr>
+  <p:timing>
+    <p:tnLst>
+      <p:par>
+        <p:cTn id="1" dur="indefinite" restart="never" nodeType="tmRoot">
+          <p:childTnLst>
+            <p:seq concurrent="1" nextAc="seek">
+              <p:cTn id="2" dur="indefinite" nodeType="mainSeq">
+                <p:childTnLst>
+                  <p:par>
+                    <p:cTn id="3" fill="hold">
+                      <p:stCondLst>
+                        <p:cond delay="indefinite"/>
+                      </p:stCondLst>
+                      <p:childTnLst>
+                        <p:par>
+                          <p:cTn id="4" fill="hold">
+                            <p:stCondLst>
+                              <p:cond delay="0"/>
+                            </p:stCondLst>
+                            <p:childTnLst>
+                              <p:par>
+                                <p:cTn id="5" presetID="1" presetClass="entr" presetSubtype="0" fill="hold" grpId="0" nodeType="clickEffect">
+                                  <p:stCondLst>
+                                    <p:cond delay="0"/>
+                                  </p:stCondLst>
+                                  <p:childTnLst>
+                                    <p:set>
+                                      <p:cBhvr>
+                                        <p:cTn id="6" dur="1" fill="hold">
+                                          <p:stCondLst>
+                                            <p:cond delay="0"/>
+                                          </p:stCondLst>
+                                        </p:cTn>
+                                        <p:tgtEl>
+                                          <p:spTgt spid="6"/>
+                                        </p:tgtEl>
+                                        <p:attrNameLst>
+                                          <p:attrName>style.visibility</p:attrName>
+                                        </p:attrNameLst>
+                                      </p:cBhvr>
+                                      <p:to>
+                                        <p:strVal val="visible"/>
+                                      </p:to>
+                                    </p:set>
+                                  </p:childTnLst>
+                                </p:cTn>
+                              </p:par>
+                            </p:childTnLst>
+                          </p:cTn>
+                        </p:par>
+                      </p:childTnLst>
+                    </p:cTn>
+                  </p:par>
+                </p:childTnLst>
+              </p:cTn>
+              <p:prevCondLst>
+                <p:cond evt="onPrev" delay="0">
+                  <p:tgtEl>
+                    <p:sldTgt/>
+                  </p:tgtEl>
+                </p:cond>
+              </p:prevCondLst>
+              <p:nextCondLst>
+                <p:cond evt="onNext" delay="0">
+                  <p:tgtEl>
+                    <p:sldTgt/>
+                  </p:tgtEl>
+                </p:cond>
+              </p:nextCondLst>
+            </p:seq>
+          </p:childTnLst>
+        </p:cTn>
+      </p:par>
+    </p:tnLst>
+    <p:bldLst>
+      <p:bldP spid="6" grpId="0"/>
+    </p:bldLst>
+  </p:timing>
 </p:sld>
 </file>
 
 <file path=ppt/slides/slide4.xml><?xml version="1.0" encoding="utf-8"?>
+<p:sld xmlns:a="http://schemas.openxmlformats.org/drawingml/2006/main" xmlns:r="http://schemas.openxmlformats.org/officeDocument/2006/relationships" xmlns:p="http://schemas.openxmlformats.org/presentationml/2006/main">
+  <p:cSld>
+    <p:spTree>
+      <p:nvGrpSpPr>
+        <p:cNvPr id="1" name=""/>
+        <p:cNvGrpSpPr/>
+        <p:nvPr/>
+      </p:nvGrpSpPr>
+      <p:grpSpPr>
+        <a:xfrm>
+          <a:off x="0" y="0"/>
+          <a:ext cx="0" cy="0"/>
+          <a:chOff x="0" y="0"/>
+          <a:chExt cx="0" cy="0"/>
+        </a:xfrm>
+      </p:grpSpPr>
+      <p:sp>
+        <p:nvSpPr>
+          <p:cNvPr id="3" name="Shape 9641">
+            <a:extLst>
+              <a:ext uri="{FF2B5EF4-FFF2-40B4-BE49-F238E27FC236}">
+                <a16:creationId xmlns:a16="http://schemas.microsoft.com/office/drawing/2014/main" id="{6F21A49A-7B8A-FF44-9B07-213878D3B68F}"/>
+              </a:ext>
+            </a:extLst>
+          </p:cNvPr>
+          <p:cNvSpPr/>
+          <p:nvPr/>
+        </p:nvSpPr>
+        <p:spPr>
+          <a:xfrm>
+            <a:off x="762000" y="1286911"/>
+            <a:ext cx="477447" cy="5571090"/>
+          </a:xfrm>
+          <a:prstGeom prst="round2SameRect">
+            <a:avLst>
+              <a:gd name="adj1" fmla="val 50000"/>
+              <a:gd name="adj2" fmla="val 0"/>
+            </a:avLst>
+          </a:prstGeom>
+          <a:solidFill>
+            <a:srgbClr val="B9B9B9"/>
+          </a:solidFill>
+          <a:ln w="12700" cap="flat">
+            <a:noFill/>
+            <a:miter lim="400000"/>
+          </a:ln>
+          <a:effectLst/>
+        </p:spPr>
+        <p:txBody>
+          <a:bodyPr wrap="square" lIns="0" tIns="0" rIns="0" bIns="0" numCol="1" anchor="t">
+            <a:noAutofit/>
+          </a:bodyPr>
+          <a:lstStyle/>
+          <a:p>
+            <a:pPr marL="0" marR="0" lvl="0" indent="0" algn="l" defTabSz="914217" rtl="0" eaLnBrk="1" fontAlgn="auto" latinLnBrk="0" hangingPunct="1">
+              <a:lnSpc>
+                <a:spcPct val="100000"/>
+              </a:lnSpc>
+              <a:spcBef>
+                <a:spcPts val="0"/>
+              </a:spcBef>
+              <a:spcAft>
+                <a:spcPts val="0"/>
+              </a:spcAft>
+              <a:buClrTx/>
+              <a:buSzTx/>
+              <a:buFontTx/>
+              <a:buNone/>
+              <a:tabLst/>
+              <a:defRPr/>
+            </a:pPr>
+            <a:endParaRPr kumimoji="0" sz="2532" b="0" i="0" u="none" strike="noStrike" kern="1200" cap="none" spc="0" normalizeH="0" baseline="0" noProof="0" dirty="0">
+              <a:ln>
+                <a:noFill/>
+              </a:ln>
+              <a:solidFill>
+                <a:srgbClr val="B3B3B3"/>
+              </a:solidFill>
+              <a:effectLst/>
+              <a:uLnTx/>
+              <a:uFillTx/>
+              <a:latin typeface="Lato Light" panose="020F0502020204030203" pitchFamily="34" charset="0"/>
+              <a:ea typeface="+mn-ea"/>
+              <a:cs typeface="+mn-cs"/>
+            </a:endParaRPr>
+          </a:p>
+        </p:txBody>
+      </p:sp>
+      <p:sp>
+        <p:nvSpPr>
+          <p:cNvPr id="31" name="Shape 9642">
+            <a:extLst>
+              <a:ext uri="{FF2B5EF4-FFF2-40B4-BE49-F238E27FC236}">
+                <a16:creationId xmlns:a16="http://schemas.microsoft.com/office/drawing/2014/main" id="{5600BC78-490E-7C4C-A733-91F194609E88}"/>
+              </a:ext>
+            </a:extLst>
+          </p:cNvPr>
+          <p:cNvSpPr/>
+          <p:nvPr/>
+        </p:nvSpPr>
+        <p:spPr>
+          <a:xfrm>
+            <a:off x="1781714" y="1814378"/>
+            <a:ext cx="4546396" cy="746013"/>
+          </a:xfrm>
+          <a:custGeom>
+            <a:avLst/>
+            <a:gdLst/>
+            <a:ahLst/>
+            <a:cxnLst>
+              <a:cxn ang="0">
+                <a:pos x="wd2" y="hd2"/>
+              </a:cxn>
+              <a:cxn ang="5400000">
+                <a:pos x="wd2" y="hd2"/>
+              </a:cxn>
+              <a:cxn ang="10800000">
+                <a:pos x="wd2" y="hd2"/>
+              </a:cxn>
+              <a:cxn ang="16200000">
+                <a:pos x="wd2" y="hd2"/>
+              </a:cxn>
+            </a:cxnLst>
+            <a:rect l="0" t="0" r="r" b="b"/>
+            <a:pathLst>
+              <a:path w="21600" h="21600" extrusionOk="0">
+                <a:moveTo>
+                  <a:pt x="0" y="0"/>
+                </a:moveTo>
+                <a:lnTo>
+                  <a:pt x="0" y="21600"/>
+                </a:lnTo>
+                <a:lnTo>
+                  <a:pt x="18971" y="21600"/>
+                </a:lnTo>
+                <a:lnTo>
+                  <a:pt x="21600" y="10800"/>
+                </a:lnTo>
+                <a:lnTo>
+                  <a:pt x="18971" y="0"/>
+                </a:lnTo>
+                <a:lnTo>
+                  <a:pt x="0" y="0"/>
+                </a:lnTo>
+                <a:close/>
+              </a:path>
+            </a:pathLst>
+          </a:custGeom>
+          <a:solidFill>
+            <a:schemeClr val="accent1"/>
+          </a:solidFill>
+          <a:ln w="12700" cap="flat">
+            <a:noFill/>
+            <a:miter lim="400000"/>
+          </a:ln>
+          <a:effectLst/>
+        </p:spPr>
+        <p:txBody>
+          <a:bodyPr wrap="square" lIns="0" tIns="0" rIns="0" bIns="0" numCol="1" anchor="t">
+            <a:noAutofit/>
+          </a:bodyPr>
+          <a:lstStyle/>
+          <a:p>
+            <a:pPr marL="0" marR="0" lvl="0" indent="0" algn="l" defTabSz="914217" rtl="0" eaLnBrk="1" fontAlgn="auto" latinLnBrk="0" hangingPunct="1">
+              <a:lnSpc>
+                <a:spcPct val="100000"/>
+              </a:lnSpc>
+              <a:spcBef>
+                <a:spcPts val="0"/>
+              </a:spcBef>
+              <a:spcAft>
+                <a:spcPts val="0"/>
+              </a:spcAft>
+              <a:buClrTx/>
+              <a:buSzTx/>
+              <a:buFontTx/>
+              <a:buNone/>
+              <a:tabLst/>
+              <a:defRPr/>
+            </a:pPr>
+            <a:endParaRPr kumimoji="0" sz="2532" b="0" i="0" u="none" strike="noStrike" kern="1200" cap="none" spc="0" normalizeH="0" baseline="0" noProof="0" dirty="0">
+              <a:ln>
+                <a:noFill/>
+              </a:ln>
+              <a:solidFill>
+                <a:srgbClr val="B3B3B3"/>
+              </a:solidFill>
+              <a:effectLst/>
+              <a:uLnTx/>
+              <a:uFillTx/>
+              <a:latin typeface="Lato Light" panose="020F0502020204030203" pitchFamily="34" charset="0"/>
+              <a:ea typeface="+mn-ea"/>
+              <a:cs typeface="+mn-cs"/>
+            </a:endParaRPr>
+          </a:p>
+        </p:txBody>
+      </p:sp>
+      <p:sp>
+        <p:nvSpPr>
+          <p:cNvPr id="32" name="Shape 9643">
+            <a:extLst>
+              <a:ext uri="{FF2B5EF4-FFF2-40B4-BE49-F238E27FC236}">
+                <a16:creationId xmlns:a16="http://schemas.microsoft.com/office/drawing/2014/main" id="{8AA9C7BF-2373-6649-808C-D96771E0CB25}"/>
+              </a:ext>
+            </a:extLst>
+          </p:cNvPr>
+          <p:cNvSpPr/>
+          <p:nvPr/>
+        </p:nvSpPr>
+        <p:spPr>
+          <a:xfrm>
+            <a:off x="1304267" y="1814337"/>
+            <a:ext cx="477447" cy="746054"/>
+          </a:xfrm>
+          <a:prstGeom prst="rect">
+            <a:avLst/>
+          </a:prstGeom>
+          <a:solidFill>
+            <a:schemeClr val="accent1">
+              <a:lumMod val="75000"/>
+            </a:schemeClr>
+          </a:solidFill>
+          <a:ln w="12700" cap="flat">
+            <a:noFill/>
+            <a:miter lim="400000"/>
+          </a:ln>
+          <a:effectLst/>
+        </p:spPr>
+        <p:txBody>
+          <a:bodyPr wrap="square" lIns="0" tIns="0" rIns="0" bIns="0" numCol="1" anchor="t">
+            <a:noAutofit/>
+          </a:bodyPr>
+          <a:lstStyle/>
+          <a:p>
+            <a:pPr marL="0" marR="0" lvl="0" indent="0" algn="l" defTabSz="914217" rtl="0" eaLnBrk="1" fontAlgn="auto" latinLnBrk="0" hangingPunct="1">
+              <a:lnSpc>
+                <a:spcPct val="100000"/>
+              </a:lnSpc>
+              <a:spcBef>
+                <a:spcPts val="0"/>
+              </a:spcBef>
+              <a:spcAft>
+                <a:spcPts val="0"/>
+              </a:spcAft>
+              <a:buClrTx/>
+              <a:buSzTx/>
+              <a:buFontTx/>
+              <a:buNone/>
+              <a:tabLst/>
+              <a:defRPr/>
+            </a:pPr>
+            <a:endParaRPr kumimoji="0" sz="2532" b="0" i="0" u="none" strike="noStrike" kern="1200" cap="none" spc="0" normalizeH="0" baseline="0" noProof="0" dirty="0">
+              <a:ln>
+                <a:noFill/>
+              </a:ln>
+              <a:solidFill>
+                <a:srgbClr val="B3B3B3"/>
+              </a:solidFill>
+              <a:effectLst/>
+              <a:uLnTx/>
+              <a:uFillTx/>
+              <a:latin typeface="Lato Light" panose="020F0502020204030203" pitchFamily="34" charset="0"/>
+              <a:ea typeface="+mn-ea"/>
+              <a:cs typeface="+mn-cs"/>
+            </a:endParaRPr>
+          </a:p>
+        </p:txBody>
+      </p:sp>
+      <p:sp>
+        <p:nvSpPr>
+          <p:cNvPr id="25" name="Shape 9649">
+            <a:extLst>
+              <a:ext uri="{FF2B5EF4-FFF2-40B4-BE49-F238E27FC236}">
+                <a16:creationId xmlns:a16="http://schemas.microsoft.com/office/drawing/2014/main" id="{6C7D827A-0C5C-BA4A-B688-3C32144497EE}"/>
+              </a:ext>
+            </a:extLst>
+          </p:cNvPr>
+          <p:cNvSpPr/>
+          <p:nvPr/>
+        </p:nvSpPr>
+        <p:spPr>
+          <a:xfrm>
+            <a:off x="1781714" y="2944452"/>
+            <a:ext cx="4546396" cy="746014"/>
+          </a:xfrm>
+          <a:custGeom>
+            <a:avLst/>
+            <a:gdLst/>
+            <a:ahLst/>
+            <a:cxnLst>
+              <a:cxn ang="0">
+                <a:pos x="wd2" y="hd2"/>
+              </a:cxn>
+              <a:cxn ang="5400000">
+                <a:pos x="wd2" y="hd2"/>
+              </a:cxn>
+              <a:cxn ang="10800000">
+                <a:pos x="wd2" y="hd2"/>
+              </a:cxn>
+              <a:cxn ang="16200000">
+                <a:pos x="wd2" y="hd2"/>
+              </a:cxn>
+            </a:cxnLst>
+            <a:rect l="0" t="0" r="r" b="b"/>
+            <a:pathLst>
+              <a:path w="21600" h="21600" extrusionOk="0">
+                <a:moveTo>
+                  <a:pt x="0" y="0"/>
+                </a:moveTo>
+                <a:lnTo>
+                  <a:pt x="0" y="21600"/>
+                </a:lnTo>
+                <a:lnTo>
+                  <a:pt x="18971" y="21600"/>
+                </a:lnTo>
+                <a:lnTo>
+                  <a:pt x="21600" y="10800"/>
+                </a:lnTo>
+                <a:lnTo>
+                  <a:pt x="18971" y="0"/>
+                </a:lnTo>
+                <a:lnTo>
+                  <a:pt x="0" y="0"/>
+                </a:lnTo>
+                <a:close/>
+              </a:path>
+            </a:pathLst>
+          </a:custGeom>
+          <a:solidFill>
+            <a:schemeClr val="accent2"/>
+          </a:solidFill>
+          <a:ln w="12700" cap="flat">
+            <a:noFill/>
+            <a:miter lim="400000"/>
+          </a:ln>
+          <a:effectLst/>
+        </p:spPr>
+        <p:txBody>
+          <a:bodyPr wrap="square" lIns="0" tIns="0" rIns="0" bIns="0" numCol="1" anchor="t">
+            <a:noAutofit/>
+          </a:bodyPr>
+          <a:lstStyle/>
+          <a:p>
+            <a:pPr marL="0" marR="0" lvl="0" indent="0" algn="l" defTabSz="914217" rtl="0" eaLnBrk="1" fontAlgn="auto" latinLnBrk="0" hangingPunct="1">
+              <a:lnSpc>
+                <a:spcPct val="100000"/>
+              </a:lnSpc>
+              <a:spcBef>
+                <a:spcPts val="0"/>
+              </a:spcBef>
+              <a:spcAft>
+                <a:spcPts val="0"/>
+              </a:spcAft>
+              <a:buClrTx/>
+              <a:buSzTx/>
+              <a:buFontTx/>
+              <a:buNone/>
+              <a:tabLst/>
+              <a:defRPr/>
+            </a:pPr>
+            <a:endParaRPr kumimoji="0" sz="2532" b="0" i="0" u="none" strike="noStrike" kern="1200" cap="none" spc="0" normalizeH="0" baseline="0" noProof="0" dirty="0">
+              <a:ln>
+                <a:noFill/>
+              </a:ln>
+              <a:solidFill>
+                <a:srgbClr val="B3B3B3"/>
+              </a:solidFill>
+              <a:effectLst/>
+              <a:uLnTx/>
+              <a:uFillTx/>
+              <a:latin typeface="Lato Light" panose="020F0502020204030203" pitchFamily="34" charset="0"/>
+              <a:ea typeface="+mn-ea"/>
+              <a:cs typeface="+mn-cs"/>
+            </a:endParaRPr>
+          </a:p>
+        </p:txBody>
+      </p:sp>
+      <p:sp>
+        <p:nvSpPr>
+          <p:cNvPr id="26" name="Shape 9650">
+            <a:extLst>
+              <a:ext uri="{FF2B5EF4-FFF2-40B4-BE49-F238E27FC236}">
+                <a16:creationId xmlns:a16="http://schemas.microsoft.com/office/drawing/2014/main" id="{F41C4E79-F4F9-774F-8E71-030B4DB92A7E}"/>
+              </a:ext>
+            </a:extLst>
+          </p:cNvPr>
+          <p:cNvSpPr/>
+          <p:nvPr/>
+        </p:nvSpPr>
+        <p:spPr>
+          <a:xfrm>
+            <a:off x="1304267" y="2944411"/>
+            <a:ext cx="477447" cy="746055"/>
+          </a:xfrm>
+          <a:prstGeom prst="rect">
+            <a:avLst/>
+          </a:prstGeom>
+          <a:solidFill>
+            <a:schemeClr val="accent2">
+              <a:lumMod val="75000"/>
+            </a:schemeClr>
+          </a:solidFill>
+          <a:ln w="12700" cap="flat">
+            <a:noFill/>
+            <a:miter lim="400000"/>
+          </a:ln>
+          <a:effectLst/>
+        </p:spPr>
+        <p:txBody>
+          <a:bodyPr wrap="square" lIns="0" tIns="0" rIns="0" bIns="0" numCol="1" anchor="t">
+            <a:noAutofit/>
+          </a:bodyPr>
+          <a:lstStyle/>
+          <a:p>
+            <a:pPr marL="0" marR="0" lvl="0" indent="0" algn="l" defTabSz="914217" rtl="0" eaLnBrk="1" fontAlgn="auto" latinLnBrk="0" hangingPunct="1">
+              <a:lnSpc>
+                <a:spcPct val="100000"/>
+              </a:lnSpc>
+              <a:spcBef>
+                <a:spcPts val="0"/>
+              </a:spcBef>
+              <a:spcAft>
+                <a:spcPts val="0"/>
+              </a:spcAft>
+              <a:buClrTx/>
+              <a:buSzTx/>
+              <a:buFontTx/>
+              <a:buNone/>
+              <a:tabLst/>
+              <a:defRPr/>
+            </a:pPr>
+            <a:endParaRPr kumimoji="0" sz="2532" b="0" i="0" u="none" strike="noStrike" kern="1200" cap="none" spc="0" normalizeH="0" baseline="0" noProof="0" dirty="0">
+              <a:ln>
+                <a:noFill/>
+              </a:ln>
+              <a:solidFill>
+                <a:srgbClr val="B3B3B3"/>
+              </a:solidFill>
+              <a:effectLst/>
+              <a:uLnTx/>
+              <a:uFillTx/>
+              <a:latin typeface="Lato Light" panose="020F0502020204030203" pitchFamily="34" charset="0"/>
+              <a:ea typeface="+mn-ea"/>
+              <a:cs typeface="+mn-cs"/>
+            </a:endParaRPr>
+          </a:p>
+        </p:txBody>
+      </p:sp>
+      <p:sp>
+        <p:nvSpPr>
+          <p:cNvPr id="19" name="Shape 9656">
+            <a:extLst>
+              <a:ext uri="{FF2B5EF4-FFF2-40B4-BE49-F238E27FC236}">
+                <a16:creationId xmlns:a16="http://schemas.microsoft.com/office/drawing/2014/main" id="{9BF9A9CA-F59C-8249-9B27-ECB14F42A9DE}"/>
+              </a:ext>
+            </a:extLst>
+          </p:cNvPr>
+          <p:cNvSpPr/>
+          <p:nvPr/>
+        </p:nvSpPr>
+        <p:spPr>
+          <a:xfrm>
+            <a:off x="1781714" y="4074526"/>
+            <a:ext cx="4546396" cy="746014"/>
+          </a:xfrm>
+          <a:custGeom>
+            <a:avLst/>
+            <a:gdLst/>
+            <a:ahLst/>
+            <a:cxnLst>
+              <a:cxn ang="0">
+                <a:pos x="wd2" y="hd2"/>
+              </a:cxn>
+              <a:cxn ang="5400000">
+                <a:pos x="wd2" y="hd2"/>
+              </a:cxn>
+              <a:cxn ang="10800000">
+                <a:pos x="wd2" y="hd2"/>
+              </a:cxn>
+              <a:cxn ang="16200000">
+                <a:pos x="wd2" y="hd2"/>
+              </a:cxn>
+            </a:cxnLst>
+            <a:rect l="0" t="0" r="r" b="b"/>
+            <a:pathLst>
+              <a:path w="21600" h="21600" extrusionOk="0">
+                <a:moveTo>
+                  <a:pt x="0" y="0"/>
+                </a:moveTo>
+                <a:lnTo>
+                  <a:pt x="0" y="21600"/>
+                </a:lnTo>
+                <a:lnTo>
+                  <a:pt x="18971" y="21600"/>
+                </a:lnTo>
+                <a:lnTo>
+                  <a:pt x="21600" y="10800"/>
+                </a:lnTo>
+                <a:lnTo>
+                  <a:pt x="18971" y="0"/>
+                </a:lnTo>
+                <a:lnTo>
+                  <a:pt x="0" y="0"/>
+                </a:lnTo>
+                <a:close/>
+              </a:path>
+            </a:pathLst>
+          </a:custGeom>
+          <a:solidFill>
+            <a:schemeClr val="accent3"/>
+          </a:solidFill>
+          <a:ln w="12700" cap="flat">
+            <a:noFill/>
+            <a:miter lim="400000"/>
+          </a:ln>
+          <a:effectLst/>
+        </p:spPr>
+        <p:txBody>
+          <a:bodyPr wrap="square" lIns="0" tIns="0" rIns="0" bIns="0" numCol="1" anchor="t">
+            <a:noAutofit/>
+          </a:bodyPr>
+          <a:lstStyle/>
+          <a:p>
+            <a:pPr marL="0" marR="0" lvl="0" indent="0" algn="l" defTabSz="914217" rtl="0" eaLnBrk="1" fontAlgn="auto" latinLnBrk="0" hangingPunct="1">
+              <a:lnSpc>
+                <a:spcPct val="100000"/>
+              </a:lnSpc>
+              <a:spcBef>
+                <a:spcPts val="0"/>
+              </a:spcBef>
+              <a:spcAft>
+                <a:spcPts val="0"/>
+              </a:spcAft>
+              <a:buClrTx/>
+              <a:buSzTx/>
+              <a:buFontTx/>
+              <a:buNone/>
+              <a:tabLst/>
+              <a:defRPr/>
+            </a:pPr>
+            <a:endParaRPr kumimoji="0" sz="2532" b="0" i="0" u="none" strike="noStrike" kern="1200" cap="none" spc="0" normalizeH="0" baseline="0" noProof="0" dirty="0">
+              <a:ln>
+                <a:noFill/>
+              </a:ln>
+              <a:solidFill>
+                <a:srgbClr val="B3B3B3"/>
+              </a:solidFill>
+              <a:effectLst/>
+              <a:uLnTx/>
+              <a:uFillTx/>
+              <a:latin typeface="Lato Light" panose="020F0502020204030203" pitchFamily="34" charset="0"/>
+              <a:ea typeface="+mn-ea"/>
+              <a:cs typeface="+mn-cs"/>
+            </a:endParaRPr>
+          </a:p>
+        </p:txBody>
+      </p:sp>
+      <p:sp>
+        <p:nvSpPr>
+          <p:cNvPr id="20" name="Shape 9657">
+            <a:extLst>
+              <a:ext uri="{FF2B5EF4-FFF2-40B4-BE49-F238E27FC236}">
+                <a16:creationId xmlns:a16="http://schemas.microsoft.com/office/drawing/2014/main" id="{A3883039-AB1C-9940-B66C-9BAA21F0527D}"/>
+              </a:ext>
+            </a:extLst>
+          </p:cNvPr>
+          <p:cNvSpPr/>
+          <p:nvPr/>
+        </p:nvSpPr>
+        <p:spPr>
+          <a:xfrm>
+            <a:off x="1304267" y="4074485"/>
+            <a:ext cx="477447" cy="746055"/>
+          </a:xfrm>
+          <a:prstGeom prst="rect">
+            <a:avLst/>
+          </a:prstGeom>
+          <a:solidFill>
+            <a:schemeClr val="accent3">
+              <a:lumMod val="75000"/>
+            </a:schemeClr>
+          </a:solidFill>
+          <a:ln w="12700" cap="flat">
+            <a:noFill/>
+            <a:miter lim="400000"/>
+          </a:ln>
+          <a:effectLst/>
+        </p:spPr>
+        <p:txBody>
+          <a:bodyPr wrap="square" lIns="0" tIns="0" rIns="0" bIns="0" numCol="1" anchor="t">
+            <a:noAutofit/>
+          </a:bodyPr>
+          <a:lstStyle/>
+          <a:p>
+            <a:pPr marL="0" marR="0" lvl="0" indent="0" algn="l" defTabSz="914217" rtl="0" eaLnBrk="1" fontAlgn="auto" latinLnBrk="0" hangingPunct="1">
+              <a:lnSpc>
+                <a:spcPct val="100000"/>
+              </a:lnSpc>
+              <a:spcBef>
+                <a:spcPts val="0"/>
+              </a:spcBef>
+              <a:spcAft>
+                <a:spcPts val="0"/>
+              </a:spcAft>
+              <a:buClrTx/>
+              <a:buSzTx/>
+              <a:buFontTx/>
+              <a:buNone/>
+              <a:tabLst/>
+              <a:defRPr/>
+            </a:pPr>
+            <a:endParaRPr kumimoji="0" sz="2532" b="0" i="0" u="none" strike="noStrike" kern="1200" cap="none" spc="0" normalizeH="0" baseline="0" noProof="0" dirty="0">
+              <a:ln>
+                <a:noFill/>
+              </a:ln>
+              <a:solidFill>
+                <a:srgbClr val="B3B3B3"/>
+              </a:solidFill>
+              <a:effectLst/>
+              <a:uLnTx/>
+              <a:uFillTx/>
+              <a:latin typeface="Lato Light" panose="020F0502020204030203" pitchFamily="34" charset="0"/>
+              <a:ea typeface="+mn-ea"/>
+              <a:cs typeface="+mn-cs"/>
+            </a:endParaRPr>
+          </a:p>
+        </p:txBody>
+      </p:sp>
+      <p:sp>
+        <p:nvSpPr>
+          <p:cNvPr id="13" name="Shape 9663">
+            <a:extLst>
+              <a:ext uri="{FF2B5EF4-FFF2-40B4-BE49-F238E27FC236}">
+                <a16:creationId xmlns:a16="http://schemas.microsoft.com/office/drawing/2014/main" id="{D0D323ED-7158-0E49-890E-64C9524726DE}"/>
+              </a:ext>
+            </a:extLst>
+          </p:cNvPr>
+          <p:cNvSpPr/>
+          <p:nvPr/>
+        </p:nvSpPr>
+        <p:spPr>
+          <a:xfrm>
+            <a:off x="1781714" y="5204602"/>
+            <a:ext cx="4546396" cy="746014"/>
+          </a:xfrm>
+          <a:custGeom>
+            <a:avLst/>
+            <a:gdLst/>
+            <a:ahLst/>
+            <a:cxnLst>
+              <a:cxn ang="0">
+                <a:pos x="wd2" y="hd2"/>
+              </a:cxn>
+              <a:cxn ang="5400000">
+                <a:pos x="wd2" y="hd2"/>
+              </a:cxn>
+              <a:cxn ang="10800000">
+                <a:pos x="wd2" y="hd2"/>
+              </a:cxn>
+              <a:cxn ang="16200000">
+                <a:pos x="wd2" y="hd2"/>
+              </a:cxn>
+            </a:cxnLst>
+            <a:rect l="0" t="0" r="r" b="b"/>
+            <a:pathLst>
+              <a:path w="21600" h="21600" extrusionOk="0">
+                <a:moveTo>
+                  <a:pt x="0" y="0"/>
+                </a:moveTo>
+                <a:lnTo>
+                  <a:pt x="0" y="21600"/>
+                </a:lnTo>
+                <a:lnTo>
+                  <a:pt x="18971" y="21600"/>
+                </a:lnTo>
+                <a:lnTo>
+                  <a:pt x="21600" y="10800"/>
+                </a:lnTo>
+                <a:lnTo>
+                  <a:pt x="18971" y="0"/>
+                </a:lnTo>
+                <a:lnTo>
+                  <a:pt x="0" y="0"/>
+                </a:lnTo>
+                <a:close/>
+              </a:path>
+            </a:pathLst>
+          </a:custGeom>
+          <a:solidFill>
+            <a:schemeClr val="accent4"/>
+          </a:solidFill>
+          <a:ln w="12700" cap="flat">
+            <a:noFill/>
+            <a:miter lim="400000"/>
+          </a:ln>
+          <a:effectLst/>
+        </p:spPr>
+        <p:txBody>
+          <a:bodyPr wrap="square" lIns="0" tIns="0" rIns="0" bIns="0" numCol="1" anchor="t">
+            <a:noAutofit/>
+          </a:bodyPr>
+          <a:lstStyle/>
+          <a:p>
+            <a:pPr marL="0" marR="0" lvl="0" indent="0" algn="l" defTabSz="914217" rtl="0" eaLnBrk="1" fontAlgn="auto" latinLnBrk="0" hangingPunct="1">
+              <a:lnSpc>
+                <a:spcPct val="100000"/>
+              </a:lnSpc>
+              <a:spcBef>
+                <a:spcPts val="0"/>
+              </a:spcBef>
+              <a:spcAft>
+                <a:spcPts val="0"/>
+              </a:spcAft>
+              <a:buClrTx/>
+              <a:buSzTx/>
+              <a:buFontTx/>
+              <a:buNone/>
+              <a:tabLst/>
+              <a:defRPr/>
+            </a:pPr>
+            <a:endParaRPr kumimoji="0" sz="2532" b="0" i="0" u="none" strike="noStrike" kern="1200" cap="none" spc="0" normalizeH="0" baseline="0" noProof="0" dirty="0">
+              <a:ln>
+                <a:noFill/>
+              </a:ln>
+              <a:solidFill>
+                <a:srgbClr val="B3B3B3"/>
+              </a:solidFill>
+              <a:effectLst/>
+              <a:uLnTx/>
+              <a:uFillTx/>
+              <a:latin typeface="Lato Light" panose="020F0502020204030203" pitchFamily="34" charset="0"/>
+              <a:ea typeface="+mn-ea"/>
+              <a:cs typeface="+mn-cs"/>
+            </a:endParaRPr>
+          </a:p>
+        </p:txBody>
+      </p:sp>
+      <p:sp>
+        <p:nvSpPr>
+          <p:cNvPr id="14" name="Shape 9664">
+            <a:extLst>
+              <a:ext uri="{FF2B5EF4-FFF2-40B4-BE49-F238E27FC236}">
+                <a16:creationId xmlns:a16="http://schemas.microsoft.com/office/drawing/2014/main" id="{BDBA2154-22D4-B24E-9947-4584312BC4A8}"/>
+              </a:ext>
+            </a:extLst>
+          </p:cNvPr>
+          <p:cNvSpPr/>
+          <p:nvPr/>
+        </p:nvSpPr>
+        <p:spPr>
+          <a:xfrm>
+            <a:off x="1304267" y="5204561"/>
+            <a:ext cx="477447" cy="746055"/>
+          </a:xfrm>
+          <a:prstGeom prst="rect">
+            <a:avLst/>
+          </a:prstGeom>
+          <a:solidFill>
+            <a:schemeClr val="accent4">
+              <a:lumMod val="75000"/>
+            </a:schemeClr>
+          </a:solidFill>
+          <a:ln w="12700" cap="flat">
+            <a:noFill/>
+            <a:miter lim="400000"/>
+          </a:ln>
+          <a:effectLst/>
+        </p:spPr>
+        <p:txBody>
+          <a:bodyPr wrap="square" lIns="0" tIns="0" rIns="0" bIns="0" numCol="1" anchor="t">
+            <a:noAutofit/>
+          </a:bodyPr>
+          <a:lstStyle/>
+          <a:p>
+            <a:pPr marL="0" marR="0" lvl="0" indent="0" algn="l" defTabSz="914217" rtl="0" eaLnBrk="1" fontAlgn="auto" latinLnBrk="0" hangingPunct="1">
+              <a:lnSpc>
+                <a:spcPct val="100000"/>
+              </a:lnSpc>
+              <a:spcBef>
+                <a:spcPts val="0"/>
+              </a:spcBef>
+              <a:spcAft>
+                <a:spcPts val="0"/>
+              </a:spcAft>
+              <a:buClrTx/>
+              <a:buSzTx/>
+              <a:buFontTx/>
+              <a:buNone/>
+              <a:tabLst/>
+              <a:defRPr/>
+            </a:pPr>
+            <a:endParaRPr kumimoji="0" sz="2532" b="0" i="0" u="none" strike="noStrike" kern="1200" cap="none" spc="0" normalizeH="0" baseline="0" noProof="0" dirty="0">
+              <a:ln>
+                <a:noFill/>
+              </a:ln>
+              <a:solidFill>
+                <a:srgbClr val="B3B3B3"/>
+              </a:solidFill>
+              <a:effectLst/>
+              <a:uLnTx/>
+              <a:uFillTx/>
+              <a:latin typeface="Lato Light" panose="020F0502020204030203" pitchFamily="34" charset="0"/>
+              <a:ea typeface="+mn-ea"/>
+              <a:cs typeface="+mn-cs"/>
+            </a:endParaRPr>
+          </a:p>
+        </p:txBody>
+      </p:sp>
+      <p:sp>
+        <p:nvSpPr>
+          <p:cNvPr id="36" name="TextBox 35">
+            <a:extLst>
+              <a:ext uri="{FF2B5EF4-FFF2-40B4-BE49-F238E27FC236}">
+                <a16:creationId xmlns:a16="http://schemas.microsoft.com/office/drawing/2014/main" id="{24C68440-3C0F-7941-B259-0E8891FE4921}"/>
+              </a:ext>
+            </a:extLst>
+          </p:cNvPr>
+          <p:cNvSpPr txBox="1"/>
+          <p:nvPr/>
+        </p:nvSpPr>
+        <p:spPr>
+          <a:xfrm>
+            <a:off x="4259598" y="291270"/>
+            <a:ext cx="3672801" cy="646331"/>
+          </a:xfrm>
+          <a:prstGeom prst="rect">
+            <a:avLst/>
+          </a:prstGeom>
+          <a:noFill/>
+        </p:spPr>
+        <p:txBody>
+          <a:bodyPr wrap="none" rtlCol="0">
+            <a:spAutoFit/>
+          </a:bodyPr>
+          <a:lstStyle/>
+          <a:p>
+            <a:pPr marL="0" marR="0" lvl="0" indent="0" algn="ctr" defTabSz="914217" rtl="0" eaLnBrk="1" fontAlgn="auto" latinLnBrk="0" hangingPunct="1">
+              <a:lnSpc>
+                <a:spcPct val="100000"/>
+              </a:lnSpc>
+              <a:spcBef>
+                <a:spcPts val="0"/>
+              </a:spcBef>
+              <a:spcAft>
+                <a:spcPts val="0"/>
+              </a:spcAft>
+              <a:buClrTx/>
+              <a:buSzTx/>
+              <a:buFontTx/>
+              <a:buNone/>
+              <a:tabLst/>
+              <a:defRPr/>
+            </a:pPr>
+            <a:r>
+              <a:rPr kumimoji="0" lang="en-US" sz="3600" b="1" i="0" u="none" strike="noStrike" kern="1200" cap="none" spc="0" normalizeH="0" baseline="0" noProof="0" dirty="0">
+                <a:ln>
+                  <a:noFill/>
+                </a:ln>
+                <a:solidFill>
+                  <a:srgbClr val="1C2835"/>
+                </a:solidFill>
+                <a:effectLst/>
+                <a:uLnTx/>
+                <a:uFillTx/>
+                <a:latin typeface="Poppins" pitchFamily="2" charset="77"/>
+                <a:ea typeface="+mn-ea"/>
+                <a:cs typeface="Poppins" pitchFamily="2" charset="77"/>
+              </a:rPr>
+              <a:t>Data Overview</a:t>
+            </a:r>
+          </a:p>
+        </p:txBody>
+      </p:sp>
+      <p:sp>
+        <p:nvSpPr>
+          <p:cNvPr id="41" name="Freeform 26">
+            <a:extLst>
+              <a:ext uri="{FF2B5EF4-FFF2-40B4-BE49-F238E27FC236}">
+                <a16:creationId xmlns:a16="http://schemas.microsoft.com/office/drawing/2014/main" id="{D77773BE-5B21-0F4D-A5C1-04F3B6CA4117}"/>
+              </a:ext>
+            </a:extLst>
+          </p:cNvPr>
+          <p:cNvSpPr>
+            <a:spLocks noChangeArrowheads="1"/>
+          </p:cNvSpPr>
+          <p:nvPr/>
+        </p:nvSpPr>
+        <p:spPr bwMode="auto">
+          <a:xfrm>
+            <a:off x="2032148" y="1988926"/>
+            <a:ext cx="454025" cy="396875"/>
+          </a:xfrm>
+          <a:custGeom>
+            <a:avLst/>
+            <a:gdLst>
+              <a:gd name="T0" fmla="*/ 1969 w 2521"/>
+              <a:gd name="T1" fmla="*/ 1260 h 2206"/>
+              <a:gd name="T2" fmla="*/ 1024 w 2521"/>
+              <a:gd name="T3" fmla="*/ 1260 h 2206"/>
+              <a:gd name="T4" fmla="*/ 1024 w 2521"/>
+              <a:gd name="T5" fmla="*/ 1103 h 2206"/>
+              <a:gd name="T6" fmla="*/ 1969 w 2521"/>
+              <a:gd name="T7" fmla="*/ 1103 h 2206"/>
+              <a:gd name="T8" fmla="*/ 1969 w 2521"/>
+              <a:gd name="T9" fmla="*/ 1260 h 2206"/>
+              <a:gd name="T10" fmla="*/ 1732 w 2521"/>
+              <a:gd name="T11" fmla="*/ 1575 h 2206"/>
+              <a:gd name="T12" fmla="*/ 1260 w 2521"/>
+              <a:gd name="T13" fmla="*/ 1575 h 2206"/>
+              <a:gd name="T14" fmla="*/ 1260 w 2521"/>
+              <a:gd name="T15" fmla="*/ 1418 h 2206"/>
+              <a:gd name="T16" fmla="*/ 1732 w 2521"/>
+              <a:gd name="T17" fmla="*/ 1418 h 2206"/>
+              <a:gd name="T18" fmla="*/ 1732 w 2521"/>
+              <a:gd name="T19" fmla="*/ 1575 h 2206"/>
+              <a:gd name="T20" fmla="*/ 2395 w 2521"/>
+              <a:gd name="T21" fmla="*/ 473 h 2206"/>
+              <a:gd name="T22" fmla="*/ 597 w 2521"/>
+              <a:gd name="T23" fmla="*/ 473 h 2206"/>
+              <a:gd name="T24" fmla="*/ 472 w 2521"/>
+              <a:gd name="T25" fmla="*/ 598 h 2206"/>
+              <a:gd name="T26" fmla="*/ 472 w 2521"/>
+              <a:gd name="T27" fmla="*/ 1890 h 2206"/>
+              <a:gd name="T28" fmla="*/ 472 w 2521"/>
+              <a:gd name="T29" fmla="*/ 1890 h 2206"/>
+              <a:gd name="T30" fmla="*/ 315 w 2521"/>
+              <a:gd name="T31" fmla="*/ 2048 h 2206"/>
+              <a:gd name="T32" fmla="*/ 315 w 2521"/>
+              <a:gd name="T33" fmla="*/ 2048 h 2206"/>
+              <a:gd name="T34" fmla="*/ 158 w 2521"/>
+              <a:gd name="T35" fmla="*/ 1890 h 2206"/>
+              <a:gd name="T36" fmla="*/ 158 w 2521"/>
+              <a:gd name="T37" fmla="*/ 191 h 2206"/>
+              <a:gd name="T38" fmla="*/ 190 w 2521"/>
+              <a:gd name="T39" fmla="*/ 158 h 2206"/>
+              <a:gd name="T40" fmla="*/ 842 w 2521"/>
+              <a:gd name="T41" fmla="*/ 158 h 2206"/>
+              <a:gd name="T42" fmla="*/ 1078 w 2521"/>
+              <a:gd name="T43" fmla="*/ 315 h 2206"/>
+              <a:gd name="T44" fmla="*/ 1857 w 2521"/>
+              <a:gd name="T45" fmla="*/ 315 h 2206"/>
+              <a:gd name="T46" fmla="*/ 1890 w 2521"/>
+              <a:gd name="T47" fmla="*/ 348 h 2206"/>
+              <a:gd name="T48" fmla="*/ 1890 w 2521"/>
+              <a:gd name="T49" fmla="*/ 394 h 2206"/>
+              <a:gd name="T50" fmla="*/ 2047 w 2521"/>
+              <a:gd name="T51" fmla="*/ 394 h 2206"/>
+              <a:gd name="T52" fmla="*/ 2047 w 2521"/>
+              <a:gd name="T53" fmla="*/ 283 h 2206"/>
+              <a:gd name="T54" fmla="*/ 1922 w 2521"/>
+              <a:gd name="T55" fmla="*/ 158 h 2206"/>
+              <a:gd name="T56" fmla="*/ 1126 w 2521"/>
+              <a:gd name="T57" fmla="*/ 158 h 2206"/>
+              <a:gd name="T58" fmla="*/ 890 w 2521"/>
+              <a:gd name="T59" fmla="*/ 0 h 2206"/>
+              <a:gd name="T60" fmla="*/ 125 w 2521"/>
+              <a:gd name="T61" fmla="*/ 0 h 2206"/>
+              <a:gd name="T62" fmla="*/ 0 w 2521"/>
+              <a:gd name="T63" fmla="*/ 125 h 2206"/>
+              <a:gd name="T64" fmla="*/ 0 w 2521"/>
+              <a:gd name="T65" fmla="*/ 1890 h 2206"/>
+              <a:gd name="T66" fmla="*/ 0 w 2521"/>
+              <a:gd name="T67" fmla="*/ 1890 h 2206"/>
+              <a:gd name="T68" fmla="*/ 315 w 2521"/>
+              <a:gd name="T69" fmla="*/ 2205 h 2206"/>
+              <a:gd name="T70" fmla="*/ 2205 w 2521"/>
+              <a:gd name="T71" fmla="*/ 2205 h 2206"/>
+              <a:gd name="T72" fmla="*/ 2205 w 2521"/>
+              <a:gd name="T73" fmla="*/ 2205 h 2206"/>
+              <a:gd name="T74" fmla="*/ 2520 w 2521"/>
+              <a:gd name="T75" fmla="*/ 1890 h 2206"/>
+              <a:gd name="T76" fmla="*/ 2520 w 2521"/>
+              <a:gd name="T77" fmla="*/ 598 h 2206"/>
+              <a:gd name="T78" fmla="*/ 2395 w 2521"/>
+              <a:gd name="T79" fmla="*/ 473 h 2206"/>
+            </a:gdLst>
+            <a:ahLst/>
+            <a:cxnLst>
+              <a:cxn ang="0">
+                <a:pos x="T0" y="T1"/>
+              </a:cxn>
+              <a:cxn ang="0">
+                <a:pos x="T2" y="T3"/>
+              </a:cxn>
+              <a:cxn ang="0">
+                <a:pos x="T4" y="T5"/>
+              </a:cxn>
+              <a:cxn ang="0">
+                <a:pos x="T6" y="T7"/>
+              </a:cxn>
+              <a:cxn ang="0">
+                <a:pos x="T8" y="T9"/>
+              </a:cxn>
+              <a:cxn ang="0">
+                <a:pos x="T10" y="T11"/>
+              </a:cxn>
+              <a:cxn ang="0">
+                <a:pos x="T12" y="T13"/>
+              </a:cxn>
+              <a:cxn ang="0">
+                <a:pos x="T14" y="T15"/>
+              </a:cxn>
+              <a:cxn ang="0">
+                <a:pos x="T16" y="T17"/>
+              </a:cxn>
+              <a:cxn ang="0">
+                <a:pos x="T18" y="T19"/>
+              </a:cxn>
+              <a:cxn ang="0">
+                <a:pos x="T20" y="T21"/>
+              </a:cxn>
+              <a:cxn ang="0">
+                <a:pos x="T22" y="T23"/>
+              </a:cxn>
+              <a:cxn ang="0">
+                <a:pos x="T24" y="T25"/>
+              </a:cxn>
+              <a:cxn ang="0">
+                <a:pos x="T26" y="T27"/>
+              </a:cxn>
+              <a:cxn ang="0">
+                <a:pos x="T28" y="T29"/>
+              </a:cxn>
+              <a:cxn ang="0">
+                <a:pos x="T30" y="T31"/>
+              </a:cxn>
+              <a:cxn ang="0">
+                <a:pos x="T32" y="T33"/>
+              </a:cxn>
+              <a:cxn ang="0">
+                <a:pos x="T34" y="T35"/>
+              </a:cxn>
+              <a:cxn ang="0">
+                <a:pos x="T36" y="T37"/>
+              </a:cxn>
+              <a:cxn ang="0">
+                <a:pos x="T38" y="T39"/>
+              </a:cxn>
+              <a:cxn ang="0">
+                <a:pos x="T40" y="T41"/>
+              </a:cxn>
+              <a:cxn ang="0">
+                <a:pos x="T42" y="T43"/>
+              </a:cxn>
+              <a:cxn ang="0">
+                <a:pos x="T44" y="T45"/>
+              </a:cxn>
+              <a:cxn ang="0">
+                <a:pos x="T46" y="T47"/>
+              </a:cxn>
+              <a:cxn ang="0">
+                <a:pos x="T48" y="T49"/>
+              </a:cxn>
+              <a:cxn ang="0">
+                <a:pos x="T50" y="T51"/>
+              </a:cxn>
+              <a:cxn ang="0">
+                <a:pos x="T52" y="T53"/>
+              </a:cxn>
+              <a:cxn ang="0">
+                <a:pos x="T54" y="T55"/>
+              </a:cxn>
+              <a:cxn ang="0">
+                <a:pos x="T56" y="T57"/>
+              </a:cxn>
+              <a:cxn ang="0">
+                <a:pos x="T58" y="T59"/>
+              </a:cxn>
+              <a:cxn ang="0">
+                <a:pos x="T60" y="T61"/>
+              </a:cxn>
+              <a:cxn ang="0">
+                <a:pos x="T62" y="T63"/>
+              </a:cxn>
+              <a:cxn ang="0">
+                <a:pos x="T64" y="T65"/>
+              </a:cxn>
+              <a:cxn ang="0">
+                <a:pos x="T66" y="T67"/>
+              </a:cxn>
+              <a:cxn ang="0">
+                <a:pos x="T68" y="T69"/>
+              </a:cxn>
+              <a:cxn ang="0">
+                <a:pos x="T70" y="T71"/>
+              </a:cxn>
+              <a:cxn ang="0">
+                <a:pos x="T72" y="T73"/>
+              </a:cxn>
+              <a:cxn ang="0">
+                <a:pos x="T74" y="T75"/>
+              </a:cxn>
+              <a:cxn ang="0">
+                <a:pos x="T76" y="T77"/>
+              </a:cxn>
+              <a:cxn ang="0">
+                <a:pos x="T78" y="T79"/>
+              </a:cxn>
+            </a:cxnLst>
+            <a:rect l="0" t="0" r="r" b="b"/>
+            <a:pathLst>
+              <a:path w="2521" h="2206">
+                <a:moveTo>
+                  <a:pt x="1969" y="1260"/>
+                </a:moveTo>
+                <a:lnTo>
+                  <a:pt x="1024" y="1260"/>
+                </a:lnTo>
+                <a:lnTo>
+                  <a:pt x="1024" y="1103"/>
+                </a:lnTo>
+                <a:lnTo>
+                  <a:pt x="1969" y="1103"/>
+                </a:lnTo>
+                <a:lnTo>
+                  <a:pt x="1969" y="1260"/>
+                </a:lnTo>
+                <a:close/>
+                <a:moveTo>
+                  <a:pt x="1732" y="1575"/>
+                </a:moveTo>
+                <a:lnTo>
+                  <a:pt x="1260" y="1575"/>
+                </a:lnTo>
+                <a:lnTo>
+                  <a:pt x="1260" y="1418"/>
+                </a:lnTo>
+                <a:lnTo>
+                  <a:pt x="1732" y="1418"/>
+                </a:lnTo>
+                <a:lnTo>
+                  <a:pt x="1732" y="1575"/>
+                </a:lnTo>
+                <a:close/>
+                <a:moveTo>
+                  <a:pt x="2395" y="473"/>
+                </a:moveTo>
+                <a:lnTo>
+                  <a:pt x="597" y="473"/>
+                </a:lnTo>
+                <a:lnTo>
+                  <a:pt x="472" y="598"/>
+                </a:lnTo>
+                <a:lnTo>
+                  <a:pt x="472" y="1890"/>
+                </a:lnTo>
+                <a:lnTo>
+                  <a:pt x="472" y="1890"/>
+                </a:lnTo>
+                <a:cubicBezTo>
+                  <a:pt x="472" y="1977"/>
+                  <a:pt x="402" y="2048"/>
+                  <a:pt x="315" y="2048"/>
+                </a:cubicBezTo>
+                <a:lnTo>
+                  <a:pt x="315" y="2048"/>
+                </a:lnTo>
+                <a:cubicBezTo>
+                  <a:pt x="228" y="2048"/>
+                  <a:pt x="158" y="1977"/>
+                  <a:pt x="158" y="1890"/>
+                </a:cubicBezTo>
+                <a:lnTo>
+                  <a:pt x="158" y="191"/>
+                </a:lnTo>
+                <a:lnTo>
+                  <a:pt x="190" y="158"/>
+                </a:lnTo>
+                <a:lnTo>
+                  <a:pt x="842" y="158"/>
+                </a:lnTo>
+                <a:lnTo>
+                  <a:pt x="1078" y="315"/>
+                </a:lnTo>
+                <a:lnTo>
+                  <a:pt x="1857" y="315"/>
+                </a:lnTo>
+                <a:lnTo>
+                  <a:pt x="1890" y="348"/>
+                </a:lnTo>
+                <a:lnTo>
+                  <a:pt x="1890" y="394"/>
+                </a:lnTo>
+                <a:lnTo>
+                  <a:pt x="2047" y="394"/>
+                </a:lnTo>
+                <a:lnTo>
+                  <a:pt x="2047" y="283"/>
+                </a:lnTo>
+                <a:lnTo>
+                  <a:pt x="1922" y="158"/>
+                </a:lnTo>
+                <a:lnTo>
+                  <a:pt x="1126" y="158"/>
+                </a:lnTo>
+                <a:lnTo>
+                  <a:pt x="890" y="0"/>
+                </a:lnTo>
+                <a:lnTo>
+                  <a:pt x="125" y="0"/>
+                </a:lnTo>
+                <a:lnTo>
+                  <a:pt x="0" y="125"/>
+                </a:lnTo>
+                <a:lnTo>
+                  <a:pt x="0" y="1890"/>
+                </a:lnTo>
+                <a:lnTo>
+                  <a:pt x="0" y="1890"/>
+                </a:lnTo>
+                <a:cubicBezTo>
+                  <a:pt x="0" y="2064"/>
+                  <a:pt x="142" y="2205"/>
+                  <a:pt x="315" y="2205"/>
+                </a:cubicBezTo>
+                <a:lnTo>
+                  <a:pt x="2205" y="2205"/>
+                </a:lnTo>
+                <a:lnTo>
+                  <a:pt x="2205" y="2205"/>
+                </a:lnTo>
+                <a:cubicBezTo>
+                  <a:pt x="2378" y="2205"/>
+                  <a:pt x="2520" y="2064"/>
+                  <a:pt x="2520" y="1890"/>
+                </a:cubicBezTo>
+                <a:lnTo>
+                  <a:pt x="2520" y="598"/>
+                </a:lnTo>
+                <a:lnTo>
+                  <a:pt x="2395" y="473"/>
+                </a:lnTo>
+                <a:close/>
+              </a:path>
+            </a:pathLst>
+          </a:custGeom>
+          <a:solidFill>
+            <a:schemeClr val="bg1"/>
+          </a:solidFill>
+          <a:ln>
+            <a:noFill/>
+          </a:ln>
+          <a:effectLst/>
+        </p:spPr>
+        <p:txBody>
+          <a:bodyPr wrap="none" anchor="ctr"/>
+          <a:lstStyle/>
+          <a:p>
+            <a:pPr marL="0" marR="0" lvl="0" indent="0" algn="l" defTabSz="914217" rtl="0" eaLnBrk="1" fontAlgn="auto" latinLnBrk="0" hangingPunct="1">
+              <a:lnSpc>
+                <a:spcPct val="100000"/>
+              </a:lnSpc>
+              <a:spcBef>
+                <a:spcPts val="0"/>
+              </a:spcBef>
+              <a:spcAft>
+                <a:spcPts val="0"/>
+              </a:spcAft>
+              <a:buClrTx/>
+              <a:buSzTx/>
+              <a:buFontTx/>
+              <a:buNone/>
+              <a:tabLst/>
+              <a:defRPr/>
+            </a:pPr>
+            <a:endParaRPr kumimoji="0" lang="en-US" sz="1800" b="0" i="0" u="none" strike="noStrike" kern="1200" cap="none" spc="0" normalizeH="0" baseline="0" noProof="0" dirty="0">
+              <a:ln>
+                <a:noFill/>
+              </a:ln>
+              <a:solidFill>
+                <a:srgbClr val="B3B3B3"/>
+              </a:solidFill>
+              <a:effectLst/>
+              <a:uLnTx/>
+              <a:uFillTx/>
+              <a:latin typeface="Lato Light" panose="020F0502020204030203" pitchFamily="34" charset="0"/>
+              <a:ea typeface="+mn-ea"/>
+              <a:cs typeface="+mn-cs"/>
+            </a:endParaRPr>
+          </a:p>
+        </p:txBody>
+      </p:sp>
+      <p:sp>
+        <p:nvSpPr>
+          <p:cNvPr id="42" name="TextBox 41">
+            <a:extLst>
+              <a:ext uri="{FF2B5EF4-FFF2-40B4-BE49-F238E27FC236}">
+                <a16:creationId xmlns:a16="http://schemas.microsoft.com/office/drawing/2014/main" id="{08D33F58-F61E-1948-8E82-31B2F0BA0B4E}"/>
+              </a:ext>
+            </a:extLst>
+          </p:cNvPr>
+          <p:cNvSpPr txBox="1"/>
+          <p:nvPr/>
+        </p:nvSpPr>
+        <p:spPr>
+          <a:xfrm>
+            <a:off x="2814438" y="2018087"/>
+            <a:ext cx="2700441" cy="338554"/>
+          </a:xfrm>
+          <a:prstGeom prst="rect">
+            <a:avLst/>
+          </a:prstGeom>
+          <a:noFill/>
+        </p:spPr>
+        <p:txBody>
+          <a:bodyPr wrap="square" rtlCol="0" anchor="ctr">
+            <a:spAutoFit/>
+          </a:bodyPr>
+          <a:lstStyle/>
+          <a:p>
+            <a:pPr marL="0" marR="0" lvl="0" indent="0" algn="l" defTabSz="914217" rtl="0" eaLnBrk="1" fontAlgn="auto" latinLnBrk="0" hangingPunct="1">
+              <a:lnSpc>
+                <a:spcPct val="100000"/>
+              </a:lnSpc>
+              <a:spcBef>
+                <a:spcPts val="0"/>
+              </a:spcBef>
+              <a:spcAft>
+                <a:spcPts val="0"/>
+              </a:spcAft>
+              <a:buClrTx/>
+              <a:buSzTx/>
+              <a:buFontTx/>
+              <a:buNone/>
+              <a:tabLst/>
+              <a:defRPr/>
+            </a:pPr>
+            <a:r>
+              <a:rPr kumimoji="0" lang="en-US" sz="1600" b="1" i="0" u="none" strike="noStrike" kern="1200" cap="none" spc="0" normalizeH="0" baseline="0" noProof="0" dirty="0">
+                <a:ln>
+                  <a:noFill/>
+                </a:ln>
+                <a:solidFill>
+                  <a:srgbClr val="FFFFFF"/>
+                </a:solidFill>
+                <a:effectLst/>
+                <a:uLnTx/>
+                <a:uFillTx/>
+                <a:latin typeface="Poppins" pitchFamily="2" charset="77"/>
+                <a:ea typeface="Lato Light" panose="020F0502020204030203" pitchFamily="34" charset="0"/>
+                <a:cs typeface="Poppins" pitchFamily="2" charset="77"/>
+              </a:rPr>
+              <a:t>Data Source</a:t>
+            </a:r>
+          </a:p>
+        </p:txBody>
+      </p:sp>
+      <p:sp>
+        <p:nvSpPr>
+          <p:cNvPr id="43" name="TextBox 42">
+            <a:extLst>
+              <a:ext uri="{FF2B5EF4-FFF2-40B4-BE49-F238E27FC236}">
+                <a16:creationId xmlns:a16="http://schemas.microsoft.com/office/drawing/2014/main" id="{BA83BF99-EE49-E244-A8CB-91486D0C8CD3}"/>
+              </a:ext>
+            </a:extLst>
+          </p:cNvPr>
+          <p:cNvSpPr txBox="1"/>
+          <p:nvPr/>
+        </p:nvSpPr>
+        <p:spPr>
+          <a:xfrm>
+            <a:off x="2814438" y="3148161"/>
+            <a:ext cx="2700441" cy="338554"/>
+          </a:xfrm>
+          <a:prstGeom prst="rect">
+            <a:avLst/>
+          </a:prstGeom>
+          <a:noFill/>
+        </p:spPr>
+        <p:txBody>
+          <a:bodyPr wrap="square" rtlCol="0" anchor="ctr">
+            <a:spAutoFit/>
+          </a:bodyPr>
+          <a:lstStyle/>
+          <a:p>
+            <a:pPr marL="0" marR="0" lvl="0" indent="0" algn="l" defTabSz="914217" rtl="0" eaLnBrk="1" fontAlgn="auto" latinLnBrk="0" hangingPunct="1">
+              <a:lnSpc>
+                <a:spcPct val="100000"/>
+              </a:lnSpc>
+              <a:spcBef>
+                <a:spcPts val="0"/>
+              </a:spcBef>
+              <a:spcAft>
+                <a:spcPts val="0"/>
+              </a:spcAft>
+              <a:buClrTx/>
+              <a:buSzTx/>
+              <a:buFontTx/>
+              <a:buNone/>
+              <a:tabLst/>
+              <a:defRPr/>
+            </a:pPr>
+            <a:r>
+              <a:rPr kumimoji="0" lang="en-US" sz="1600" b="1" i="0" u="none" strike="noStrike" kern="1200" cap="none" spc="0" normalizeH="0" baseline="0" noProof="0" dirty="0">
+                <a:ln>
+                  <a:noFill/>
+                </a:ln>
+                <a:solidFill>
+                  <a:srgbClr val="FFFFFF"/>
+                </a:solidFill>
+                <a:effectLst/>
+                <a:uLnTx/>
+                <a:uFillTx/>
+                <a:latin typeface="Poppins" pitchFamily="2" charset="77"/>
+                <a:ea typeface="Lato Light" panose="020F0502020204030203" pitchFamily="34" charset="0"/>
+                <a:cs typeface="Poppins" pitchFamily="2" charset="77"/>
+              </a:rPr>
+              <a:t>No of Records</a:t>
+            </a:r>
+          </a:p>
+        </p:txBody>
+      </p:sp>
+      <p:sp>
+        <p:nvSpPr>
+          <p:cNvPr id="44" name="TextBox 43">
+            <a:extLst>
+              <a:ext uri="{FF2B5EF4-FFF2-40B4-BE49-F238E27FC236}">
+                <a16:creationId xmlns:a16="http://schemas.microsoft.com/office/drawing/2014/main" id="{2419E5D0-00F5-084C-9E1F-6B3FE52BFC97}"/>
+              </a:ext>
+            </a:extLst>
+          </p:cNvPr>
+          <p:cNvSpPr txBox="1"/>
+          <p:nvPr/>
+        </p:nvSpPr>
+        <p:spPr>
+          <a:xfrm>
+            <a:off x="2814438" y="4278235"/>
+            <a:ext cx="2700441" cy="338554"/>
+          </a:xfrm>
+          <a:prstGeom prst="rect">
+            <a:avLst/>
+          </a:prstGeom>
+          <a:noFill/>
+        </p:spPr>
+        <p:txBody>
+          <a:bodyPr wrap="square" rtlCol="0" anchor="ctr">
+            <a:spAutoFit/>
+          </a:bodyPr>
+          <a:lstStyle/>
+          <a:p>
+            <a:pPr marL="0" marR="0" lvl="0" indent="0" algn="l" defTabSz="914217" rtl="0" eaLnBrk="1" fontAlgn="auto" latinLnBrk="0" hangingPunct="1">
+              <a:lnSpc>
+                <a:spcPct val="100000"/>
+              </a:lnSpc>
+              <a:spcBef>
+                <a:spcPts val="0"/>
+              </a:spcBef>
+              <a:spcAft>
+                <a:spcPts val="0"/>
+              </a:spcAft>
+              <a:buClrTx/>
+              <a:buSzTx/>
+              <a:buFontTx/>
+              <a:buNone/>
+              <a:tabLst/>
+              <a:defRPr/>
+            </a:pPr>
+            <a:r>
+              <a:rPr kumimoji="0" lang="en-US" sz="1600" b="1" i="0" u="none" strike="noStrike" kern="1200" cap="none" spc="0" normalizeH="0" baseline="0" noProof="0" dirty="0">
+                <a:ln>
+                  <a:noFill/>
+                </a:ln>
+                <a:solidFill>
+                  <a:srgbClr val="FFFFFF"/>
+                </a:solidFill>
+                <a:effectLst/>
+                <a:uLnTx/>
+                <a:uFillTx/>
+                <a:latin typeface="Poppins" pitchFamily="2" charset="77"/>
+                <a:ea typeface="Lato Light" panose="020F0502020204030203" pitchFamily="34" charset="0"/>
+                <a:cs typeface="Poppins" pitchFamily="2" charset="77"/>
+              </a:rPr>
+              <a:t>No of Variables</a:t>
+            </a:r>
+          </a:p>
+        </p:txBody>
+      </p:sp>
+      <p:sp>
+        <p:nvSpPr>
+          <p:cNvPr id="45" name="TextBox 44">
+            <a:extLst>
+              <a:ext uri="{FF2B5EF4-FFF2-40B4-BE49-F238E27FC236}">
+                <a16:creationId xmlns:a16="http://schemas.microsoft.com/office/drawing/2014/main" id="{C0BE8B9B-DE35-5F47-9536-E62ABCFEAB60}"/>
+              </a:ext>
+            </a:extLst>
+          </p:cNvPr>
+          <p:cNvSpPr txBox="1"/>
+          <p:nvPr/>
+        </p:nvSpPr>
+        <p:spPr>
+          <a:xfrm>
+            <a:off x="2814438" y="5408311"/>
+            <a:ext cx="2700441" cy="338554"/>
+          </a:xfrm>
+          <a:prstGeom prst="rect">
+            <a:avLst/>
+          </a:prstGeom>
+          <a:noFill/>
+        </p:spPr>
+        <p:txBody>
+          <a:bodyPr wrap="square" rtlCol="0" anchor="ctr">
+            <a:spAutoFit/>
+          </a:bodyPr>
+          <a:lstStyle/>
+          <a:p>
+            <a:pPr marL="0" marR="0" lvl="0" indent="0" algn="l" defTabSz="914217" rtl="0" eaLnBrk="1" fontAlgn="auto" latinLnBrk="0" hangingPunct="1">
+              <a:lnSpc>
+                <a:spcPct val="100000"/>
+              </a:lnSpc>
+              <a:spcBef>
+                <a:spcPts val="0"/>
+              </a:spcBef>
+              <a:spcAft>
+                <a:spcPts val="0"/>
+              </a:spcAft>
+              <a:buClrTx/>
+              <a:buSzTx/>
+              <a:buFontTx/>
+              <a:buNone/>
+              <a:tabLst/>
+              <a:defRPr/>
+            </a:pPr>
+            <a:r>
+              <a:rPr kumimoji="0" lang="en-US" sz="1600" b="1" i="0" u="none" strike="noStrike" kern="1200" cap="none" spc="0" normalizeH="0" baseline="0" noProof="0" dirty="0">
+                <a:ln>
+                  <a:noFill/>
+                </a:ln>
+                <a:solidFill>
+                  <a:srgbClr val="FFFFFF"/>
+                </a:solidFill>
+                <a:effectLst/>
+                <a:uLnTx/>
+                <a:uFillTx/>
+                <a:latin typeface="Poppins" pitchFamily="2" charset="77"/>
+                <a:ea typeface="Lato Light" panose="020F0502020204030203" pitchFamily="34" charset="0"/>
+                <a:cs typeface="Poppins" pitchFamily="2" charset="77"/>
+              </a:rPr>
+              <a:t>Feature Engineering</a:t>
+            </a:r>
+          </a:p>
+        </p:txBody>
+      </p:sp>
+      <p:sp>
+        <p:nvSpPr>
+          <p:cNvPr id="47" name="TextBox 46">
+            <a:extLst>
+              <a:ext uri="{FF2B5EF4-FFF2-40B4-BE49-F238E27FC236}">
+                <a16:creationId xmlns:a16="http://schemas.microsoft.com/office/drawing/2014/main" id="{3BCCAB58-8BE6-8743-8D1D-14A599A1891E}"/>
+              </a:ext>
+            </a:extLst>
+          </p:cNvPr>
+          <p:cNvSpPr txBox="1"/>
+          <p:nvPr/>
+        </p:nvSpPr>
+        <p:spPr>
+          <a:xfrm>
+            <a:off x="6895831" y="3040438"/>
+            <a:ext cx="1284327" cy="553998"/>
+          </a:xfrm>
+          <a:prstGeom prst="rect">
+            <a:avLst/>
+          </a:prstGeom>
+          <a:noFill/>
+        </p:spPr>
+        <p:txBody>
+          <a:bodyPr wrap="none" rtlCol="0" anchor="ctr">
+            <a:spAutoFit/>
+          </a:bodyPr>
+          <a:lstStyle/>
+          <a:p>
+            <a:pPr marL="0" marR="0" lvl="0" indent="0" algn="r" defTabSz="914217" rtl="0" eaLnBrk="1" fontAlgn="auto" latinLnBrk="0" hangingPunct="1">
+              <a:lnSpc>
+                <a:spcPct val="100000"/>
+              </a:lnSpc>
+              <a:spcBef>
+                <a:spcPts val="0"/>
+              </a:spcBef>
+              <a:spcAft>
+                <a:spcPts val="0"/>
+              </a:spcAft>
+              <a:buClrTx/>
+              <a:buSzTx/>
+              <a:buFontTx/>
+              <a:buNone/>
+              <a:tabLst/>
+              <a:defRPr/>
+            </a:pPr>
+            <a:r>
+              <a:rPr kumimoji="0" lang="en-US" sz="3000" b="1" i="0" u="none" strike="noStrike" kern="1200" cap="none" spc="0" normalizeH="0" baseline="0" noProof="0" dirty="0">
+                <a:ln>
+                  <a:noFill/>
+                </a:ln>
+                <a:solidFill>
+                  <a:srgbClr val="3984A3"/>
+                </a:solidFill>
+                <a:effectLst/>
+                <a:uLnTx/>
+                <a:uFillTx/>
+                <a:latin typeface="Poppins" pitchFamily="2" charset="77"/>
+                <a:ea typeface="+mn-ea"/>
+                <a:cs typeface="Poppins" pitchFamily="2" charset="77"/>
+              </a:rPr>
+              <a:t>500 K</a:t>
+            </a:r>
+          </a:p>
+        </p:txBody>
+      </p:sp>
+      <p:sp>
+        <p:nvSpPr>
+          <p:cNvPr id="48" name="TextBox 47">
+            <a:extLst>
+              <a:ext uri="{FF2B5EF4-FFF2-40B4-BE49-F238E27FC236}">
+                <a16:creationId xmlns:a16="http://schemas.microsoft.com/office/drawing/2014/main" id="{F93DF6A6-14B3-B240-8C3A-21C9560D7B51}"/>
+              </a:ext>
+            </a:extLst>
+          </p:cNvPr>
+          <p:cNvSpPr txBox="1"/>
+          <p:nvPr/>
+        </p:nvSpPr>
+        <p:spPr>
+          <a:xfrm>
+            <a:off x="7530621" y="4170513"/>
+            <a:ext cx="649538" cy="553998"/>
+          </a:xfrm>
+          <a:prstGeom prst="rect">
+            <a:avLst/>
+          </a:prstGeom>
+          <a:noFill/>
+        </p:spPr>
+        <p:txBody>
+          <a:bodyPr wrap="none" rtlCol="0" anchor="ctr">
+            <a:spAutoFit/>
+          </a:bodyPr>
+          <a:lstStyle/>
+          <a:p>
+            <a:pPr marL="0" marR="0" lvl="0" indent="0" algn="r" defTabSz="914217" rtl="0" eaLnBrk="1" fontAlgn="auto" latinLnBrk="0" hangingPunct="1">
+              <a:lnSpc>
+                <a:spcPct val="100000"/>
+              </a:lnSpc>
+              <a:spcBef>
+                <a:spcPts val="0"/>
+              </a:spcBef>
+              <a:spcAft>
+                <a:spcPts val="0"/>
+              </a:spcAft>
+              <a:buClrTx/>
+              <a:buSzTx/>
+              <a:buFontTx/>
+              <a:buNone/>
+              <a:tabLst/>
+              <a:defRPr/>
+            </a:pPr>
+            <a:r>
+              <a:rPr kumimoji="0" lang="en-US" sz="3000" b="1" i="0" u="none" strike="noStrike" kern="1200" cap="none" spc="0" normalizeH="0" baseline="0" noProof="0" dirty="0">
+                <a:ln>
+                  <a:noFill/>
+                </a:ln>
+                <a:solidFill>
+                  <a:srgbClr val="2B526A"/>
+                </a:solidFill>
+                <a:effectLst/>
+                <a:uLnTx/>
+                <a:uFillTx/>
+                <a:latin typeface="Poppins" pitchFamily="2" charset="77"/>
+                <a:ea typeface="+mn-ea"/>
+                <a:cs typeface="Poppins" pitchFamily="2" charset="77"/>
+              </a:rPr>
+              <a:t>26</a:t>
+            </a:r>
+          </a:p>
+        </p:txBody>
+      </p:sp>
+      <p:sp>
+        <p:nvSpPr>
+          <p:cNvPr id="49" name="TextBox 48">
+            <a:extLst>
+              <a:ext uri="{FF2B5EF4-FFF2-40B4-BE49-F238E27FC236}">
+                <a16:creationId xmlns:a16="http://schemas.microsoft.com/office/drawing/2014/main" id="{5259004F-15A2-894E-805B-37D21112363A}"/>
+              </a:ext>
+            </a:extLst>
+          </p:cNvPr>
+          <p:cNvSpPr txBox="1"/>
+          <p:nvPr/>
+        </p:nvSpPr>
+        <p:spPr>
+          <a:xfrm>
+            <a:off x="7763058" y="5300588"/>
+            <a:ext cx="417101" cy="553998"/>
+          </a:xfrm>
+          <a:prstGeom prst="rect">
+            <a:avLst/>
+          </a:prstGeom>
+          <a:noFill/>
+        </p:spPr>
+        <p:txBody>
+          <a:bodyPr wrap="none" rtlCol="0" anchor="ctr">
+            <a:spAutoFit/>
+          </a:bodyPr>
+          <a:lstStyle/>
+          <a:p>
+            <a:pPr marL="0" marR="0" lvl="0" indent="0" algn="r" defTabSz="914217" rtl="0" eaLnBrk="1" fontAlgn="auto" latinLnBrk="0" hangingPunct="1">
+              <a:lnSpc>
+                <a:spcPct val="100000"/>
+              </a:lnSpc>
+              <a:spcBef>
+                <a:spcPts val="0"/>
+              </a:spcBef>
+              <a:spcAft>
+                <a:spcPts val="0"/>
+              </a:spcAft>
+              <a:buClrTx/>
+              <a:buSzTx/>
+              <a:buFontTx/>
+              <a:buNone/>
+              <a:tabLst/>
+              <a:defRPr/>
+            </a:pPr>
+            <a:r>
+              <a:rPr kumimoji="0" lang="en-US" sz="3000" b="1" i="0" u="none" strike="noStrike" kern="1200" cap="none" spc="0" normalizeH="0" baseline="0" noProof="0" dirty="0">
+                <a:ln>
+                  <a:noFill/>
+                </a:ln>
+                <a:solidFill>
+                  <a:srgbClr val="6C88B7"/>
+                </a:solidFill>
+                <a:effectLst/>
+                <a:uLnTx/>
+                <a:uFillTx/>
+                <a:latin typeface="Poppins" pitchFamily="2" charset="77"/>
+                <a:ea typeface="+mn-ea"/>
+                <a:cs typeface="Poppins" pitchFamily="2" charset="77"/>
+              </a:rPr>
+              <a:t>3</a:t>
+            </a:r>
+          </a:p>
+        </p:txBody>
+      </p:sp>
+      <p:sp>
+        <p:nvSpPr>
+          <p:cNvPr id="50" name="TextBox 49">
+            <a:extLst>
+              <a:ext uri="{FF2B5EF4-FFF2-40B4-BE49-F238E27FC236}">
+                <a16:creationId xmlns:a16="http://schemas.microsoft.com/office/drawing/2014/main" id="{B0828A2E-E644-D34C-AF4F-F26AA4B4F5F4}"/>
+              </a:ext>
+            </a:extLst>
+          </p:cNvPr>
+          <p:cNvSpPr txBox="1"/>
+          <p:nvPr/>
+        </p:nvSpPr>
+        <p:spPr>
+          <a:xfrm>
+            <a:off x="8296946" y="1861625"/>
+            <a:ext cx="2346251" cy="553998"/>
+          </a:xfrm>
+          <a:prstGeom prst="rect">
+            <a:avLst/>
+          </a:prstGeom>
+          <a:noFill/>
+        </p:spPr>
+        <p:txBody>
+          <a:bodyPr wrap="square" rtlCol="0" anchor="ctr">
+            <a:spAutoFit/>
+          </a:bodyPr>
+          <a:lstStyle/>
+          <a:p>
+            <a:pPr marL="0" marR="0" lvl="0" indent="0" algn="just" defTabSz="914217" rtl="0" eaLnBrk="1" fontAlgn="auto" latinLnBrk="0" hangingPunct="1">
+              <a:lnSpc>
+                <a:spcPts val="1750"/>
+              </a:lnSpc>
+              <a:spcBef>
+                <a:spcPts val="0"/>
+              </a:spcBef>
+              <a:spcAft>
+                <a:spcPts val="0"/>
+              </a:spcAft>
+              <a:buClrTx/>
+              <a:buSzTx/>
+              <a:buFontTx/>
+              <a:buNone/>
+              <a:tabLst/>
+              <a:defRPr/>
+            </a:pPr>
+            <a:r>
+              <a:rPr kumimoji="0" lang="en-US" sz="1600" b="0" i="0" u="none" strike="noStrike" kern="1200" cap="none" spc="0" normalizeH="0" baseline="0" noProof="0" dirty="0">
+                <a:ln>
+                  <a:noFill/>
+                </a:ln>
+                <a:solidFill>
+                  <a:srgbClr val="000000"/>
+                </a:solidFill>
+                <a:effectLst/>
+                <a:uLnTx/>
+                <a:uFillTx/>
+                <a:latin typeface="Trebuchet MS" panose="020B0603020202020204" pitchFamily="34" charset="0"/>
+                <a:ea typeface="Lato Light" panose="020F0502020204030203" pitchFamily="34" charset="0"/>
+                <a:cs typeface="Lato Light" panose="020F0502020204030203" pitchFamily="34" charset="0"/>
+              </a:rPr>
+              <a:t>Kaggle dataset on personal loan portfolio</a:t>
+            </a:r>
+          </a:p>
+        </p:txBody>
+      </p:sp>
+      <p:sp>
+        <p:nvSpPr>
+          <p:cNvPr id="52" name="TextBox 51">
+            <a:extLst>
+              <a:ext uri="{FF2B5EF4-FFF2-40B4-BE49-F238E27FC236}">
+                <a16:creationId xmlns:a16="http://schemas.microsoft.com/office/drawing/2014/main" id="{48490F17-F6D3-154E-922F-44BE260CABEA}"/>
+              </a:ext>
+            </a:extLst>
+          </p:cNvPr>
+          <p:cNvSpPr txBox="1"/>
+          <p:nvPr/>
+        </p:nvSpPr>
+        <p:spPr>
+          <a:xfrm>
+            <a:off x="8296946" y="4081304"/>
+            <a:ext cx="3517152" cy="784830"/>
+          </a:xfrm>
+          <a:prstGeom prst="rect">
+            <a:avLst/>
+          </a:prstGeom>
+          <a:noFill/>
+        </p:spPr>
+        <p:txBody>
+          <a:bodyPr wrap="square" rtlCol="0" anchor="ctr">
+            <a:spAutoFit/>
+          </a:bodyPr>
+          <a:lstStyle>
+            <a:defPPr>
+              <a:defRPr lang="en-US"/>
+            </a:defPPr>
+            <a:lvl1pPr algn="just" defTabSz="914217">
+              <a:lnSpc>
+                <a:spcPts val="1750"/>
+              </a:lnSpc>
+              <a:defRPr sz="1400">
+                <a:solidFill>
+                  <a:srgbClr val="000000"/>
+                </a:solidFill>
+                <a:latin typeface="Trebuchet MS" panose="020B0603020202020204" pitchFamily="34" charset="0"/>
+                <a:ea typeface="Lato Light" panose="020F0502020204030203" pitchFamily="34" charset="0"/>
+                <a:cs typeface="Lato Light" panose="020F0502020204030203" pitchFamily="34" charset="0"/>
+              </a:defRPr>
+            </a:lvl1pPr>
+          </a:lstStyle>
+          <a:p>
+            <a:pPr marL="0" marR="0" lvl="0" indent="0" algn="just" defTabSz="914217" rtl="0" eaLnBrk="1" fontAlgn="auto" latinLnBrk="0" hangingPunct="1">
+              <a:lnSpc>
+                <a:spcPts val="1750"/>
+              </a:lnSpc>
+              <a:spcBef>
+                <a:spcPts val="0"/>
+              </a:spcBef>
+              <a:spcAft>
+                <a:spcPts val="0"/>
+              </a:spcAft>
+              <a:buClrTx/>
+              <a:buSzTx/>
+              <a:buFontTx/>
+              <a:buNone/>
+              <a:tabLst/>
+              <a:defRPr/>
+            </a:pPr>
+            <a:r>
+              <a:rPr kumimoji="0" lang="en-GB" sz="1600" b="0" i="0" u="none" strike="noStrike" kern="1200" cap="none" spc="0" normalizeH="0" baseline="0" noProof="0" dirty="0">
+                <a:ln>
+                  <a:noFill/>
+                </a:ln>
+                <a:solidFill>
+                  <a:srgbClr val="000000"/>
+                </a:solidFill>
+                <a:effectLst/>
+                <a:uLnTx/>
+                <a:uFillTx/>
+                <a:latin typeface="Trebuchet MS" panose="020B0603020202020204" pitchFamily="34" charset="0"/>
+                <a:ea typeface="Lato Light" panose="020F0502020204030203" pitchFamily="34" charset="0"/>
+                <a:cs typeface="Lato Light" panose="020F0502020204030203" pitchFamily="34" charset="0"/>
+              </a:rPr>
+              <a:t>Numerical Data : 16</a:t>
+            </a:r>
+            <a:endParaRPr kumimoji="0" lang="en-US" sz="1600" b="0" i="0" u="none" strike="noStrike" kern="1200" cap="none" spc="0" normalizeH="0" baseline="0" noProof="0" dirty="0">
+              <a:ln>
+                <a:noFill/>
+              </a:ln>
+              <a:solidFill>
+                <a:srgbClr val="000000"/>
+              </a:solidFill>
+              <a:effectLst/>
+              <a:uLnTx/>
+              <a:uFillTx/>
+              <a:latin typeface="Trebuchet MS" panose="020B0603020202020204" pitchFamily="34" charset="0"/>
+              <a:ea typeface="Lato Light" panose="020F0502020204030203" pitchFamily="34" charset="0"/>
+              <a:cs typeface="Lato Light" panose="020F0502020204030203" pitchFamily="34" charset="0"/>
+            </a:endParaRPr>
+          </a:p>
+          <a:p>
+            <a:pPr marL="0" marR="0" lvl="0" indent="0" algn="just" defTabSz="914217" rtl="0" eaLnBrk="1" fontAlgn="auto" latinLnBrk="0" hangingPunct="1">
+              <a:lnSpc>
+                <a:spcPts val="1750"/>
+              </a:lnSpc>
+              <a:spcBef>
+                <a:spcPts val="0"/>
+              </a:spcBef>
+              <a:spcAft>
+                <a:spcPts val="0"/>
+              </a:spcAft>
+              <a:buClrTx/>
+              <a:buSzTx/>
+              <a:buFontTx/>
+              <a:buNone/>
+              <a:tabLst/>
+              <a:defRPr/>
+            </a:pPr>
+            <a:r>
+              <a:rPr kumimoji="0" lang="en-GB" sz="1600" b="0" i="0" u="none" strike="noStrike" kern="1200" cap="none" spc="0" normalizeH="0" baseline="0" noProof="0" dirty="0">
+                <a:ln>
+                  <a:noFill/>
+                </a:ln>
+                <a:solidFill>
+                  <a:srgbClr val="000000"/>
+                </a:solidFill>
+                <a:effectLst/>
+                <a:uLnTx/>
+                <a:uFillTx/>
+                <a:latin typeface="Trebuchet MS" panose="020B0603020202020204" pitchFamily="34" charset="0"/>
+                <a:ea typeface="Lato Light" panose="020F0502020204030203" pitchFamily="34" charset="0"/>
+                <a:cs typeface="Lato Light" panose="020F0502020204030203" pitchFamily="34" charset="0"/>
+              </a:rPr>
+              <a:t>Categorical Data : 9</a:t>
+            </a:r>
+          </a:p>
+          <a:p>
+            <a:pPr marL="0" marR="0" lvl="0" indent="0" algn="just" defTabSz="914217" rtl="0" eaLnBrk="1" fontAlgn="auto" latinLnBrk="0" hangingPunct="1">
+              <a:lnSpc>
+                <a:spcPts val="1750"/>
+              </a:lnSpc>
+              <a:spcBef>
+                <a:spcPts val="0"/>
+              </a:spcBef>
+              <a:spcAft>
+                <a:spcPts val="0"/>
+              </a:spcAft>
+              <a:buClrTx/>
+              <a:buSzTx/>
+              <a:buFontTx/>
+              <a:buNone/>
+              <a:tabLst/>
+              <a:defRPr/>
+            </a:pPr>
+            <a:r>
+              <a:rPr kumimoji="0" lang="en-GB" sz="1600" b="0" i="0" u="none" strike="noStrike" kern="1200" cap="none" spc="0" normalizeH="0" baseline="0" noProof="0" dirty="0">
+                <a:ln>
+                  <a:noFill/>
+                </a:ln>
+                <a:solidFill>
+                  <a:srgbClr val="000000"/>
+                </a:solidFill>
+                <a:effectLst/>
+                <a:uLnTx/>
+                <a:uFillTx/>
+                <a:latin typeface="Trebuchet MS" panose="020B0603020202020204" pitchFamily="34" charset="0"/>
+                <a:ea typeface="Lato Light" panose="020F0502020204030203" pitchFamily="34" charset="0"/>
+                <a:cs typeface="Lato Light" panose="020F0502020204030203" pitchFamily="34" charset="0"/>
+              </a:rPr>
+              <a:t>Target Variable : Credit</a:t>
+            </a:r>
+            <a:r>
+              <a:rPr lang="en-GB" sz="1600" dirty="0"/>
+              <a:t>worthy/not</a:t>
+            </a:r>
+            <a:endParaRPr kumimoji="0" lang="en-US" sz="1600" b="0" i="0" u="none" strike="noStrike" kern="1200" cap="none" spc="0" normalizeH="0" baseline="0" noProof="0" dirty="0">
+              <a:ln>
+                <a:noFill/>
+              </a:ln>
+              <a:solidFill>
+                <a:srgbClr val="000000"/>
+              </a:solidFill>
+              <a:effectLst/>
+              <a:uLnTx/>
+              <a:uFillTx/>
+              <a:latin typeface="Trebuchet MS" panose="020B0603020202020204" pitchFamily="34" charset="0"/>
+              <a:ea typeface="Lato Light" panose="020F0502020204030203" pitchFamily="34" charset="0"/>
+              <a:cs typeface="Lato Light" panose="020F0502020204030203" pitchFamily="34" charset="0"/>
+            </a:endParaRPr>
+          </a:p>
+        </p:txBody>
+      </p:sp>
+      <p:sp>
+        <p:nvSpPr>
+          <p:cNvPr id="53" name="TextBox 52">
+            <a:extLst>
+              <a:ext uri="{FF2B5EF4-FFF2-40B4-BE49-F238E27FC236}">
+                <a16:creationId xmlns:a16="http://schemas.microsoft.com/office/drawing/2014/main" id="{AE33138F-EA67-E14B-AD47-5AEC328A9DDC}"/>
+              </a:ext>
+            </a:extLst>
+          </p:cNvPr>
+          <p:cNvSpPr txBox="1"/>
+          <p:nvPr/>
+        </p:nvSpPr>
+        <p:spPr>
+          <a:xfrm>
+            <a:off x="8296946" y="5127169"/>
+            <a:ext cx="3517152" cy="784830"/>
+          </a:xfrm>
+          <a:prstGeom prst="rect">
+            <a:avLst/>
+          </a:prstGeom>
+          <a:noFill/>
+        </p:spPr>
+        <p:txBody>
+          <a:bodyPr wrap="square" rtlCol="0" anchor="ctr">
+            <a:spAutoFit/>
+          </a:bodyPr>
+          <a:lstStyle>
+            <a:defPPr>
+              <a:defRPr lang="en-US"/>
+            </a:defPPr>
+            <a:lvl1pPr algn="just" defTabSz="914217">
+              <a:lnSpc>
+                <a:spcPts val="1750"/>
+              </a:lnSpc>
+              <a:defRPr sz="1400">
+                <a:solidFill>
+                  <a:srgbClr val="000000"/>
+                </a:solidFill>
+                <a:latin typeface="Trebuchet MS" panose="020B0603020202020204" pitchFamily="34" charset="0"/>
+                <a:ea typeface="Lato Light" panose="020F0502020204030203" pitchFamily="34" charset="0"/>
+                <a:cs typeface="Lato Light" panose="020F0502020204030203" pitchFamily="34" charset="0"/>
+              </a:defRPr>
+            </a:lvl1pPr>
+          </a:lstStyle>
+          <a:p>
+            <a:pPr marL="0" marR="0" lvl="0" indent="0" algn="just" defTabSz="914217" rtl="0" eaLnBrk="1" fontAlgn="auto" latinLnBrk="0" hangingPunct="1">
+              <a:lnSpc>
+                <a:spcPts val="1750"/>
+              </a:lnSpc>
+              <a:spcBef>
+                <a:spcPts val="0"/>
+              </a:spcBef>
+              <a:spcAft>
+                <a:spcPts val="0"/>
+              </a:spcAft>
+              <a:buClrTx/>
+              <a:buSzTx/>
+              <a:buFontTx/>
+              <a:buNone/>
+              <a:tabLst/>
+              <a:defRPr/>
+            </a:pPr>
+            <a:r>
+              <a:rPr kumimoji="0" lang="en-US" sz="1600" b="0" i="0" u="none" strike="noStrike" kern="1200" cap="none" spc="0" normalizeH="0" baseline="0" noProof="0" dirty="0">
+                <a:ln>
+                  <a:noFill/>
+                </a:ln>
+                <a:solidFill>
+                  <a:srgbClr val="000000"/>
+                </a:solidFill>
+                <a:effectLst/>
+                <a:uLnTx/>
+                <a:uFillTx/>
+                <a:latin typeface="Trebuchet MS" panose="020B0603020202020204" pitchFamily="34" charset="0"/>
+                <a:ea typeface="Lato Light" panose="020F0502020204030203" pitchFamily="34" charset="0"/>
+                <a:cs typeface="Lato Light" panose="020F0502020204030203" pitchFamily="34" charset="0"/>
+              </a:rPr>
+              <a:t>Annual loan installment</a:t>
+            </a:r>
+          </a:p>
+          <a:p>
+            <a:pPr marL="0" marR="0" lvl="0" indent="0" algn="just" defTabSz="914217" rtl="0" eaLnBrk="1" fontAlgn="auto" latinLnBrk="0" hangingPunct="1">
+              <a:lnSpc>
+                <a:spcPts val="1750"/>
+              </a:lnSpc>
+              <a:spcBef>
+                <a:spcPts val="0"/>
+              </a:spcBef>
+              <a:spcAft>
+                <a:spcPts val="0"/>
+              </a:spcAft>
+              <a:buClrTx/>
+              <a:buSzTx/>
+              <a:buFontTx/>
+              <a:buNone/>
+              <a:tabLst/>
+              <a:defRPr/>
+            </a:pPr>
+            <a:r>
+              <a:rPr kumimoji="0" lang="en-US" sz="1600" b="0" i="0" u="none" strike="noStrike" kern="1200" cap="none" spc="0" normalizeH="0" baseline="0" noProof="0" dirty="0">
+                <a:ln>
+                  <a:noFill/>
+                </a:ln>
+                <a:solidFill>
+                  <a:srgbClr val="000000"/>
+                </a:solidFill>
+                <a:effectLst/>
+                <a:uLnTx/>
+                <a:uFillTx/>
+                <a:latin typeface="Trebuchet MS" panose="020B0603020202020204" pitchFamily="34" charset="0"/>
+                <a:ea typeface="Lato Light" panose="020F0502020204030203" pitchFamily="34" charset="0"/>
+                <a:cs typeface="Lato Light" panose="020F0502020204030203" pitchFamily="34" charset="0"/>
+              </a:rPr>
+              <a:t>Loan installment to income ratio</a:t>
+            </a:r>
+          </a:p>
+          <a:p>
+            <a:pPr marL="0" marR="0" lvl="0" indent="0" algn="just" defTabSz="914217" rtl="0" eaLnBrk="1" fontAlgn="auto" latinLnBrk="0" hangingPunct="1">
+              <a:lnSpc>
+                <a:spcPts val="1750"/>
+              </a:lnSpc>
+              <a:spcBef>
+                <a:spcPts val="0"/>
+              </a:spcBef>
+              <a:spcAft>
+                <a:spcPts val="0"/>
+              </a:spcAft>
+              <a:buClrTx/>
+              <a:buSzTx/>
+              <a:buFontTx/>
+              <a:buNone/>
+              <a:tabLst/>
+              <a:defRPr/>
+            </a:pPr>
+            <a:r>
+              <a:rPr kumimoji="0" lang="en-US" sz="1600" b="0" i="0" u="none" strike="noStrike" kern="1200" cap="none" spc="0" normalizeH="0" baseline="0" noProof="0" dirty="0">
+                <a:ln>
+                  <a:noFill/>
+                </a:ln>
+                <a:solidFill>
+                  <a:srgbClr val="000000"/>
+                </a:solidFill>
+                <a:effectLst/>
+                <a:uLnTx/>
+                <a:uFillTx/>
+                <a:latin typeface="Trebuchet MS" panose="020B0603020202020204" pitchFamily="34" charset="0"/>
+                <a:ea typeface="Lato Light" panose="020F0502020204030203" pitchFamily="34" charset="0"/>
+                <a:cs typeface="Lato Light" panose="020F0502020204030203" pitchFamily="34" charset="0"/>
+              </a:rPr>
+              <a:t>Loan to income ratio</a:t>
+            </a:r>
+          </a:p>
+        </p:txBody>
+      </p:sp>
+      <p:sp>
+        <p:nvSpPr>
+          <p:cNvPr id="6" name="Freeform 83">
+            <a:extLst>
+              <a:ext uri="{FF2B5EF4-FFF2-40B4-BE49-F238E27FC236}">
+                <a16:creationId xmlns:a16="http://schemas.microsoft.com/office/drawing/2014/main" id="{AF305162-6713-40C1-188E-C9D96C019D77}"/>
+              </a:ext>
+            </a:extLst>
+          </p:cNvPr>
+          <p:cNvSpPr>
+            <a:spLocks noChangeArrowheads="1"/>
+          </p:cNvSpPr>
+          <p:nvPr/>
+        </p:nvSpPr>
+        <p:spPr bwMode="auto">
+          <a:xfrm>
+            <a:off x="2036992" y="5408311"/>
+            <a:ext cx="595227" cy="338554"/>
+          </a:xfrm>
+          <a:custGeom>
+            <a:avLst/>
+            <a:gdLst>
+              <a:gd name="T0" fmla="*/ 72704 w 901340"/>
+              <a:gd name="T1" fmla="*/ 619125 h 788626"/>
+              <a:gd name="T2" fmla="*/ 433348 w 901340"/>
+              <a:gd name="T3" fmla="*/ 619125 h 788626"/>
+              <a:gd name="T4" fmla="*/ 506052 w 901340"/>
+              <a:gd name="T5" fmla="*/ 692130 h 788626"/>
+              <a:gd name="T6" fmla="*/ 506052 w 901340"/>
+              <a:gd name="T7" fmla="*/ 788626 h 788626"/>
+              <a:gd name="T8" fmla="*/ 0 w 901340"/>
+              <a:gd name="T9" fmla="*/ 788626 h 788626"/>
+              <a:gd name="T10" fmla="*/ 0 w 901340"/>
+              <a:gd name="T11" fmla="*/ 692130 h 788626"/>
+              <a:gd name="T12" fmla="*/ 366712 w 901340"/>
+              <a:gd name="T13" fmla="*/ 169862 h 788626"/>
+              <a:gd name="T14" fmla="*/ 856667 w 901340"/>
+              <a:gd name="T15" fmla="*/ 169862 h 788626"/>
+              <a:gd name="T16" fmla="*/ 901340 w 901340"/>
+              <a:gd name="T17" fmla="*/ 214677 h 788626"/>
+              <a:gd name="T18" fmla="*/ 901340 w 901340"/>
+              <a:gd name="T19" fmla="*/ 294549 h 788626"/>
+              <a:gd name="T20" fmla="*/ 856667 w 901340"/>
+              <a:gd name="T21" fmla="*/ 339364 h 788626"/>
+              <a:gd name="T22" fmla="*/ 422913 w 901340"/>
+              <a:gd name="T23" fmla="*/ 339364 h 788626"/>
+              <a:gd name="T24" fmla="*/ 84137 w 901340"/>
+              <a:gd name="T25" fmla="*/ 0 h 788626"/>
+              <a:gd name="T26" fmla="*/ 421915 w 901340"/>
+              <a:gd name="T27" fmla="*/ 0 h 788626"/>
+              <a:gd name="T28" fmla="*/ 421915 w 901340"/>
+              <a:gd name="T29" fmla="*/ 68025 h 788626"/>
+              <a:gd name="T30" fmla="*/ 365738 w 901340"/>
+              <a:gd name="T31" fmla="*/ 124173 h 788626"/>
+              <a:gd name="T32" fmla="*/ 365738 w 901340"/>
+              <a:gd name="T33" fmla="*/ 168804 h 788626"/>
+              <a:gd name="T34" fmla="*/ 365738 w 901340"/>
+              <a:gd name="T35" fmla="*/ 382239 h 788626"/>
+              <a:gd name="T36" fmla="*/ 421915 w 901340"/>
+              <a:gd name="T37" fmla="*/ 438387 h 788626"/>
+              <a:gd name="T38" fmla="*/ 421915 w 901340"/>
+              <a:gd name="T39" fmla="*/ 506052 h 788626"/>
+              <a:gd name="T40" fmla="*/ 84137 w 901340"/>
+              <a:gd name="T41" fmla="*/ 506052 h 788626"/>
+              <a:gd name="T42" fmla="*/ 84137 w 901340"/>
+              <a:gd name="T43" fmla="*/ 438387 h 788626"/>
+              <a:gd name="T44" fmla="*/ 140673 w 901340"/>
+              <a:gd name="T45" fmla="*/ 382239 h 788626"/>
+              <a:gd name="T46" fmla="*/ 140673 w 901340"/>
+              <a:gd name="T47" fmla="*/ 124173 h 788626"/>
+              <a:gd name="T48" fmla="*/ 84137 w 901340"/>
+              <a:gd name="T49" fmla="*/ 68025 h 788626"/>
+              <a:gd name="T50" fmla="*/ 0 60000 65536"/>
+              <a:gd name="T51" fmla="*/ 0 60000 65536"/>
+              <a:gd name="T52" fmla="*/ 0 60000 65536"/>
+              <a:gd name="T53" fmla="*/ 0 60000 65536"/>
+              <a:gd name="T54" fmla="*/ 0 60000 65536"/>
+              <a:gd name="T55" fmla="*/ 0 60000 65536"/>
+              <a:gd name="T56" fmla="*/ 0 60000 65536"/>
+              <a:gd name="T57" fmla="*/ 0 60000 65536"/>
+              <a:gd name="T58" fmla="*/ 0 60000 65536"/>
+              <a:gd name="T59" fmla="*/ 0 60000 65536"/>
+              <a:gd name="T60" fmla="*/ 0 60000 65536"/>
+              <a:gd name="T61" fmla="*/ 0 60000 65536"/>
+              <a:gd name="T62" fmla="*/ 0 60000 65536"/>
+              <a:gd name="T63" fmla="*/ 0 60000 65536"/>
+              <a:gd name="T64" fmla="*/ 0 60000 65536"/>
+              <a:gd name="T65" fmla="*/ 0 60000 65536"/>
+              <a:gd name="T66" fmla="*/ 0 60000 65536"/>
+              <a:gd name="T67" fmla="*/ 0 60000 65536"/>
+              <a:gd name="T68" fmla="*/ 0 60000 65536"/>
+              <a:gd name="T69" fmla="*/ 0 60000 65536"/>
+              <a:gd name="T70" fmla="*/ 0 60000 65536"/>
+              <a:gd name="T71" fmla="*/ 0 60000 65536"/>
+              <a:gd name="T72" fmla="*/ 0 60000 65536"/>
+              <a:gd name="T73" fmla="*/ 0 60000 65536"/>
+              <a:gd name="T74" fmla="*/ 0 60000 65536"/>
+            </a:gdLst>
+            <a:ahLst/>
+            <a:cxnLst>
+              <a:cxn ang="T50">
+                <a:pos x="T0" y="T1"/>
+              </a:cxn>
+              <a:cxn ang="T51">
+                <a:pos x="T2" y="T3"/>
+              </a:cxn>
+              <a:cxn ang="T52">
+                <a:pos x="T4" y="T5"/>
+              </a:cxn>
+              <a:cxn ang="T53">
+                <a:pos x="T6" y="T7"/>
+              </a:cxn>
+              <a:cxn ang="T54">
+                <a:pos x="T8" y="T9"/>
+              </a:cxn>
+              <a:cxn ang="T55">
+                <a:pos x="T10" y="T11"/>
+              </a:cxn>
+              <a:cxn ang="T56">
+                <a:pos x="T12" y="T13"/>
+              </a:cxn>
+              <a:cxn ang="T57">
+                <a:pos x="T14" y="T15"/>
+              </a:cxn>
+              <a:cxn ang="T58">
+                <a:pos x="T16" y="T17"/>
+              </a:cxn>
+              <a:cxn ang="T59">
+                <a:pos x="T18" y="T19"/>
+              </a:cxn>
+              <a:cxn ang="T60">
+                <a:pos x="T20" y="T21"/>
+              </a:cxn>
+              <a:cxn ang="T61">
+                <a:pos x="T22" y="T23"/>
+              </a:cxn>
+              <a:cxn ang="T62">
+                <a:pos x="T24" y="T25"/>
+              </a:cxn>
+              <a:cxn ang="T63">
+                <a:pos x="T26" y="T27"/>
+              </a:cxn>
+              <a:cxn ang="T64">
+                <a:pos x="T28" y="T29"/>
+              </a:cxn>
+              <a:cxn ang="T65">
+                <a:pos x="T30" y="T31"/>
+              </a:cxn>
+              <a:cxn ang="T66">
+                <a:pos x="T32" y="T33"/>
+              </a:cxn>
+              <a:cxn ang="T67">
+                <a:pos x="T34" y="T35"/>
+              </a:cxn>
+              <a:cxn ang="T68">
+                <a:pos x="T36" y="T37"/>
+              </a:cxn>
+              <a:cxn ang="T69">
+                <a:pos x="T38" y="T39"/>
+              </a:cxn>
+              <a:cxn ang="T70">
+                <a:pos x="T40" y="T41"/>
+              </a:cxn>
+              <a:cxn ang="T71">
+                <a:pos x="T42" y="T43"/>
+              </a:cxn>
+              <a:cxn ang="T72">
+                <a:pos x="T44" y="T45"/>
+              </a:cxn>
+              <a:cxn ang="T73">
+                <a:pos x="T46" y="T47"/>
+              </a:cxn>
+              <a:cxn ang="T74">
+                <a:pos x="T48" y="T49"/>
+              </a:cxn>
+            </a:cxnLst>
+            <a:rect l="0" t="0" r="r" b="b"/>
+            <a:pathLst>
+              <a:path w="901340" h="788626">
+                <a:moveTo>
+                  <a:pt x="72704" y="619125"/>
+                </a:moveTo>
+                <a:lnTo>
+                  <a:pt x="433348" y="619125"/>
+                </a:lnTo>
+                <a:lnTo>
+                  <a:pt x="506052" y="692130"/>
+                </a:lnTo>
+                <a:lnTo>
+                  <a:pt x="506052" y="788626"/>
+                </a:lnTo>
+                <a:lnTo>
+                  <a:pt x="0" y="788626"/>
+                </a:lnTo>
+                <a:lnTo>
+                  <a:pt x="0" y="692130"/>
+                </a:lnTo>
+                <a:lnTo>
+                  <a:pt x="72704" y="619125"/>
+                </a:lnTo>
+                <a:close/>
+                <a:moveTo>
+                  <a:pt x="366712" y="169862"/>
+                </a:moveTo>
+                <a:lnTo>
+                  <a:pt x="856667" y="169862"/>
+                </a:lnTo>
+                <a:lnTo>
+                  <a:pt x="901340" y="214677"/>
+                </a:lnTo>
+                <a:lnTo>
+                  <a:pt x="901340" y="294549"/>
+                </a:lnTo>
+                <a:lnTo>
+                  <a:pt x="856667" y="339364"/>
+                </a:lnTo>
+                <a:lnTo>
+                  <a:pt x="422913" y="339364"/>
+                </a:lnTo>
+                <a:lnTo>
+                  <a:pt x="366712" y="169862"/>
+                </a:lnTo>
+                <a:close/>
+                <a:moveTo>
+                  <a:pt x="84137" y="0"/>
+                </a:moveTo>
+                <a:lnTo>
+                  <a:pt x="421915" y="0"/>
+                </a:lnTo>
+                <a:lnTo>
+                  <a:pt x="421915" y="68025"/>
+                </a:lnTo>
+                <a:lnTo>
+                  <a:pt x="365738" y="124173"/>
+                </a:lnTo>
+                <a:lnTo>
+                  <a:pt x="365738" y="168804"/>
+                </a:lnTo>
+                <a:lnTo>
+                  <a:pt x="365738" y="382239"/>
+                </a:lnTo>
+                <a:lnTo>
+                  <a:pt x="421915" y="438387"/>
+                </a:lnTo>
+                <a:lnTo>
+                  <a:pt x="421915" y="506052"/>
+                </a:lnTo>
+                <a:lnTo>
+                  <a:pt x="84137" y="506052"/>
+                </a:lnTo>
+                <a:lnTo>
+                  <a:pt x="84137" y="438387"/>
+                </a:lnTo>
+                <a:lnTo>
+                  <a:pt x="140673" y="382239"/>
+                </a:lnTo>
+                <a:lnTo>
+                  <a:pt x="140673" y="124173"/>
+                </a:lnTo>
+                <a:lnTo>
+                  <a:pt x="84137" y="68025"/>
+                </a:lnTo>
+                <a:lnTo>
+                  <a:pt x="84137" y="0"/>
+                </a:lnTo>
+                <a:close/>
+              </a:path>
+            </a:pathLst>
+          </a:custGeom>
+          <a:solidFill>
+            <a:schemeClr val="bg1"/>
+          </a:solidFill>
+          <a:ln>
+            <a:noFill/>
+          </a:ln>
+          <a:effectLst/>
+        </p:spPr>
+        <p:txBody>
+          <a:bodyPr anchor="ctr"/>
+          <a:lstStyle/>
+          <a:p>
+            <a:pPr marL="0" marR="0" lvl="0" indent="0" algn="l" defTabSz="914400" rtl="0" eaLnBrk="1" fontAlgn="auto" latinLnBrk="0" hangingPunct="1">
+              <a:lnSpc>
+                <a:spcPct val="100000"/>
+              </a:lnSpc>
+              <a:spcBef>
+                <a:spcPts val="0"/>
+              </a:spcBef>
+              <a:spcAft>
+                <a:spcPts val="0"/>
+              </a:spcAft>
+              <a:buClrTx/>
+              <a:buSzTx/>
+              <a:buFontTx/>
+              <a:buNone/>
+              <a:tabLst/>
+              <a:defRPr/>
+            </a:pPr>
+            <a:endParaRPr kumimoji="0" lang="en-US" sz="1800" b="0" i="0" u="none" strike="noStrike" kern="1200" cap="none" spc="0" normalizeH="0" baseline="0" noProof="0" dirty="0">
+              <a:ln>
+                <a:noFill/>
+              </a:ln>
+              <a:solidFill>
+                <a:srgbClr val="B3B3B3"/>
+              </a:solidFill>
+              <a:effectLst/>
+              <a:uLnTx/>
+              <a:uFillTx/>
+              <a:latin typeface="Lato Light" panose="020F0502020204030203" pitchFamily="34" charset="0"/>
+              <a:ea typeface="+mn-ea"/>
+              <a:cs typeface="+mn-cs"/>
+            </a:endParaRPr>
+          </a:p>
+        </p:txBody>
+      </p:sp>
+      <p:sp>
+        <p:nvSpPr>
+          <p:cNvPr id="7" name="Freeform 89">
+            <a:extLst>
+              <a:ext uri="{FF2B5EF4-FFF2-40B4-BE49-F238E27FC236}">
+                <a16:creationId xmlns:a16="http://schemas.microsoft.com/office/drawing/2014/main" id="{3A5D9A78-9C96-8A56-D687-F5CA4FFCADD7}"/>
+              </a:ext>
+            </a:extLst>
+          </p:cNvPr>
+          <p:cNvSpPr>
+            <a:spLocks noChangeArrowheads="1"/>
+          </p:cNvSpPr>
+          <p:nvPr/>
+        </p:nvSpPr>
+        <p:spPr bwMode="auto">
+          <a:xfrm>
+            <a:off x="1873604" y="3114670"/>
+            <a:ext cx="629451" cy="442362"/>
+          </a:xfrm>
+          <a:custGeom>
+            <a:avLst/>
+            <a:gdLst>
+              <a:gd name="T0" fmla="*/ 573956 w 901340"/>
+              <a:gd name="T1" fmla="*/ 561975 h 674329"/>
+              <a:gd name="T2" fmla="*/ 901340 w 901340"/>
+              <a:gd name="T3" fmla="*/ 561975 h 674329"/>
+              <a:gd name="T4" fmla="*/ 901340 w 901340"/>
+              <a:gd name="T5" fmla="*/ 674329 h 674329"/>
+              <a:gd name="T6" fmla="*/ 468313 w 901340"/>
+              <a:gd name="T7" fmla="*/ 674329 h 674329"/>
+              <a:gd name="T8" fmla="*/ 573956 w 901340"/>
+              <a:gd name="T9" fmla="*/ 561975 h 674329"/>
+              <a:gd name="T10" fmla="*/ 616811 w 901340"/>
+              <a:gd name="T11" fmla="*/ 420688 h 674329"/>
+              <a:gd name="T12" fmla="*/ 842604 w 901340"/>
+              <a:gd name="T13" fmla="*/ 420688 h 674329"/>
+              <a:gd name="T14" fmla="*/ 842604 w 901340"/>
+              <a:gd name="T15" fmla="*/ 533040 h 674329"/>
+              <a:gd name="T16" fmla="*/ 587375 w 901340"/>
+              <a:gd name="T17" fmla="*/ 533040 h 674329"/>
+              <a:gd name="T18" fmla="*/ 616811 w 901340"/>
+              <a:gd name="T19" fmla="*/ 420688 h 674329"/>
+              <a:gd name="T20" fmla="*/ 600075 w 901340"/>
+              <a:gd name="T21" fmla="*/ 280988 h 674329"/>
+              <a:gd name="T22" fmla="*/ 901339 w 901340"/>
+              <a:gd name="T23" fmla="*/ 280988 h 674329"/>
+              <a:gd name="T24" fmla="*/ 901339 w 901340"/>
+              <a:gd name="T25" fmla="*/ 393341 h 674329"/>
+              <a:gd name="T26" fmla="*/ 619919 w 901340"/>
+              <a:gd name="T27" fmla="*/ 393341 h 674329"/>
+              <a:gd name="T28" fmla="*/ 600075 w 901340"/>
+              <a:gd name="T29" fmla="*/ 280988 h 674329"/>
+              <a:gd name="T30" fmla="*/ 196799 w 901340"/>
+              <a:gd name="T31" fmla="*/ 280982 h 674329"/>
+              <a:gd name="T32" fmla="*/ 196799 w 901340"/>
+              <a:gd name="T33" fmla="*/ 337072 h 674329"/>
+              <a:gd name="T34" fmla="*/ 252925 w 901340"/>
+              <a:gd name="T35" fmla="*/ 337072 h 674329"/>
+              <a:gd name="T36" fmla="*/ 252925 w 901340"/>
+              <a:gd name="T37" fmla="*/ 449611 h 674329"/>
+              <a:gd name="T38" fmla="*/ 196799 w 901340"/>
+              <a:gd name="T39" fmla="*/ 449611 h 674329"/>
+              <a:gd name="T40" fmla="*/ 196799 w 901340"/>
+              <a:gd name="T41" fmla="*/ 505700 h 674329"/>
+              <a:gd name="T42" fmla="*/ 365176 w 901340"/>
+              <a:gd name="T43" fmla="*/ 505700 h 674329"/>
+              <a:gd name="T44" fmla="*/ 365176 w 901340"/>
+              <a:gd name="T45" fmla="*/ 449611 h 674329"/>
+              <a:gd name="T46" fmla="*/ 309051 w 901340"/>
+              <a:gd name="T47" fmla="*/ 449611 h 674329"/>
+              <a:gd name="T48" fmla="*/ 309051 w 901340"/>
+              <a:gd name="T49" fmla="*/ 280982 h 674329"/>
+              <a:gd name="T50" fmla="*/ 503238 w 901340"/>
+              <a:gd name="T51" fmla="*/ 139700 h 674329"/>
+              <a:gd name="T52" fmla="*/ 787040 w 901340"/>
+              <a:gd name="T53" fmla="*/ 139700 h 674329"/>
+              <a:gd name="T54" fmla="*/ 787040 w 901340"/>
+              <a:gd name="T55" fmla="*/ 252053 h 674329"/>
+              <a:gd name="T56" fmla="*/ 587154 w 901340"/>
+              <a:gd name="T57" fmla="*/ 252053 h 674329"/>
+              <a:gd name="T58" fmla="*/ 503238 w 901340"/>
+              <a:gd name="T59" fmla="*/ 139700 h 674329"/>
+              <a:gd name="T60" fmla="*/ 280988 w 901340"/>
+              <a:gd name="T61" fmla="*/ 112713 h 674329"/>
+              <a:gd name="T62" fmla="*/ 561615 w 901340"/>
+              <a:gd name="T63" fmla="*/ 393521 h 674329"/>
+              <a:gd name="T64" fmla="*/ 280988 w 901340"/>
+              <a:gd name="T65" fmla="*/ 674329 h 674329"/>
+              <a:gd name="T66" fmla="*/ 0 w 901340"/>
+              <a:gd name="T67" fmla="*/ 393521 h 674329"/>
+              <a:gd name="T68" fmla="*/ 280988 w 901340"/>
+              <a:gd name="T69" fmla="*/ 112713 h 674329"/>
+              <a:gd name="T70" fmla="*/ 282575 w 901340"/>
+              <a:gd name="T71" fmla="*/ 0 h 674329"/>
+              <a:gd name="T72" fmla="*/ 844190 w 901340"/>
+              <a:gd name="T73" fmla="*/ 0 h 674329"/>
+              <a:gd name="T74" fmla="*/ 844190 w 901340"/>
+              <a:gd name="T75" fmla="*/ 112353 h 674329"/>
+              <a:gd name="T76" fmla="*/ 468221 w 901340"/>
+              <a:gd name="T77" fmla="*/ 112353 h 674329"/>
+              <a:gd name="T78" fmla="*/ 282575 w 901340"/>
+              <a:gd name="T79" fmla="*/ 55816 h 674329"/>
+              <a:gd name="T80" fmla="*/ 0 60000 65536"/>
+              <a:gd name="T81" fmla="*/ 0 60000 65536"/>
+              <a:gd name="T82" fmla="*/ 0 60000 65536"/>
+              <a:gd name="T83" fmla="*/ 0 60000 65536"/>
+              <a:gd name="T84" fmla="*/ 0 60000 65536"/>
+              <a:gd name="T85" fmla="*/ 0 60000 65536"/>
+              <a:gd name="T86" fmla="*/ 0 60000 65536"/>
+              <a:gd name="T87" fmla="*/ 0 60000 65536"/>
+              <a:gd name="T88" fmla="*/ 0 60000 65536"/>
+              <a:gd name="T89" fmla="*/ 0 60000 65536"/>
+              <a:gd name="T90" fmla="*/ 0 60000 65536"/>
+              <a:gd name="T91" fmla="*/ 0 60000 65536"/>
+              <a:gd name="T92" fmla="*/ 0 60000 65536"/>
+              <a:gd name="T93" fmla="*/ 0 60000 65536"/>
+              <a:gd name="T94" fmla="*/ 0 60000 65536"/>
+              <a:gd name="T95" fmla="*/ 0 60000 65536"/>
+              <a:gd name="T96" fmla="*/ 0 60000 65536"/>
+              <a:gd name="T97" fmla="*/ 0 60000 65536"/>
+              <a:gd name="T98" fmla="*/ 0 60000 65536"/>
+              <a:gd name="T99" fmla="*/ 0 60000 65536"/>
+              <a:gd name="T100" fmla="*/ 0 60000 65536"/>
+              <a:gd name="T101" fmla="*/ 0 60000 65536"/>
+              <a:gd name="T102" fmla="*/ 0 60000 65536"/>
+              <a:gd name="T103" fmla="*/ 0 60000 65536"/>
+              <a:gd name="T104" fmla="*/ 0 60000 65536"/>
+              <a:gd name="T105" fmla="*/ 0 60000 65536"/>
+              <a:gd name="T106" fmla="*/ 0 60000 65536"/>
+              <a:gd name="T107" fmla="*/ 0 60000 65536"/>
+              <a:gd name="T108" fmla="*/ 0 60000 65536"/>
+              <a:gd name="T109" fmla="*/ 0 60000 65536"/>
+              <a:gd name="T110" fmla="*/ 0 60000 65536"/>
+              <a:gd name="T111" fmla="*/ 0 60000 65536"/>
+              <a:gd name="T112" fmla="*/ 0 60000 65536"/>
+              <a:gd name="T113" fmla="*/ 0 60000 65536"/>
+              <a:gd name="T114" fmla="*/ 0 60000 65536"/>
+              <a:gd name="T115" fmla="*/ 0 60000 65536"/>
+              <a:gd name="T116" fmla="*/ 0 60000 65536"/>
+              <a:gd name="T117" fmla="*/ 0 60000 65536"/>
+              <a:gd name="T118" fmla="*/ 0 60000 65536"/>
+              <a:gd name="T119" fmla="*/ 0 60000 65536"/>
+            </a:gdLst>
+            <a:ahLst/>
+            <a:cxnLst>
+              <a:cxn ang="T80">
+                <a:pos x="T0" y="T1"/>
+              </a:cxn>
+              <a:cxn ang="T81">
+                <a:pos x="T2" y="T3"/>
+              </a:cxn>
+              <a:cxn ang="T82">
+                <a:pos x="T4" y="T5"/>
+              </a:cxn>
+              <a:cxn ang="T83">
+                <a:pos x="T6" y="T7"/>
+              </a:cxn>
+              <a:cxn ang="T84">
+                <a:pos x="T8" y="T9"/>
+              </a:cxn>
+              <a:cxn ang="T85">
+                <a:pos x="T10" y="T11"/>
+              </a:cxn>
+              <a:cxn ang="T86">
+                <a:pos x="T12" y="T13"/>
+              </a:cxn>
+              <a:cxn ang="T87">
+                <a:pos x="T14" y="T15"/>
+              </a:cxn>
+              <a:cxn ang="T88">
+                <a:pos x="T16" y="T17"/>
+              </a:cxn>
+              <a:cxn ang="T89">
+                <a:pos x="T18" y="T19"/>
+              </a:cxn>
+              <a:cxn ang="T90">
+                <a:pos x="T20" y="T21"/>
+              </a:cxn>
+              <a:cxn ang="T91">
+                <a:pos x="T22" y="T23"/>
+              </a:cxn>
+              <a:cxn ang="T92">
+                <a:pos x="T24" y="T25"/>
+              </a:cxn>
+              <a:cxn ang="T93">
+                <a:pos x="T26" y="T27"/>
+              </a:cxn>
+              <a:cxn ang="T94">
+                <a:pos x="T28" y="T29"/>
+              </a:cxn>
+              <a:cxn ang="T95">
+                <a:pos x="T30" y="T31"/>
+              </a:cxn>
+              <a:cxn ang="T96">
+                <a:pos x="T32" y="T33"/>
+              </a:cxn>
+              <a:cxn ang="T97">
+                <a:pos x="T34" y="T35"/>
+              </a:cxn>
+              <a:cxn ang="T98">
+                <a:pos x="T36" y="T37"/>
+              </a:cxn>
+              <a:cxn ang="T99">
+                <a:pos x="T38" y="T39"/>
+              </a:cxn>
+              <a:cxn ang="T100">
+                <a:pos x="T40" y="T41"/>
+              </a:cxn>
+              <a:cxn ang="T101">
+                <a:pos x="T42" y="T43"/>
+              </a:cxn>
+              <a:cxn ang="T102">
+                <a:pos x="T44" y="T45"/>
+              </a:cxn>
+              <a:cxn ang="T103">
+                <a:pos x="T46" y="T47"/>
+              </a:cxn>
+              <a:cxn ang="T104">
+                <a:pos x="T48" y="T49"/>
+              </a:cxn>
+              <a:cxn ang="T105">
+                <a:pos x="T50" y="T51"/>
+              </a:cxn>
+              <a:cxn ang="T106">
+                <a:pos x="T52" y="T53"/>
+              </a:cxn>
+              <a:cxn ang="T107">
+                <a:pos x="T54" y="T55"/>
+              </a:cxn>
+              <a:cxn ang="T108">
+                <a:pos x="T56" y="T57"/>
+              </a:cxn>
+              <a:cxn ang="T109">
+                <a:pos x="T58" y="T59"/>
+              </a:cxn>
+              <a:cxn ang="T110">
+                <a:pos x="T60" y="T61"/>
+              </a:cxn>
+              <a:cxn ang="T111">
+                <a:pos x="T62" y="T63"/>
+              </a:cxn>
+              <a:cxn ang="T112">
+                <a:pos x="T64" y="T65"/>
+              </a:cxn>
+              <a:cxn ang="T113">
+                <a:pos x="T66" y="T67"/>
+              </a:cxn>
+              <a:cxn ang="T114">
+                <a:pos x="T68" y="T69"/>
+              </a:cxn>
+              <a:cxn ang="T115">
+                <a:pos x="T70" y="T71"/>
+              </a:cxn>
+              <a:cxn ang="T116">
+                <a:pos x="T72" y="T73"/>
+              </a:cxn>
+              <a:cxn ang="T117">
+                <a:pos x="T74" y="T75"/>
+              </a:cxn>
+              <a:cxn ang="T118">
+                <a:pos x="T76" y="T77"/>
+              </a:cxn>
+              <a:cxn ang="T119">
+                <a:pos x="T78" y="T79"/>
+              </a:cxn>
+            </a:cxnLst>
+            <a:rect l="0" t="0" r="r" b="b"/>
+            <a:pathLst>
+              <a:path w="901340" h="674329">
+                <a:moveTo>
+                  <a:pt x="573956" y="561975"/>
+                </a:moveTo>
+                <a:lnTo>
+                  <a:pt x="901340" y="561975"/>
+                </a:lnTo>
+                <a:lnTo>
+                  <a:pt x="901340" y="674329"/>
+                </a:lnTo>
+                <a:lnTo>
+                  <a:pt x="468313" y="674329"/>
+                </a:lnTo>
+                <a:cubicBezTo>
+                  <a:pt x="511940" y="645613"/>
+                  <a:pt x="547996" y="607204"/>
+                  <a:pt x="573956" y="561975"/>
+                </a:cubicBezTo>
+                <a:close/>
+                <a:moveTo>
+                  <a:pt x="616811" y="420688"/>
+                </a:moveTo>
+                <a:lnTo>
+                  <a:pt x="842604" y="420688"/>
+                </a:lnTo>
+                <a:lnTo>
+                  <a:pt x="842604" y="533040"/>
+                </a:lnTo>
+                <a:lnTo>
+                  <a:pt x="587375" y="533040"/>
+                </a:lnTo>
+                <a:cubicBezTo>
+                  <a:pt x="603529" y="498470"/>
+                  <a:pt x="613580" y="460660"/>
+                  <a:pt x="616811" y="420688"/>
+                </a:cubicBezTo>
+                <a:close/>
+                <a:moveTo>
+                  <a:pt x="600075" y="280988"/>
+                </a:moveTo>
+                <a:lnTo>
+                  <a:pt x="901339" y="280988"/>
+                </a:lnTo>
+                <a:lnTo>
+                  <a:pt x="901339" y="393341"/>
+                </a:lnTo>
+                <a:lnTo>
+                  <a:pt x="619919" y="393341"/>
+                </a:lnTo>
+                <a:cubicBezTo>
+                  <a:pt x="619919" y="353856"/>
+                  <a:pt x="612703" y="316166"/>
+                  <a:pt x="600075" y="280988"/>
+                </a:cubicBezTo>
+                <a:close/>
+                <a:moveTo>
+                  <a:pt x="196799" y="280982"/>
+                </a:moveTo>
+                <a:lnTo>
+                  <a:pt x="196799" y="337072"/>
+                </a:lnTo>
+                <a:lnTo>
+                  <a:pt x="252925" y="337072"/>
+                </a:lnTo>
+                <a:lnTo>
+                  <a:pt x="252925" y="449611"/>
+                </a:lnTo>
+                <a:lnTo>
+                  <a:pt x="196799" y="449611"/>
+                </a:lnTo>
+                <a:lnTo>
+                  <a:pt x="196799" y="505700"/>
+                </a:lnTo>
+                <a:lnTo>
+                  <a:pt x="365176" y="505700"/>
+                </a:lnTo>
+                <a:lnTo>
+                  <a:pt x="365176" y="449611"/>
+                </a:lnTo>
+                <a:lnTo>
+                  <a:pt x="309051" y="449611"/>
+                </a:lnTo>
+                <a:lnTo>
+                  <a:pt x="309051" y="280982"/>
+                </a:lnTo>
+                <a:lnTo>
+                  <a:pt x="196799" y="280982"/>
+                </a:lnTo>
+                <a:close/>
+                <a:moveTo>
+                  <a:pt x="503238" y="139700"/>
+                </a:moveTo>
+                <a:lnTo>
+                  <a:pt x="787040" y="139700"/>
+                </a:lnTo>
+                <a:lnTo>
+                  <a:pt x="787040" y="252053"/>
+                </a:lnTo>
+                <a:lnTo>
+                  <a:pt x="587154" y="252053"/>
+                </a:lnTo>
+                <a:cubicBezTo>
+                  <a:pt x="567346" y="208840"/>
+                  <a:pt x="538894" y="170669"/>
+                  <a:pt x="503238" y="139700"/>
+                </a:cubicBezTo>
+                <a:close/>
+                <a:moveTo>
+                  <a:pt x="280988" y="112713"/>
+                </a:moveTo>
+                <a:cubicBezTo>
+                  <a:pt x="436053" y="112713"/>
+                  <a:pt x="561615" y="238555"/>
+                  <a:pt x="561615" y="393521"/>
+                </a:cubicBezTo>
+                <a:cubicBezTo>
+                  <a:pt x="561615" y="548487"/>
+                  <a:pt x="436053" y="674329"/>
+                  <a:pt x="280988" y="674329"/>
+                </a:cubicBezTo>
+                <a:cubicBezTo>
+                  <a:pt x="125923" y="674329"/>
+                  <a:pt x="0" y="548487"/>
+                  <a:pt x="0" y="393521"/>
+                </a:cubicBezTo>
+                <a:cubicBezTo>
+                  <a:pt x="0" y="238555"/>
+                  <a:pt x="125923" y="112713"/>
+                  <a:pt x="280988" y="112713"/>
+                </a:cubicBezTo>
+                <a:close/>
+                <a:moveTo>
+                  <a:pt x="282575" y="0"/>
+                </a:moveTo>
+                <a:lnTo>
+                  <a:pt x="844190" y="0"/>
+                </a:lnTo>
+                <a:lnTo>
+                  <a:pt x="844190" y="112353"/>
+                </a:lnTo>
+                <a:lnTo>
+                  <a:pt x="468221" y="112353"/>
+                </a:lnTo>
+                <a:cubicBezTo>
+                  <a:pt x="415694" y="76702"/>
+                  <a:pt x="351293" y="55816"/>
+                  <a:pt x="282575" y="55816"/>
+                </a:cubicBezTo>
+                <a:lnTo>
+                  <a:pt x="282575" y="0"/>
+                </a:lnTo>
+                <a:close/>
+              </a:path>
+            </a:pathLst>
+          </a:custGeom>
+          <a:solidFill>
+            <a:schemeClr val="bg1"/>
+          </a:solidFill>
+          <a:ln>
+            <a:noFill/>
+          </a:ln>
+          <a:effectLst/>
+        </p:spPr>
+        <p:txBody>
+          <a:bodyPr anchor="ctr"/>
+          <a:lstStyle/>
+          <a:p>
+            <a:pPr marL="0" marR="0" lvl="0" indent="0" algn="l" defTabSz="914400" rtl="0" eaLnBrk="1" fontAlgn="auto" latinLnBrk="0" hangingPunct="1">
+              <a:lnSpc>
+                <a:spcPct val="100000"/>
+              </a:lnSpc>
+              <a:spcBef>
+                <a:spcPts val="0"/>
+              </a:spcBef>
+              <a:spcAft>
+                <a:spcPts val="0"/>
+              </a:spcAft>
+              <a:buClrTx/>
+              <a:buSzTx/>
+              <a:buFontTx/>
+              <a:buNone/>
+              <a:tabLst/>
+              <a:defRPr/>
+            </a:pPr>
+            <a:endParaRPr kumimoji="0" lang="en-US" sz="1800" b="0" i="0" u="none" strike="noStrike" kern="1200" cap="none" spc="0" normalizeH="0" baseline="0" noProof="0" dirty="0">
+              <a:ln>
+                <a:noFill/>
+              </a:ln>
+              <a:solidFill>
+                <a:srgbClr val="B3B3B3"/>
+              </a:solidFill>
+              <a:effectLst/>
+              <a:uLnTx/>
+              <a:uFillTx/>
+              <a:latin typeface="Lato Light" panose="020F0502020204030203" pitchFamily="34" charset="0"/>
+              <a:ea typeface="+mn-ea"/>
+              <a:cs typeface="+mn-cs"/>
+            </a:endParaRPr>
+          </a:p>
+        </p:txBody>
+      </p:sp>
+      <p:sp>
+        <p:nvSpPr>
+          <p:cNvPr id="8" name="Freeform 41">
+            <a:extLst>
+              <a:ext uri="{FF2B5EF4-FFF2-40B4-BE49-F238E27FC236}">
+                <a16:creationId xmlns:a16="http://schemas.microsoft.com/office/drawing/2014/main" id="{C455932D-4A92-BD8F-D7A5-87C8E21AA152}"/>
+              </a:ext>
+            </a:extLst>
+          </p:cNvPr>
+          <p:cNvSpPr>
+            <a:spLocks noChangeArrowheads="1"/>
+          </p:cNvSpPr>
+          <p:nvPr/>
+        </p:nvSpPr>
+        <p:spPr bwMode="auto">
+          <a:xfrm>
+            <a:off x="1937336" y="4210681"/>
+            <a:ext cx="530456" cy="502168"/>
+          </a:xfrm>
+          <a:custGeom>
+            <a:avLst/>
+            <a:gdLst>
+              <a:gd name="T0" fmla="*/ 450379 w 2344"/>
+              <a:gd name="T1" fmla="*/ 478140 h 2500"/>
+              <a:gd name="T2" fmla="*/ 731775 w 2344"/>
+              <a:gd name="T3" fmla="*/ 421973 h 2500"/>
+              <a:gd name="T4" fmla="*/ 731775 w 2344"/>
+              <a:gd name="T5" fmla="*/ 703168 h 2500"/>
+              <a:gd name="T6" fmla="*/ 450379 w 2344"/>
+              <a:gd name="T7" fmla="*/ 646641 h 2500"/>
+              <a:gd name="T8" fmla="*/ 731775 w 2344"/>
+              <a:gd name="T9" fmla="*/ 703168 h 2500"/>
+              <a:gd name="T10" fmla="*/ 366068 w 2344"/>
+              <a:gd name="T11" fmla="*/ 365446 h 2500"/>
+              <a:gd name="T12" fmla="*/ 337964 w 2344"/>
+              <a:gd name="T13" fmla="*/ 337362 h 2500"/>
+              <a:gd name="T14" fmla="*/ 366068 w 2344"/>
+              <a:gd name="T15" fmla="*/ 309279 h 2500"/>
+              <a:gd name="T16" fmla="*/ 394171 w 2344"/>
+              <a:gd name="T17" fmla="*/ 337362 h 2500"/>
+              <a:gd name="T18" fmla="*/ 366068 w 2344"/>
+              <a:gd name="T19" fmla="*/ 478140 h 2500"/>
+              <a:gd name="T20" fmla="*/ 337964 w 2344"/>
+              <a:gd name="T21" fmla="*/ 449696 h 2500"/>
+              <a:gd name="T22" fmla="*/ 366068 w 2344"/>
+              <a:gd name="T23" fmla="*/ 421973 h 2500"/>
+              <a:gd name="T24" fmla="*/ 394171 w 2344"/>
+              <a:gd name="T25" fmla="*/ 449696 h 2500"/>
+              <a:gd name="T26" fmla="*/ 366068 w 2344"/>
+              <a:gd name="T27" fmla="*/ 478140 h 2500"/>
+              <a:gd name="T28" fmla="*/ 366068 w 2344"/>
+              <a:gd name="T29" fmla="*/ 590474 h 2500"/>
+              <a:gd name="T30" fmla="*/ 337964 w 2344"/>
+              <a:gd name="T31" fmla="*/ 562391 h 2500"/>
+              <a:gd name="T32" fmla="*/ 366068 w 2344"/>
+              <a:gd name="T33" fmla="*/ 534307 h 2500"/>
+              <a:gd name="T34" fmla="*/ 394171 w 2344"/>
+              <a:gd name="T35" fmla="*/ 562391 h 2500"/>
+              <a:gd name="T36" fmla="*/ 366068 w 2344"/>
+              <a:gd name="T37" fmla="*/ 703168 h 2500"/>
+              <a:gd name="T38" fmla="*/ 337964 w 2344"/>
+              <a:gd name="T39" fmla="*/ 674725 h 2500"/>
+              <a:gd name="T40" fmla="*/ 366068 w 2344"/>
+              <a:gd name="T41" fmla="*/ 646641 h 2500"/>
+              <a:gd name="T42" fmla="*/ 394171 w 2344"/>
+              <a:gd name="T43" fmla="*/ 674725 h 2500"/>
+              <a:gd name="T44" fmla="*/ 366068 w 2344"/>
+              <a:gd name="T45" fmla="*/ 703168 h 2500"/>
+              <a:gd name="T46" fmla="*/ 619000 w 2344"/>
+              <a:gd name="T47" fmla="*/ 534307 h 2500"/>
+              <a:gd name="T48" fmla="*/ 450379 w 2344"/>
+              <a:gd name="T49" fmla="*/ 590474 h 2500"/>
+              <a:gd name="T50" fmla="*/ 450379 w 2344"/>
+              <a:gd name="T51" fmla="*/ 309279 h 2500"/>
+              <a:gd name="T52" fmla="*/ 703311 w 2344"/>
+              <a:gd name="T53" fmla="*/ 365446 h 2500"/>
+              <a:gd name="T54" fmla="*/ 450379 w 2344"/>
+              <a:gd name="T55" fmla="*/ 309279 h 2500"/>
+              <a:gd name="T56" fmla="*/ 647104 w 2344"/>
+              <a:gd name="T57" fmla="*/ 140418 h 2500"/>
+              <a:gd name="T58" fmla="*/ 450379 w 2344"/>
+              <a:gd name="T59" fmla="*/ 196585 h 2500"/>
+              <a:gd name="T60" fmla="*/ 225189 w 2344"/>
+              <a:gd name="T61" fmla="*/ 815502 h 2500"/>
+              <a:gd name="T62" fmla="*/ 197086 w 2344"/>
+              <a:gd name="T63" fmla="*/ 843586 h 2500"/>
+              <a:gd name="T64" fmla="*/ 168982 w 2344"/>
+              <a:gd name="T65" fmla="*/ 815502 h 2500"/>
+              <a:gd name="T66" fmla="*/ 168982 w 2344"/>
+              <a:gd name="T67" fmla="*/ 309279 h 2500"/>
+              <a:gd name="T68" fmla="*/ 225189 w 2344"/>
+              <a:gd name="T69" fmla="*/ 281195 h 2500"/>
+              <a:gd name="T70" fmla="*/ 112775 w 2344"/>
+              <a:gd name="T71" fmla="*/ 590474 h 2500"/>
+              <a:gd name="T72" fmla="*/ 56568 w 2344"/>
+              <a:gd name="T73" fmla="*/ 309279 h 2500"/>
+              <a:gd name="T74" fmla="*/ 84311 w 2344"/>
+              <a:gd name="T75" fmla="*/ 281195 h 2500"/>
+              <a:gd name="T76" fmla="*/ 112775 w 2344"/>
+              <a:gd name="T77" fmla="*/ 309279 h 2500"/>
+              <a:gd name="T78" fmla="*/ 225189 w 2344"/>
+              <a:gd name="T79" fmla="*/ 0 h 2500"/>
+              <a:gd name="T80" fmla="*/ 84311 w 2344"/>
+              <a:gd name="T81" fmla="*/ 225028 h 2500"/>
+              <a:gd name="T82" fmla="*/ 0 w 2344"/>
+              <a:gd name="T83" fmla="*/ 309279 h 2500"/>
+              <a:gd name="T84" fmla="*/ 112775 w 2344"/>
+              <a:gd name="T85" fmla="*/ 646641 h 2500"/>
+              <a:gd name="T86" fmla="*/ 112775 w 2344"/>
+              <a:gd name="T87" fmla="*/ 815502 h 2500"/>
+              <a:gd name="T88" fmla="*/ 759879 w 2344"/>
+              <a:gd name="T89" fmla="*/ 899753 h 2500"/>
+              <a:gd name="T90" fmla="*/ 844190 w 2344"/>
+              <a:gd name="T91" fmla="*/ 815502 h 2500"/>
+              <a:gd name="T92" fmla="*/ 225189 w 2344"/>
+              <a:gd name="T93" fmla="*/ 0 h 2500"/>
+              <a:gd name="T94" fmla="*/ 0 60000 65536"/>
+              <a:gd name="T95" fmla="*/ 0 60000 65536"/>
+              <a:gd name="T96" fmla="*/ 0 60000 65536"/>
+              <a:gd name="T97" fmla="*/ 0 60000 65536"/>
+              <a:gd name="T98" fmla="*/ 0 60000 65536"/>
+              <a:gd name="T99" fmla="*/ 0 60000 65536"/>
+              <a:gd name="T100" fmla="*/ 0 60000 65536"/>
+              <a:gd name="T101" fmla="*/ 0 60000 65536"/>
+              <a:gd name="T102" fmla="*/ 0 60000 65536"/>
+              <a:gd name="T103" fmla="*/ 0 60000 65536"/>
+              <a:gd name="T104" fmla="*/ 0 60000 65536"/>
+              <a:gd name="T105" fmla="*/ 0 60000 65536"/>
+              <a:gd name="T106" fmla="*/ 0 60000 65536"/>
+              <a:gd name="T107" fmla="*/ 0 60000 65536"/>
+              <a:gd name="T108" fmla="*/ 0 60000 65536"/>
+              <a:gd name="T109" fmla="*/ 0 60000 65536"/>
+              <a:gd name="T110" fmla="*/ 0 60000 65536"/>
+              <a:gd name="T111" fmla="*/ 0 60000 65536"/>
+              <a:gd name="T112" fmla="*/ 0 60000 65536"/>
+              <a:gd name="T113" fmla="*/ 0 60000 65536"/>
+              <a:gd name="T114" fmla="*/ 0 60000 65536"/>
+              <a:gd name="T115" fmla="*/ 0 60000 65536"/>
+              <a:gd name="T116" fmla="*/ 0 60000 65536"/>
+              <a:gd name="T117" fmla="*/ 0 60000 65536"/>
+              <a:gd name="T118" fmla="*/ 0 60000 65536"/>
+              <a:gd name="T119" fmla="*/ 0 60000 65536"/>
+              <a:gd name="T120" fmla="*/ 0 60000 65536"/>
+              <a:gd name="T121" fmla="*/ 0 60000 65536"/>
+              <a:gd name="T122" fmla="*/ 0 60000 65536"/>
+              <a:gd name="T123" fmla="*/ 0 60000 65536"/>
+              <a:gd name="T124" fmla="*/ 0 60000 65536"/>
+              <a:gd name="T125" fmla="*/ 0 60000 65536"/>
+              <a:gd name="T126" fmla="*/ 0 60000 65536"/>
+              <a:gd name="T127" fmla="*/ 0 60000 65536"/>
+              <a:gd name="T128" fmla="*/ 0 60000 65536"/>
+              <a:gd name="T129" fmla="*/ 0 60000 65536"/>
+              <a:gd name="T130" fmla="*/ 0 60000 65536"/>
+              <a:gd name="T131" fmla="*/ 0 60000 65536"/>
+              <a:gd name="T132" fmla="*/ 0 60000 65536"/>
+              <a:gd name="T133" fmla="*/ 0 60000 65536"/>
+              <a:gd name="T134" fmla="*/ 0 60000 65536"/>
+              <a:gd name="T135" fmla="*/ 0 60000 65536"/>
+              <a:gd name="T136" fmla="*/ 0 60000 65536"/>
+              <a:gd name="T137" fmla="*/ 0 60000 65536"/>
+              <a:gd name="T138" fmla="*/ 0 60000 65536"/>
+              <a:gd name="T139" fmla="*/ 0 60000 65536"/>
+              <a:gd name="T140" fmla="*/ 0 60000 65536"/>
+            </a:gdLst>
+            <a:ahLst/>
+            <a:cxnLst>
+              <a:cxn ang="T94">
+                <a:pos x="T0" y="T1"/>
+              </a:cxn>
+              <a:cxn ang="T95">
+                <a:pos x="T2" y="T3"/>
+              </a:cxn>
+              <a:cxn ang="T96">
+                <a:pos x="T4" y="T5"/>
+              </a:cxn>
+              <a:cxn ang="T97">
+                <a:pos x="T6" y="T7"/>
+              </a:cxn>
+              <a:cxn ang="T98">
+                <a:pos x="T8" y="T9"/>
+              </a:cxn>
+              <a:cxn ang="T99">
+                <a:pos x="T10" y="T11"/>
+              </a:cxn>
+              <a:cxn ang="T100">
+                <a:pos x="T12" y="T13"/>
+              </a:cxn>
+              <a:cxn ang="T101">
+                <a:pos x="T14" y="T15"/>
+              </a:cxn>
+              <a:cxn ang="T102">
+                <a:pos x="T16" y="T17"/>
+              </a:cxn>
+              <a:cxn ang="T103">
+                <a:pos x="T18" y="T19"/>
+              </a:cxn>
+              <a:cxn ang="T104">
+                <a:pos x="T20" y="T21"/>
+              </a:cxn>
+              <a:cxn ang="T105">
+                <a:pos x="T22" y="T23"/>
+              </a:cxn>
+              <a:cxn ang="T106">
+                <a:pos x="T24" y="T25"/>
+              </a:cxn>
+              <a:cxn ang="T107">
+                <a:pos x="T26" y="T27"/>
+              </a:cxn>
+              <a:cxn ang="T108">
+                <a:pos x="T28" y="T29"/>
+              </a:cxn>
+              <a:cxn ang="T109">
+                <a:pos x="T30" y="T31"/>
+              </a:cxn>
+              <a:cxn ang="T110">
+                <a:pos x="T32" y="T33"/>
+              </a:cxn>
+              <a:cxn ang="T111">
+                <a:pos x="T34" y="T35"/>
+              </a:cxn>
+              <a:cxn ang="T112">
+                <a:pos x="T36" y="T37"/>
+              </a:cxn>
+              <a:cxn ang="T113">
+                <a:pos x="T38" y="T39"/>
+              </a:cxn>
+              <a:cxn ang="T114">
+                <a:pos x="T40" y="T41"/>
+              </a:cxn>
+              <a:cxn ang="T115">
+                <a:pos x="T42" y="T43"/>
+              </a:cxn>
+              <a:cxn ang="T116">
+                <a:pos x="T44" y="T45"/>
+              </a:cxn>
+              <a:cxn ang="T117">
+                <a:pos x="T46" y="T47"/>
+              </a:cxn>
+              <a:cxn ang="T118">
+                <a:pos x="T48" y="T49"/>
+              </a:cxn>
+              <a:cxn ang="T119">
+                <a:pos x="T50" y="T51"/>
+              </a:cxn>
+              <a:cxn ang="T120">
+                <a:pos x="T52" y="T53"/>
+              </a:cxn>
+              <a:cxn ang="T121">
+                <a:pos x="T54" y="T55"/>
+              </a:cxn>
+              <a:cxn ang="T122">
+                <a:pos x="T56" y="T57"/>
+              </a:cxn>
+              <a:cxn ang="T123">
+                <a:pos x="T58" y="T59"/>
+              </a:cxn>
+              <a:cxn ang="T124">
+                <a:pos x="T60" y="T61"/>
+              </a:cxn>
+              <a:cxn ang="T125">
+                <a:pos x="T62" y="T63"/>
+              </a:cxn>
+              <a:cxn ang="T126">
+                <a:pos x="T64" y="T65"/>
+              </a:cxn>
+              <a:cxn ang="T127">
+                <a:pos x="T66" y="T67"/>
+              </a:cxn>
+              <a:cxn ang="T128">
+                <a:pos x="T68" y="T69"/>
+              </a:cxn>
+              <a:cxn ang="T129">
+                <a:pos x="T70" y="T71"/>
+              </a:cxn>
+              <a:cxn ang="T130">
+                <a:pos x="T72" y="T73"/>
+              </a:cxn>
+              <a:cxn ang="T131">
+                <a:pos x="T74" y="T75"/>
+              </a:cxn>
+              <a:cxn ang="T132">
+                <a:pos x="T76" y="T77"/>
+              </a:cxn>
+              <a:cxn ang="T133">
+                <a:pos x="T78" y="T79"/>
+              </a:cxn>
+              <a:cxn ang="T134">
+                <a:pos x="T80" y="T81"/>
+              </a:cxn>
+              <a:cxn ang="T135">
+                <a:pos x="T82" y="T83"/>
+              </a:cxn>
+              <a:cxn ang="T136">
+                <a:pos x="T84" y="T85"/>
+              </a:cxn>
+              <a:cxn ang="T137">
+                <a:pos x="T86" y="T87"/>
+              </a:cxn>
+              <a:cxn ang="T138">
+                <a:pos x="T88" y="T89"/>
+              </a:cxn>
+              <a:cxn ang="T139">
+                <a:pos x="T90" y="T91"/>
+              </a:cxn>
+              <a:cxn ang="T140">
+                <a:pos x="T92" y="T93"/>
+              </a:cxn>
+            </a:cxnLst>
+            <a:rect l="0" t="0" r="r" b="b"/>
+            <a:pathLst>
+              <a:path w="2344" h="2500">
+                <a:moveTo>
+                  <a:pt x="2031" y="1328"/>
+                </a:moveTo>
+                <a:lnTo>
+                  <a:pt x="1250" y="1328"/>
+                </a:lnTo>
+                <a:lnTo>
+                  <a:pt x="1250" y="1172"/>
+                </a:lnTo>
+                <a:lnTo>
+                  <a:pt x="2031" y="1172"/>
+                </a:lnTo>
+                <a:lnTo>
+                  <a:pt x="2031" y="1328"/>
+                </a:lnTo>
+                <a:close/>
+                <a:moveTo>
+                  <a:pt x="2031" y="1953"/>
+                </a:moveTo>
+                <a:lnTo>
+                  <a:pt x="1250" y="1953"/>
+                </a:lnTo>
+                <a:lnTo>
+                  <a:pt x="1250" y="1796"/>
+                </a:lnTo>
+                <a:lnTo>
+                  <a:pt x="2031" y="1796"/>
+                </a:lnTo>
+                <a:lnTo>
+                  <a:pt x="2031" y="1953"/>
+                </a:lnTo>
+                <a:close/>
+                <a:moveTo>
+                  <a:pt x="1016" y="1015"/>
+                </a:moveTo>
+                <a:lnTo>
+                  <a:pt x="1016" y="1015"/>
+                </a:lnTo>
+                <a:cubicBezTo>
+                  <a:pt x="972" y="1015"/>
+                  <a:pt x="938" y="980"/>
+                  <a:pt x="938" y="937"/>
+                </a:cubicBezTo>
+                <a:cubicBezTo>
+                  <a:pt x="938" y="893"/>
+                  <a:pt x="972" y="859"/>
+                  <a:pt x="1016" y="859"/>
+                </a:cubicBezTo>
+                <a:cubicBezTo>
+                  <a:pt x="1059" y="859"/>
+                  <a:pt x="1094" y="893"/>
+                  <a:pt x="1094" y="937"/>
+                </a:cubicBezTo>
+                <a:cubicBezTo>
+                  <a:pt x="1094" y="980"/>
+                  <a:pt x="1059" y="1015"/>
+                  <a:pt x="1016" y="1015"/>
+                </a:cubicBezTo>
+                <a:close/>
+                <a:moveTo>
+                  <a:pt x="1016" y="1328"/>
+                </a:moveTo>
+                <a:lnTo>
+                  <a:pt x="1016" y="1328"/>
+                </a:lnTo>
+                <a:cubicBezTo>
+                  <a:pt x="972" y="1328"/>
+                  <a:pt x="938" y="1293"/>
+                  <a:pt x="938" y="1249"/>
+                </a:cubicBezTo>
+                <a:cubicBezTo>
+                  <a:pt x="938" y="1206"/>
+                  <a:pt x="972" y="1172"/>
+                  <a:pt x="1016" y="1172"/>
+                </a:cubicBezTo>
+                <a:cubicBezTo>
+                  <a:pt x="1059" y="1172"/>
+                  <a:pt x="1094" y="1206"/>
+                  <a:pt x="1094" y="1249"/>
+                </a:cubicBezTo>
+                <a:cubicBezTo>
+                  <a:pt x="1094" y="1293"/>
+                  <a:pt x="1059" y="1328"/>
+                  <a:pt x="1016" y="1328"/>
+                </a:cubicBezTo>
+                <a:close/>
+                <a:moveTo>
+                  <a:pt x="1016" y="1640"/>
+                </a:moveTo>
+                <a:lnTo>
+                  <a:pt x="1016" y="1640"/>
+                </a:lnTo>
+                <a:cubicBezTo>
+                  <a:pt x="972" y="1640"/>
+                  <a:pt x="938" y="1605"/>
+                  <a:pt x="938" y="1562"/>
+                </a:cubicBezTo>
+                <a:cubicBezTo>
+                  <a:pt x="938" y="1519"/>
+                  <a:pt x="972" y="1484"/>
+                  <a:pt x="1016" y="1484"/>
+                </a:cubicBezTo>
+                <a:cubicBezTo>
+                  <a:pt x="1059" y="1484"/>
+                  <a:pt x="1094" y="1519"/>
+                  <a:pt x="1094" y="1562"/>
+                </a:cubicBezTo>
+                <a:cubicBezTo>
+                  <a:pt x="1094" y="1605"/>
+                  <a:pt x="1059" y="1640"/>
+                  <a:pt x="1016" y="1640"/>
+                </a:cubicBezTo>
+                <a:close/>
+                <a:moveTo>
+                  <a:pt x="1016" y="1953"/>
+                </a:moveTo>
+                <a:lnTo>
+                  <a:pt x="1016" y="1953"/>
+                </a:lnTo>
+                <a:cubicBezTo>
+                  <a:pt x="972" y="1953"/>
+                  <a:pt x="938" y="1917"/>
+                  <a:pt x="938" y="1874"/>
+                </a:cubicBezTo>
+                <a:cubicBezTo>
+                  <a:pt x="938" y="1831"/>
+                  <a:pt x="972" y="1796"/>
+                  <a:pt x="1016" y="1796"/>
+                </a:cubicBezTo>
+                <a:cubicBezTo>
+                  <a:pt x="1059" y="1796"/>
+                  <a:pt x="1094" y="1831"/>
+                  <a:pt x="1094" y="1874"/>
+                </a:cubicBezTo>
+                <a:cubicBezTo>
+                  <a:pt x="1094" y="1917"/>
+                  <a:pt x="1059" y="1953"/>
+                  <a:pt x="1016" y="1953"/>
+                </a:cubicBezTo>
+                <a:close/>
+                <a:moveTo>
+                  <a:pt x="1250" y="1484"/>
+                </a:moveTo>
+                <a:lnTo>
+                  <a:pt x="1718" y="1484"/>
+                </a:lnTo>
+                <a:lnTo>
+                  <a:pt x="1718" y="1640"/>
+                </a:lnTo>
+                <a:lnTo>
+                  <a:pt x="1250" y="1640"/>
+                </a:lnTo>
+                <a:lnTo>
+                  <a:pt x="1250" y="1484"/>
+                </a:lnTo>
+                <a:close/>
+                <a:moveTo>
+                  <a:pt x="1250" y="859"/>
+                </a:moveTo>
+                <a:lnTo>
+                  <a:pt x="1952" y="859"/>
+                </a:lnTo>
+                <a:lnTo>
+                  <a:pt x="1952" y="1015"/>
+                </a:lnTo>
+                <a:lnTo>
+                  <a:pt x="1250" y="1015"/>
+                </a:lnTo>
+                <a:lnTo>
+                  <a:pt x="1250" y="859"/>
+                </a:lnTo>
+                <a:close/>
+                <a:moveTo>
+                  <a:pt x="1250" y="390"/>
+                </a:moveTo>
+                <a:lnTo>
+                  <a:pt x="1796" y="390"/>
+                </a:lnTo>
+                <a:lnTo>
+                  <a:pt x="1796" y="546"/>
+                </a:lnTo>
+                <a:lnTo>
+                  <a:pt x="1250" y="546"/>
+                </a:lnTo>
+                <a:lnTo>
+                  <a:pt x="1250" y="390"/>
+                </a:lnTo>
+                <a:close/>
+                <a:moveTo>
+                  <a:pt x="625" y="2265"/>
+                </a:moveTo>
+                <a:lnTo>
+                  <a:pt x="625" y="2265"/>
+                </a:lnTo>
+                <a:cubicBezTo>
+                  <a:pt x="625" y="2308"/>
+                  <a:pt x="590" y="2343"/>
+                  <a:pt x="547" y="2343"/>
+                </a:cubicBezTo>
+                <a:cubicBezTo>
+                  <a:pt x="504" y="2343"/>
+                  <a:pt x="469" y="2308"/>
+                  <a:pt x="469" y="2265"/>
+                </a:cubicBezTo>
+                <a:lnTo>
+                  <a:pt x="469" y="859"/>
+                </a:lnTo>
+                <a:cubicBezTo>
+                  <a:pt x="469" y="831"/>
+                  <a:pt x="463" y="806"/>
+                  <a:pt x="454" y="781"/>
+                </a:cubicBezTo>
+                <a:lnTo>
+                  <a:pt x="625" y="781"/>
+                </a:lnTo>
+                <a:lnTo>
+                  <a:pt x="625" y="2265"/>
+                </a:lnTo>
+                <a:close/>
+                <a:moveTo>
+                  <a:pt x="313" y="1640"/>
+                </a:moveTo>
+                <a:lnTo>
+                  <a:pt x="157" y="1640"/>
+                </a:lnTo>
+                <a:lnTo>
+                  <a:pt x="157" y="859"/>
+                </a:lnTo>
+                <a:cubicBezTo>
+                  <a:pt x="157" y="816"/>
+                  <a:pt x="191" y="781"/>
+                  <a:pt x="234" y="781"/>
+                </a:cubicBezTo>
+                <a:cubicBezTo>
+                  <a:pt x="277" y="781"/>
+                  <a:pt x="313" y="816"/>
+                  <a:pt x="313" y="859"/>
+                </a:cubicBezTo>
+                <a:lnTo>
+                  <a:pt x="313" y="1640"/>
+                </a:lnTo>
+                <a:close/>
+                <a:moveTo>
+                  <a:pt x="625" y="0"/>
+                </a:moveTo>
+                <a:lnTo>
+                  <a:pt x="625" y="625"/>
+                </a:lnTo>
+                <a:lnTo>
+                  <a:pt x="234" y="625"/>
+                </a:lnTo>
+                <a:cubicBezTo>
+                  <a:pt x="105" y="625"/>
+                  <a:pt x="0" y="730"/>
+                  <a:pt x="0" y="859"/>
+                </a:cubicBezTo>
+                <a:lnTo>
+                  <a:pt x="0" y="1796"/>
+                </a:lnTo>
+                <a:lnTo>
+                  <a:pt x="313" y="1796"/>
+                </a:lnTo>
+                <a:lnTo>
+                  <a:pt x="313" y="2265"/>
+                </a:lnTo>
+                <a:cubicBezTo>
+                  <a:pt x="313" y="2394"/>
+                  <a:pt x="418" y="2499"/>
+                  <a:pt x="547" y="2499"/>
+                </a:cubicBezTo>
+                <a:lnTo>
+                  <a:pt x="2109" y="2499"/>
+                </a:lnTo>
+                <a:cubicBezTo>
+                  <a:pt x="2238" y="2499"/>
+                  <a:pt x="2343" y="2394"/>
+                  <a:pt x="2343" y="2265"/>
+                </a:cubicBezTo>
+                <a:lnTo>
+                  <a:pt x="2343" y="0"/>
+                </a:lnTo>
+                <a:lnTo>
+                  <a:pt x="625" y="0"/>
+                </a:lnTo>
+                <a:close/>
+              </a:path>
+            </a:pathLst>
+          </a:custGeom>
+          <a:solidFill>
+            <a:schemeClr val="bg1"/>
+          </a:solidFill>
+          <a:ln>
+            <a:noFill/>
+          </a:ln>
+          <a:effectLst/>
+        </p:spPr>
+        <p:txBody>
+          <a:bodyPr wrap="none" anchor="ctr"/>
+          <a:lstStyle/>
+          <a:p>
+            <a:pPr marL="0" marR="0" lvl="0" indent="0" algn="l" defTabSz="914400" rtl="0" eaLnBrk="1" fontAlgn="auto" latinLnBrk="0" hangingPunct="1">
+              <a:lnSpc>
+                <a:spcPct val="100000"/>
+              </a:lnSpc>
+              <a:spcBef>
+                <a:spcPts val="0"/>
+              </a:spcBef>
+              <a:spcAft>
+                <a:spcPts val="0"/>
+              </a:spcAft>
+              <a:buClrTx/>
+              <a:buSzTx/>
+              <a:buFontTx/>
+              <a:buNone/>
+              <a:tabLst/>
+              <a:defRPr/>
+            </a:pPr>
+            <a:endParaRPr kumimoji="0" lang="en-US" sz="1800" b="0" i="0" u="none" strike="noStrike" kern="1200" cap="none" spc="0" normalizeH="0" baseline="0" noProof="0" dirty="0">
+              <a:ln>
+                <a:noFill/>
+              </a:ln>
+              <a:solidFill>
+                <a:srgbClr val="B3B3B3"/>
+              </a:solidFill>
+              <a:effectLst/>
+              <a:uLnTx/>
+              <a:uFillTx/>
+              <a:latin typeface="Lato Light" panose="020F0502020204030203" pitchFamily="34" charset="0"/>
+              <a:ea typeface="+mn-ea"/>
+              <a:cs typeface="+mn-cs"/>
+            </a:endParaRPr>
+          </a:p>
+        </p:txBody>
+      </p:sp>
+      <p:sp>
+        <p:nvSpPr>
+          <p:cNvPr id="9" name="TextBox 8">
+            <a:extLst>
+              <a:ext uri="{FF2B5EF4-FFF2-40B4-BE49-F238E27FC236}">
+                <a16:creationId xmlns:a16="http://schemas.microsoft.com/office/drawing/2014/main" id="{DE6DC9AC-22F1-058F-8EDD-13726CA8A6B8}"/>
+              </a:ext>
+            </a:extLst>
+          </p:cNvPr>
+          <p:cNvSpPr txBox="1"/>
+          <p:nvPr/>
+        </p:nvSpPr>
+        <p:spPr>
+          <a:xfrm>
+            <a:off x="8296946" y="2915382"/>
+            <a:ext cx="2346251" cy="784830"/>
+          </a:xfrm>
+          <a:prstGeom prst="rect">
+            <a:avLst/>
+          </a:prstGeom>
+          <a:noFill/>
+        </p:spPr>
+        <p:txBody>
+          <a:bodyPr wrap="square" rtlCol="0" anchor="ctr">
+            <a:spAutoFit/>
+          </a:bodyPr>
+          <a:lstStyle>
+            <a:defPPr>
+              <a:defRPr lang="en-US"/>
+            </a:defPPr>
+            <a:lvl1pPr algn="just" defTabSz="914217">
+              <a:lnSpc>
+                <a:spcPts val="1750"/>
+              </a:lnSpc>
+              <a:defRPr sz="1400">
+                <a:solidFill>
+                  <a:srgbClr val="000000"/>
+                </a:solidFill>
+                <a:latin typeface="Trebuchet MS" panose="020B0603020202020204" pitchFamily="34" charset="0"/>
+                <a:ea typeface="Lato Light" panose="020F0502020204030203" pitchFamily="34" charset="0"/>
+                <a:cs typeface="Lato Light" panose="020F0502020204030203" pitchFamily="34" charset="0"/>
+              </a:defRPr>
+            </a:lvl1pPr>
+          </a:lstStyle>
+          <a:p>
+            <a:pPr marL="0" marR="0" lvl="0" indent="0" algn="just" defTabSz="914217" rtl="0" eaLnBrk="1" fontAlgn="auto" latinLnBrk="0" hangingPunct="1">
+              <a:lnSpc>
+                <a:spcPts val="1750"/>
+              </a:lnSpc>
+              <a:spcBef>
+                <a:spcPts val="0"/>
+              </a:spcBef>
+              <a:spcAft>
+                <a:spcPts val="0"/>
+              </a:spcAft>
+              <a:buClrTx/>
+              <a:buSzTx/>
+              <a:buFontTx/>
+              <a:buNone/>
+              <a:tabLst/>
+              <a:defRPr/>
+            </a:pPr>
+            <a:r>
+              <a:rPr kumimoji="0" lang="en-US" sz="1600" b="0" i="0" u="none" strike="noStrike" kern="1200" cap="none" spc="0" normalizeH="0" baseline="0" noProof="0" dirty="0">
+                <a:ln>
+                  <a:noFill/>
+                </a:ln>
+                <a:solidFill>
+                  <a:srgbClr val="000000"/>
+                </a:solidFill>
+                <a:effectLst/>
+                <a:uLnTx/>
+                <a:uFillTx/>
+                <a:latin typeface="Trebuchet MS" panose="020B0603020202020204" pitchFamily="34" charset="0"/>
+                <a:ea typeface="Lato Light" panose="020F0502020204030203" pitchFamily="34" charset="0"/>
+                <a:cs typeface="Lato Light" panose="020F0502020204030203" pitchFamily="34" charset="0"/>
+              </a:rPr>
+              <a:t>Train Data 300K</a:t>
+            </a:r>
+          </a:p>
+          <a:p>
+            <a:pPr marL="0" marR="0" lvl="0" indent="0" algn="just" defTabSz="914217" rtl="0" eaLnBrk="1" fontAlgn="auto" latinLnBrk="0" hangingPunct="1">
+              <a:lnSpc>
+                <a:spcPts val="1750"/>
+              </a:lnSpc>
+              <a:spcBef>
+                <a:spcPts val="0"/>
+              </a:spcBef>
+              <a:spcAft>
+                <a:spcPts val="0"/>
+              </a:spcAft>
+              <a:buClrTx/>
+              <a:buSzTx/>
+              <a:buFontTx/>
+              <a:buNone/>
+              <a:tabLst/>
+              <a:defRPr/>
+            </a:pPr>
+            <a:r>
+              <a:rPr kumimoji="0" lang="en-US" sz="1600" b="0" i="0" u="none" strike="noStrike" kern="1200" cap="none" spc="0" normalizeH="0" baseline="0" noProof="0" dirty="0">
+                <a:ln>
+                  <a:noFill/>
+                </a:ln>
+                <a:solidFill>
+                  <a:srgbClr val="000000"/>
+                </a:solidFill>
+                <a:effectLst/>
+                <a:uLnTx/>
+                <a:uFillTx/>
+                <a:latin typeface="Trebuchet MS" panose="020B0603020202020204" pitchFamily="34" charset="0"/>
+                <a:ea typeface="Lato Light" panose="020F0502020204030203" pitchFamily="34" charset="0"/>
+                <a:cs typeface="Lato Light" panose="020F0502020204030203" pitchFamily="34" charset="0"/>
+              </a:rPr>
+              <a:t>Test Data   125K</a:t>
+            </a:r>
+          </a:p>
+          <a:p>
+            <a:pPr marL="0" marR="0" lvl="0" indent="0" algn="just" defTabSz="914217" rtl="0" eaLnBrk="1" fontAlgn="auto" latinLnBrk="0" hangingPunct="1">
+              <a:lnSpc>
+                <a:spcPts val="1750"/>
+              </a:lnSpc>
+              <a:spcBef>
+                <a:spcPts val="0"/>
+              </a:spcBef>
+              <a:spcAft>
+                <a:spcPts val="0"/>
+              </a:spcAft>
+              <a:buClrTx/>
+              <a:buSzTx/>
+              <a:buFontTx/>
+              <a:buNone/>
+              <a:tabLst/>
+              <a:defRPr/>
+            </a:pPr>
+            <a:r>
+              <a:rPr kumimoji="0" lang="en-US" sz="1600" b="0" i="0" u="none" strike="noStrike" kern="1200" cap="none" spc="0" normalizeH="0" baseline="0" noProof="0" dirty="0">
+                <a:ln>
+                  <a:noFill/>
+                </a:ln>
+                <a:solidFill>
+                  <a:srgbClr val="000000"/>
+                </a:solidFill>
+                <a:effectLst/>
+                <a:uLnTx/>
+                <a:uFillTx/>
+                <a:latin typeface="Trebuchet MS" panose="020B0603020202020204" pitchFamily="34" charset="0"/>
+                <a:ea typeface="Lato Light" panose="020F0502020204030203" pitchFamily="34" charset="0"/>
+                <a:cs typeface="Lato Light" panose="020F0502020204030203" pitchFamily="34" charset="0"/>
+              </a:rPr>
+              <a:t>Validation Data  75K</a:t>
+            </a:r>
+          </a:p>
+        </p:txBody>
+      </p:sp>
+    </p:spTree>
+    <p:extLst>
+      <p:ext uri="{BB962C8B-B14F-4D97-AF65-F5344CB8AC3E}">
+        <p14:creationId xmlns:p14="http://schemas.microsoft.com/office/powerpoint/2010/main" val="1096644411"/>
+      </p:ext>
+    </p:extLst>
+  </p:cSld>
+  <p:clrMapOvr>
+    <a:masterClrMapping/>
+  </p:clrMapOvr>
+</p:sld>
+</file>
+
+<file path=ppt/slides/slide5.xml><?xml version="1.0" encoding="utf-8"?>
 <p:sld xmlns:a="http://schemas.openxmlformats.org/drawingml/2006/main" xmlns:r="http://schemas.openxmlformats.org/officeDocument/2006/relationships" xmlns:p="http://schemas.openxmlformats.org/presentationml/2006/main">
   <p:cSld>
     <p:spTree>
@@ -13877,75 +18071,44 @@
           </a:p>
         </p:txBody>
       </p:sp>
-      <p:grpSp>
-        <p:nvGrpSpPr>
-          <p:cNvPr id="42" name="Google Shape;1261;p42">
+      <p:sp>
+        <p:nvSpPr>
+          <p:cNvPr id="43" name="Google Shape;1262;p42">
             <a:extLst>
               <a:ext uri="{FF2B5EF4-FFF2-40B4-BE49-F238E27FC236}">
-                <a16:creationId xmlns:a16="http://schemas.microsoft.com/office/drawing/2014/main" id="{D792CB77-EF26-2916-0C4F-B942BAE3E0EB}"/>
+                <a16:creationId xmlns:a16="http://schemas.microsoft.com/office/drawing/2014/main" id="{A091504D-EC31-8F3C-6AB3-946F9240A0A1}"/>
               </a:ext>
             </a:extLst>
           </p:cNvPr>
-          <p:cNvGrpSpPr/>
+          <p:cNvSpPr txBox="1"/>
           <p:nvPr/>
-        </p:nvGrpSpPr>
-        <p:grpSpPr>
+        </p:nvSpPr>
+        <p:spPr>
           <a:xfrm>
             <a:off x="7532100" y="1122347"/>
-            <a:ext cx="4434675" cy="1084311"/>
-            <a:chOff x="6176611" y="1073600"/>
-            <a:chExt cx="2510190" cy="755218"/>
+            <a:ext cx="4434675" cy="393254"/>
           </a:xfrm>
-        </p:grpSpPr>
-        <p:sp>
-          <p:nvSpPr>
-            <p:cNvPr id="43" name="Google Shape;1262;p42">
-              <a:extLst>
-                <a:ext uri="{FF2B5EF4-FFF2-40B4-BE49-F238E27FC236}">
-                  <a16:creationId xmlns:a16="http://schemas.microsoft.com/office/drawing/2014/main" id="{A091504D-EC31-8F3C-6AB3-946F9240A0A1}"/>
-                </a:ext>
-              </a:extLst>
-            </p:cNvPr>
-            <p:cNvSpPr txBox="1"/>
-            <p:nvPr/>
-          </p:nvSpPr>
-          <p:spPr>
-            <a:xfrm>
-              <a:off x="6176611" y="1073600"/>
-              <a:ext cx="2510190" cy="273900"/>
-            </a:xfrm>
-            <a:prstGeom prst="rect">
-              <a:avLst/>
-            </a:prstGeom>
+          <a:prstGeom prst="rect">
+            <a:avLst/>
+          </a:prstGeom>
+          <a:noFill/>
+          <a:ln>
             <a:noFill/>
-            <a:ln>
-              <a:noFill/>
-            </a:ln>
-          </p:spPr>
-          <p:txBody>
-            <a:bodyPr spcFirstLastPara="1" wrap="square" lIns="121900" tIns="121900" rIns="121900" bIns="121900" anchor="ctr" anchorCtr="0">
-              <a:noAutofit/>
-            </a:bodyPr>
-            <a:lstStyle/>
-            <a:p>
-              <a:pPr algn="r" defTabSz="1219170">
-                <a:buClr>
-                  <a:srgbClr val="000000"/>
-                </a:buClr>
-              </a:pPr>
-              <a:r>
-                <a:rPr lang="en" sz="2400" b="1" kern="0" dirty="0">
-                  <a:solidFill>
-                    <a:srgbClr val="000000"/>
-                  </a:solidFill>
-                  <a:latin typeface="Fira Sans Extra Condensed"/>
-                  <a:ea typeface="Fira Sans Extra Condensed"/>
-                  <a:cs typeface="Fira Sans Extra Condensed"/>
-                  <a:sym typeface="Fira Sans Extra Condensed"/>
-                </a:rPr>
-                <a:t>Data Clensing &amp; Missing Values</a:t>
-              </a:r>
-              <a:endParaRPr sz="2400" b="1" kern="0" dirty="0">
+          </a:ln>
+        </p:spPr>
+        <p:txBody>
+          <a:bodyPr spcFirstLastPara="1" wrap="square" lIns="121900" tIns="121900" rIns="121900" bIns="121900" anchor="ctr" anchorCtr="0">
+            <a:noAutofit/>
+          </a:bodyPr>
+          <a:lstStyle/>
+          <a:p>
+            <a:pPr algn="r" defTabSz="1219170">
+              <a:buClr>
+                <a:srgbClr val="000000"/>
+              </a:buClr>
+            </a:pPr>
+            <a:r>
+              <a:rPr lang="en" sz="2400" b="1" kern="0" dirty="0">
                 <a:solidFill>
                   <a:srgbClr val="000000"/>
                 </a:solidFill>
@@ -13953,71 +18116,21 @@
                 <a:ea typeface="Fira Sans Extra Condensed"/>
                 <a:cs typeface="Fira Sans Extra Condensed"/>
                 <a:sym typeface="Fira Sans Extra Condensed"/>
-              </a:endParaRPr>
-            </a:p>
-          </p:txBody>
-        </p:sp>
-        <p:sp>
-          <p:nvSpPr>
-            <p:cNvPr id="44" name="Google Shape;1263;p42">
-              <a:extLst>
-                <a:ext uri="{FF2B5EF4-FFF2-40B4-BE49-F238E27FC236}">
-                  <a16:creationId xmlns:a16="http://schemas.microsoft.com/office/drawing/2014/main" id="{73792A9C-0B72-7ED0-266D-62EE76BDEBA2}"/>
-                </a:ext>
-              </a:extLst>
-            </p:cNvPr>
-            <p:cNvSpPr txBox="1"/>
-            <p:nvPr/>
-          </p:nvSpPr>
-          <p:spPr>
-            <a:xfrm>
-              <a:off x="6862801" y="1430118"/>
-              <a:ext cx="1824000" cy="398700"/>
-            </a:xfrm>
-            <a:prstGeom prst="rect">
-              <a:avLst/>
-            </a:prstGeom>
-            <a:noFill/>
-            <a:ln>
-              <a:noFill/>
-            </a:ln>
-          </p:spPr>
-          <p:txBody>
-            <a:bodyPr spcFirstLastPara="1" wrap="square" lIns="121900" tIns="121900" rIns="121900" bIns="121900" anchor="ctr" anchorCtr="0">
-              <a:noAutofit/>
-            </a:bodyPr>
-            <a:lstStyle/>
-            <a:p>
-              <a:pPr defTabSz="1219170">
-                <a:buClr>
-                  <a:srgbClr val="000000"/>
-                </a:buClr>
-              </a:pPr>
-              <a:r>
-                <a:rPr lang="en" sz="1600" kern="0" dirty="0">
-                  <a:solidFill>
-                    <a:srgbClr val="000000"/>
-                  </a:solidFill>
-                  <a:latin typeface="Roboto"/>
-                  <a:ea typeface="Roboto"/>
-                  <a:cs typeface="Roboto"/>
-                  <a:sym typeface="Roboto"/>
-                </a:rPr>
-                <a:t>Imputations using pipelines</a:t>
-              </a:r>
-              <a:endParaRPr sz="1600" kern="0" dirty="0">
-                <a:solidFill>
-                  <a:srgbClr val="000000"/>
-                </a:solidFill>
-                <a:latin typeface="Roboto"/>
-                <a:ea typeface="Roboto"/>
-                <a:cs typeface="Roboto"/>
-                <a:sym typeface="Roboto"/>
-              </a:endParaRPr>
-            </a:p>
-          </p:txBody>
-        </p:sp>
-      </p:grpSp>
+              </a:rPr>
+              <a:t>Data Clensing &amp; Missing Values</a:t>
+            </a:r>
+            <a:endParaRPr sz="2400" b="1" kern="0" dirty="0">
+              <a:solidFill>
+                <a:srgbClr val="000000"/>
+              </a:solidFill>
+              <a:latin typeface="Fira Sans Extra Condensed"/>
+              <a:ea typeface="Fira Sans Extra Condensed"/>
+              <a:cs typeface="Fira Sans Extra Condensed"/>
+              <a:sym typeface="Fira Sans Extra Condensed"/>
+            </a:endParaRPr>
+          </a:p>
+        </p:txBody>
+      </p:sp>
       <p:sp>
         <p:nvSpPr>
           <p:cNvPr id="45" name="Google Shape;1264;p42">
@@ -14658,101 +18771,64 @@
         </p:nvGrpSpPr>
         <p:grpSpPr>
           <a:xfrm>
-            <a:off x="1243645" y="3416668"/>
-            <a:ext cx="3346800" cy="907569"/>
+            <a:off x="1243645" y="3416669"/>
+            <a:ext cx="3346800" cy="860384"/>
             <a:chOff x="1487700" y="2562500"/>
-            <a:chExt cx="2510100" cy="680677"/>
+            <a:chExt cx="2510100" cy="645288"/>
           </a:xfrm>
         </p:grpSpPr>
-        <p:grpSp>
-          <p:nvGrpSpPr>
-            <p:cNvPr id="55" name="Google Shape;1281;p42">
+        <p:sp>
+          <p:nvSpPr>
+            <p:cNvPr id="57" name="Google Shape;1282;p42">
               <a:extLst>
                 <a:ext uri="{FF2B5EF4-FFF2-40B4-BE49-F238E27FC236}">
-                  <a16:creationId xmlns:a16="http://schemas.microsoft.com/office/drawing/2014/main" id="{846E9349-0BB5-BAEA-095A-CD871DAE2CB2}"/>
+                  <a16:creationId xmlns:a16="http://schemas.microsoft.com/office/drawing/2014/main" id="{57E640D7-EE3C-A5B1-BF5C-754C3CBDD5DD}"/>
                 </a:ext>
               </a:extLst>
             </p:cNvPr>
-            <p:cNvGrpSpPr/>
+            <p:cNvSpPr txBox="1"/>
             <p:nvPr/>
-          </p:nvGrpSpPr>
-          <p:grpSpPr>
+          </p:nvSpPr>
+          <p:spPr>
             <a:xfrm>
               <a:off x="2173800" y="2562500"/>
-              <a:ext cx="1824000" cy="680677"/>
-              <a:chOff x="2097600" y="2562500"/>
-              <a:chExt cx="1824000" cy="680677"/>
+              <a:ext cx="1824000" cy="277200"/>
             </a:xfrm>
-          </p:grpSpPr>
-          <p:sp>
-            <p:nvSpPr>
-              <p:cNvPr id="57" name="Google Shape;1282;p42">
-                <a:extLst>
-                  <a:ext uri="{FF2B5EF4-FFF2-40B4-BE49-F238E27FC236}">
-                    <a16:creationId xmlns:a16="http://schemas.microsoft.com/office/drawing/2014/main" id="{57E640D7-EE3C-A5B1-BF5C-754C3CBDD5DD}"/>
-                  </a:ext>
-                </a:extLst>
-              </p:cNvPr>
-              <p:cNvSpPr txBox="1"/>
-              <p:nvPr/>
-            </p:nvSpPr>
-            <p:spPr>
-              <a:xfrm>
-                <a:off x="2097600" y="2562500"/>
-                <a:ext cx="1824000" cy="277200"/>
-              </a:xfrm>
-              <a:prstGeom prst="rect">
-                <a:avLst/>
-              </a:prstGeom>
+            <a:prstGeom prst="rect">
+              <a:avLst/>
+            </a:prstGeom>
+            <a:noFill/>
+            <a:ln>
               <a:noFill/>
-              <a:ln>
-                <a:noFill/>
-              </a:ln>
-            </p:spPr>
-            <p:txBody>
-              <a:bodyPr spcFirstLastPara="1" wrap="square" lIns="121900" tIns="121900" rIns="121900" bIns="121900" anchor="ctr" anchorCtr="0">
-                <a:noAutofit/>
-              </a:bodyPr>
-              <a:lstStyle/>
-              <a:p>
-                <a:pPr marL="0" marR="0" lvl="0" indent="0" defTabSz="1219170" eaLnBrk="1" fontAlgn="auto" latinLnBrk="0" hangingPunct="1">
-                  <a:lnSpc>
-                    <a:spcPct val="100000"/>
-                  </a:lnSpc>
-                  <a:spcBef>
-                    <a:spcPts val="0"/>
-                  </a:spcBef>
-                  <a:spcAft>
-                    <a:spcPts val="0"/>
-                  </a:spcAft>
-                  <a:buClr>
-                    <a:srgbClr val="000000"/>
-                  </a:buClr>
-                  <a:buSzTx/>
-                  <a:buFontTx/>
-                  <a:buNone/>
-                  <a:tabLst/>
-                  <a:defRPr/>
-                </a:pPr>
-                <a:r>
-                  <a:rPr kumimoji="0" lang="en" sz="2400" b="1" i="0" u="none" strike="noStrike" kern="0" cap="none" spc="0" normalizeH="0" baseline="0" noProof="0" dirty="0">
-                    <a:ln>
-                      <a:noFill/>
-                    </a:ln>
-                    <a:solidFill>
-                      <a:srgbClr val="000000"/>
-                    </a:solidFill>
-                    <a:effectLst/>
-                    <a:uLnTx/>
-                    <a:uFillTx/>
-                    <a:latin typeface="Fira Sans Extra Condensed"/>
-                    <a:ea typeface="Fira Sans Extra Condensed"/>
-                    <a:cs typeface="Fira Sans Extra Condensed"/>
-                    <a:sym typeface="Fira Sans Extra Condensed"/>
-                  </a:rPr>
-                  <a:t>Model Evaluation</a:t>
-                </a:r>
-                <a:endParaRPr kumimoji="0" sz="2400" b="1" i="0" u="none" strike="noStrike" kern="0" cap="none" spc="0" normalizeH="0" baseline="0" noProof="0" dirty="0">
+            </a:ln>
+          </p:spPr>
+          <p:txBody>
+            <a:bodyPr spcFirstLastPara="1" wrap="square" lIns="121900" tIns="121900" rIns="121900" bIns="121900" anchor="ctr" anchorCtr="0">
+              <a:noAutofit/>
+            </a:bodyPr>
+            <a:lstStyle/>
+            <a:p>
+              <a:pPr marL="0" marR="0" lvl="0" indent="0" defTabSz="1219170" eaLnBrk="1" fontAlgn="auto" latinLnBrk="0" hangingPunct="1">
+                <a:lnSpc>
+                  <a:spcPct val="100000"/>
+                </a:lnSpc>
+                <a:spcBef>
+                  <a:spcPts val="0"/>
+                </a:spcBef>
+                <a:spcAft>
+                  <a:spcPts val="0"/>
+                </a:spcAft>
+                <a:buClr>
+                  <a:srgbClr val="000000"/>
+                </a:buClr>
+                <a:buSzTx/>
+                <a:buFontTx/>
+                <a:buNone/>
+                <a:tabLst/>
+                <a:defRPr/>
+              </a:pPr>
+              <a:r>
+                <a:rPr kumimoji="0" lang="en" sz="2400" b="1" i="0" u="none" strike="noStrike" kern="0" cap="none" spc="0" normalizeH="0" baseline="0" noProof="0" dirty="0">
                   <a:ln>
                     <a:noFill/>
                   </a:ln>
@@ -14766,133 +18842,27 @@
                   <a:ea typeface="Fira Sans Extra Condensed"/>
                   <a:cs typeface="Fira Sans Extra Condensed"/>
                   <a:sym typeface="Fira Sans Extra Condensed"/>
-                </a:endParaRPr>
-              </a:p>
-            </p:txBody>
-          </p:sp>
-          <p:sp>
-            <p:nvSpPr>
-              <p:cNvPr id="58" name="Google Shape;1283;p42">
-                <a:extLst>
-                  <a:ext uri="{FF2B5EF4-FFF2-40B4-BE49-F238E27FC236}">
-                    <a16:creationId xmlns:a16="http://schemas.microsoft.com/office/drawing/2014/main" id="{63B6D4D8-7FED-8B13-9866-018FC4E29591}"/>
-                  </a:ext>
-                </a:extLst>
-              </p:cNvPr>
-              <p:cNvSpPr txBox="1"/>
-              <p:nvPr/>
-            </p:nvSpPr>
-            <p:spPr>
-              <a:xfrm>
-                <a:off x="2097600" y="2839677"/>
-                <a:ext cx="1824000" cy="403500"/>
-              </a:xfrm>
-              <a:prstGeom prst="rect">
-                <a:avLst/>
-              </a:prstGeom>
-              <a:noFill/>
-              <a:ln>
-                <a:noFill/>
-              </a:ln>
-            </p:spPr>
-            <p:txBody>
-              <a:bodyPr spcFirstLastPara="1" wrap="square" lIns="121900" tIns="121900" rIns="121900" bIns="121900" anchor="ctr" anchorCtr="0">
-                <a:noAutofit/>
-              </a:bodyPr>
-              <a:lstStyle/>
-              <a:p>
-                <a:pPr marL="0" marR="0" lvl="0" indent="0" defTabSz="1219170" eaLnBrk="1" fontAlgn="auto" latinLnBrk="0" hangingPunct="1">
-                  <a:lnSpc>
-                    <a:spcPct val="100000"/>
-                  </a:lnSpc>
-                  <a:spcBef>
-                    <a:spcPts val="0"/>
-                  </a:spcBef>
-                  <a:spcAft>
-                    <a:spcPts val="0"/>
-                  </a:spcAft>
-                  <a:buClr>
-                    <a:srgbClr val="000000"/>
-                  </a:buClr>
-                  <a:buSzTx/>
-                  <a:buFontTx/>
-                  <a:buNone/>
-                  <a:tabLst/>
-                  <a:defRPr/>
-                </a:pPr>
-                <a:r>
-                  <a:rPr kumimoji="0" lang="en-GB" sz="1600" b="0" i="0" u="none" strike="noStrike" kern="0" cap="none" spc="0" normalizeH="0" baseline="0" noProof="0" dirty="0">
-                    <a:ln>
-                      <a:noFill/>
-                    </a:ln>
-                    <a:solidFill>
-                      <a:srgbClr val="000000"/>
-                    </a:solidFill>
-                    <a:effectLst/>
-                    <a:uLnTx/>
-                    <a:uFillTx/>
-                    <a:latin typeface="Roboto"/>
-                    <a:ea typeface="Roboto"/>
-                    <a:cs typeface="Roboto"/>
-                    <a:sym typeface="Roboto"/>
-                  </a:rPr>
-                  <a:t>score, </a:t>
-                </a:r>
-                <a:r>
-                  <a:rPr kumimoji="0" lang="en-GB" sz="1600" b="0" i="0" u="none" strike="noStrike" kern="0" cap="none" spc="0" normalizeH="0" baseline="0" noProof="0" dirty="0" err="1">
-                    <a:ln>
-                      <a:noFill/>
-                    </a:ln>
-                    <a:solidFill>
-                      <a:srgbClr val="000000"/>
-                    </a:solidFill>
-                    <a:effectLst/>
-                    <a:uLnTx/>
-                    <a:uFillTx/>
-                    <a:latin typeface="Roboto"/>
-                    <a:ea typeface="Roboto"/>
-                    <a:cs typeface="Roboto"/>
-                    <a:sym typeface="Roboto"/>
-                  </a:rPr>
-                  <a:t>logloss</a:t>
-                </a:r>
-                <a:r>
-                  <a:rPr kumimoji="0" lang="en-GB" sz="1600" b="0" i="0" u="none" strike="noStrike" kern="0" cap="none" spc="0" normalizeH="0" baseline="0" noProof="0" dirty="0">
-                    <a:ln>
-                      <a:noFill/>
-                    </a:ln>
-                    <a:solidFill>
-                      <a:srgbClr val="000000"/>
-                    </a:solidFill>
-                    <a:effectLst/>
-                    <a:uLnTx/>
-                    <a:uFillTx/>
-                    <a:latin typeface="Roboto"/>
-                    <a:ea typeface="Roboto"/>
-                    <a:cs typeface="Roboto"/>
-                    <a:sym typeface="Roboto"/>
-                  </a:rPr>
-                  <a:t>, CV, area under ROC</a:t>
-                </a:r>
-                <a:endParaRPr kumimoji="0" sz="1600" b="0" i="0" u="none" strike="noStrike" kern="0" cap="none" spc="0" normalizeH="0" baseline="0" noProof="0" dirty="0">
-                  <a:ln>
-                    <a:noFill/>
-                  </a:ln>
-                  <a:solidFill>
-                    <a:srgbClr val="000000"/>
-                  </a:solidFill>
-                  <a:effectLst/>
-                  <a:uLnTx/>
-                  <a:uFillTx/>
-                  <a:latin typeface="Roboto"/>
-                  <a:ea typeface="Roboto"/>
-                  <a:cs typeface="Roboto"/>
-                  <a:sym typeface="Roboto"/>
-                </a:endParaRPr>
-              </a:p>
-            </p:txBody>
-          </p:sp>
-        </p:grpSp>
+                </a:rPr>
+                <a:t>Model Evaluation</a:t>
+              </a:r>
+              <a:endParaRPr kumimoji="0" sz="2400" b="1" i="0" u="none" strike="noStrike" kern="0" cap="none" spc="0" normalizeH="0" baseline="0" noProof="0" dirty="0">
+                <a:ln>
+                  <a:noFill/>
+                </a:ln>
+                <a:solidFill>
+                  <a:srgbClr val="000000"/>
+                </a:solidFill>
+                <a:effectLst/>
+                <a:uLnTx/>
+                <a:uFillTx/>
+                <a:latin typeface="Fira Sans Extra Condensed"/>
+                <a:ea typeface="Fira Sans Extra Condensed"/>
+                <a:cs typeface="Fira Sans Extra Condensed"/>
+                <a:sym typeface="Fira Sans Extra Condensed"/>
+              </a:endParaRPr>
+            </a:p>
+          </p:txBody>
+        </p:sp>
         <p:sp>
           <p:nvSpPr>
             <p:cNvPr id="56" name="Google Shape;1284;p42">
@@ -16042,3669 +20012,6 @@
 </p:sld>
 </file>
 
-<file path=ppt/slides/slide5.xml><?xml version="1.0" encoding="utf-8"?>
-<p:sld xmlns:a="http://schemas.openxmlformats.org/drawingml/2006/main" xmlns:r="http://schemas.openxmlformats.org/officeDocument/2006/relationships" xmlns:p="http://schemas.openxmlformats.org/presentationml/2006/main">
-  <p:cSld>
-    <p:spTree>
-      <p:nvGrpSpPr>
-        <p:cNvPr id="1" name=""/>
-        <p:cNvGrpSpPr/>
-        <p:nvPr/>
-      </p:nvGrpSpPr>
-      <p:grpSpPr>
-        <a:xfrm>
-          <a:off x="0" y="0"/>
-          <a:ext cx="0" cy="0"/>
-          <a:chOff x="0" y="0"/>
-          <a:chExt cx="0" cy="0"/>
-        </a:xfrm>
-      </p:grpSpPr>
-      <p:sp>
-        <p:nvSpPr>
-          <p:cNvPr id="3" name="Shape 9641">
-            <a:extLst>
-              <a:ext uri="{FF2B5EF4-FFF2-40B4-BE49-F238E27FC236}">
-                <a16:creationId xmlns:a16="http://schemas.microsoft.com/office/drawing/2014/main" id="{6F21A49A-7B8A-FF44-9B07-213878D3B68F}"/>
-              </a:ext>
-            </a:extLst>
-          </p:cNvPr>
-          <p:cNvSpPr/>
-          <p:nvPr/>
-        </p:nvSpPr>
-        <p:spPr>
-          <a:xfrm>
-            <a:off x="762000" y="1286911"/>
-            <a:ext cx="477447" cy="5571090"/>
-          </a:xfrm>
-          <a:prstGeom prst="round2SameRect">
-            <a:avLst>
-              <a:gd name="adj1" fmla="val 50000"/>
-              <a:gd name="adj2" fmla="val 0"/>
-            </a:avLst>
-          </a:prstGeom>
-          <a:solidFill>
-            <a:srgbClr val="B9B9B9"/>
-          </a:solidFill>
-          <a:ln w="12700" cap="flat">
-            <a:noFill/>
-            <a:miter lim="400000"/>
-          </a:ln>
-          <a:effectLst/>
-        </p:spPr>
-        <p:txBody>
-          <a:bodyPr wrap="square" lIns="0" tIns="0" rIns="0" bIns="0" numCol="1" anchor="t">
-            <a:noAutofit/>
-          </a:bodyPr>
-          <a:lstStyle/>
-          <a:p>
-            <a:pPr marL="0" marR="0" lvl="0" indent="0" algn="l" defTabSz="914217" rtl="0" eaLnBrk="1" fontAlgn="auto" latinLnBrk="0" hangingPunct="1">
-              <a:lnSpc>
-                <a:spcPct val="100000"/>
-              </a:lnSpc>
-              <a:spcBef>
-                <a:spcPts val="0"/>
-              </a:spcBef>
-              <a:spcAft>
-                <a:spcPts val="0"/>
-              </a:spcAft>
-              <a:buClrTx/>
-              <a:buSzTx/>
-              <a:buFontTx/>
-              <a:buNone/>
-              <a:tabLst/>
-              <a:defRPr/>
-            </a:pPr>
-            <a:endParaRPr kumimoji="0" sz="2532" b="0" i="0" u="none" strike="noStrike" kern="1200" cap="none" spc="0" normalizeH="0" baseline="0" noProof="0" dirty="0">
-              <a:ln>
-                <a:noFill/>
-              </a:ln>
-              <a:solidFill>
-                <a:srgbClr val="B3B3B3"/>
-              </a:solidFill>
-              <a:effectLst/>
-              <a:uLnTx/>
-              <a:uFillTx/>
-              <a:latin typeface="Lato Light" panose="020F0502020204030203" pitchFamily="34" charset="0"/>
-              <a:ea typeface="+mn-ea"/>
-              <a:cs typeface="+mn-cs"/>
-            </a:endParaRPr>
-          </a:p>
-        </p:txBody>
-      </p:sp>
-      <p:sp>
-        <p:nvSpPr>
-          <p:cNvPr id="31" name="Shape 9642">
-            <a:extLst>
-              <a:ext uri="{FF2B5EF4-FFF2-40B4-BE49-F238E27FC236}">
-                <a16:creationId xmlns:a16="http://schemas.microsoft.com/office/drawing/2014/main" id="{5600BC78-490E-7C4C-A733-91F194609E88}"/>
-              </a:ext>
-            </a:extLst>
-          </p:cNvPr>
-          <p:cNvSpPr/>
-          <p:nvPr/>
-        </p:nvSpPr>
-        <p:spPr>
-          <a:xfrm>
-            <a:off x="1781714" y="1814378"/>
-            <a:ext cx="4546396" cy="746013"/>
-          </a:xfrm>
-          <a:custGeom>
-            <a:avLst/>
-            <a:gdLst/>
-            <a:ahLst/>
-            <a:cxnLst>
-              <a:cxn ang="0">
-                <a:pos x="wd2" y="hd2"/>
-              </a:cxn>
-              <a:cxn ang="5400000">
-                <a:pos x="wd2" y="hd2"/>
-              </a:cxn>
-              <a:cxn ang="10800000">
-                <a:pos x="wd2" y="hd2"/>
-              </a:cxn>
-              <a:cxn ang="16200000">
-                <a:pos x="wd2" y="hd2"/>
-              </a:cxn>
-            </a:cxnLst>
-            <a:rect l="0" t="0" r="r" b="b"/>
-            <a:pathLst>
-              <a:path w="21600" h="21600" extrusionOk="0">
-                <a:moveTo>
-                  <a:pt x="0" y="0"/>
-                </a:moveTo>
-                <a:lnTo>
-                  <a:pt x="0" y="21600"/>
-                </a:lnTo>
-                <a:lnTo>
-                  <a:pt x="18971" y="21600"/>
-                </a:lnTo>
-                <a:lnTo>
-                  <a:pt x="21600" y="10800"/>
-                </a:lnTo>
-                <a:lnTo>
-                  <a:pt x="18971" y="0"/>
-                </a:lnTo>
-                <a:lnTo>
-                  <a:pt x="0" y="0"/>
-                </a:lnTo>
-                <a:close/>
-              </a:path>
-            </a:pathLst>
-          </a:custGeom>
-          <a:solidFill>
-            <a:schemeClr val="accent1"/>
-          </a:solidFill>
-          <a:ln w="12700" cap="flat">
-            <a:noFill/>
-            <a:miter lim="400000"/>
-          </a:ln>
-          <a:effectLst/>
-        </p:spPr>
-        <p:txBody>
-          <a:bodyPr wrap="square" lIns="0" tIns="0" rIns="0" bIns="0" numCol="1" anchor="t">
-            <a:noAutofit/>
-          </a:bodyPr>
-          <a:lstStyle/>
-          <a:p>
-            <a:pPr marL="0" marR="0" lvl="0" indent="0" algn="l" defTabSz="914217" rtl="0" eaLnBrk="1" fontAlgn="auto" latinLnBrk="0" hangingPunct="1">
-              <a:lnSpc>
-                <a:spcPct val="100000"/>
-              </a:lnSpc>
-              <a:spcBef>
-                <a:spcPts val="0"/>
-              </a:spcBef>
-              <a:spcAft>
-                <a:spcPts val="0"/>
-              </a:spcAft>
-              <a:buClrTx/>
-              <a:buSzTx/>
-              <a:buFontTx/>
-              <a:buNone/>
-              <a:tabLst/>
-              <a:defRPr/>
-            </a:pPr>
-            <a:endParaRPr kumimoji="0" sz="2532" b="0" i="0" u="none" strike="noStrike" kern="1200" cap="none" spc="0" normalizeH="0" baseline="0" noProof="0" dirty="0">
-              <a:ln>
-                <a:noFill/>
-              </a:ln>
-              <a:solidFill>
-                <a:srgbClr val="B3B3B3"/>
-              </a:solidFill>
-              <a:effectLst/>
-              <a:uLnTx/>
-              <a:uFillTx/>
-              <a:latin typeface="Lato Light" panose="020F0502020204030203" pitchFamily="34" charset="0"/>
-              <a:ea typeface="+mn-ea"/>
-              <a:cs typeface="+mn-cs"/>
-            </a:endParaRPr>
-          </a:p>
-        </p:txBody>
-      </p:sp>
-      <p:sp>
-        <p:nvSpPr>
-          <p:cNvPr id="32" name="Shape 9643">
-            <a:extLst>
-              <a:ext uri="{FF2B5EF4-FFF2-40B4-BE49-F238E27FC236}">
-                <a16:creationId xmlns:a16="http://schemas.microsoft.com/office/drawing/2014/main" id="{8AA9C7BF-2373-6649-808C-D96771E0CB25}"/>
-              </a:ext>
-            </a:extLst>
-          </p:cNvPr>
-          <p:cNvSpPr/>
-          <p:nvPr/>
-        </p:nvSpPr>
-        <p:spPr>
-          <a:xfrm>
-            <a:off x="1304267" y="1814337"/>
-            <a:ext cx="477447" cy="746054"/>
-          </a:xfrm>
-          <a:prstGeom prst="rect">
-            <a:avLst/>
-          </a:prstGeom>
-          <a:solidFill>
-            <a:schemeClr val="accent1">
-              <a:lumMod val="75000"/>
-            </a:schemeClr>
-          </a:solidFill>
-          <a:ln w="12700" cap="flat">
-            <a:noFill/>
-            <a:miter lim="400000"/>
-          </a:ln>
-          <a:effectLst/>
-        </p:spPr>
-        <p:txBody>
-          <a:bodyPr wrap="square" lIns="0" tIns="0" rIns="0" bIns="0" numCol="1" anchor="t">
-            <a:noAutofit/>
-          </a:bodyPr>
-          <a:lstStyle/>
-          <a:p>
-            <a:pPr marL="0" marR="0" lvl="0" indent="0" algn="l" defTabSz="914217" rtl="0" eaLnBrk="1" fontAlgn="auto" latinLnBrk="0" hangingPunct="1">
-              <a:lnSpc>
-                <a:spcPct val="100000"/>
-              </a:lnSpc>
-              <a:spcBef>
-                <a:spcPts val="0"/>
-              </a:spcBef>
-              <a:spcAft>
-                <a:spcPts val="0"/>
-              </a:spcAft>
-              <a:buClrTx/>
-              <a:buSzTx/>
-              <a:buFontTx/>
-              <a:buNone/>
-              <a:tabLst/>
-              <a:defRPr/>
-            </a:pPr>
-            <a:endParaRPr kumimoji="0" sz="2532" b="0" i="0" u="none" strike="noStrike" kern="1200" cap="none" spc="0" normalizeH="0" baseline="0" noProof="0" dirty="0">
-              <a:ln>
-                <a:noFill/>
-              </a:ln>
-              <a:solidFill>
-                <a:srgbClr val="B3B3B3"/>
-              </a:solidFill>
-              <a:effectLst/>
-              <a:uLnTx/>
-              <a:uFillTx/>
-              <a:latin typeface="Lato Light" panose="020F0502020204030203" pitchFamily="34" charset="0"/>
-              <a:ea typeface="+mn-ea"/>
-              <a:cs typeface="+mn-cs"/>
-            </a:endParaRPr>
-          </a:p>
-        </p:txBody>
-      </p:sp>
-      <p:sp>
-        <p:nvSpPr>
-          <p:cNvPr id="25" name="Shape 9649">
-            <a:extLst>
-              <a:ext uri="{FF2B5EF4-FFF2-40B4-BE49-F238E27FC236}">
-                <a16:creationId xmlns:a16="http://schemas.microsoft.com/office/drawing/2014/main" id="{6C7D827A-0C5C-BA4A-B688-3C32144497EE}"/>
-              </a:ext>
-            </a:extLst>
-          </p:cNvPr>
-          <p:cNvSpPr/>
-          <p:nvPr/>
-        </p:nvSpPr>
-        <p:spPr>
-          <a:xfrm>
-            <a:off x="1781714" y="2944452"/>
-            <a:ext cx="4546396" cy="746014"/>
-          </a:xfrm>
-          <a:custGeom>
-            <a:avLst/>
-            <a:gdLst/>
-            <a:ahLst/>
-            <a:cxnLst>
-              <a:cxn ang="0">
-                <a:pos x="wd2" y="hd2"/>
-              </a:cxn>
-              <a:cxn ang="5400000">
-                <a:pos x="wd2" y="hd2"/>
-              </a:cxn>
-              <a:cxn ang="10800000">
-                <a:pos x="wd2" y="hd2"/>
-              </a:cxn>
-              <a:cxn ang="16200000">
-                <a:pos x="wd2" y="hd2"/>
-              </a:cxn>
-            </a:cxnLst>
-            <a:rect l="0" t="0" r="r" b="b"/>
-            <a:pathLst>
-              <a:path w="21600" h="21600" extrusionOk="0">
-                <a:moveTo>
-                  <a:pt x="0" y="0"/>
-                </a:moveTo>
-                <a:lnTo>
-                  <a:pt x="0" y="21600"/>
-                </a:lnTo>
-                <a:lnTo>
-                  <a:pt x="18971" y="21600"/>
-                </a:lnTo>
-                <a:lnTo>
-                  <a:pt x="21600" y="10800"/>
-                </a:lnTo>
-                <a:lnTo>
-                  <a:pt x="18971" y="0"/>
-                </a:lnTo>
-                <a:lnTo>
-                  <a:pt x="0" y="0"/>
-                </a:lnTo>
-                <a:close/>
-              </a:path>
-            </a:pathLst>
-          </a:custGeom>
-          <a:solidFill>
-            <a:schemeClr val="accent2"/>
-          </a:solidFill>
-          <a:ln w="12700" cap="flat">
-            <a:noFill/>
-            <a:miter lim="400000"/>
-          </a:ln>
-          <a:effectLst/>
-        </p:spPr>
-        <p:txBody>
-          <a:bodyPr wrap="square" lIns="0" tIns="0" rIns="0" bIns="0" numCol="1" anchor="t">
-            <a:noAutofit/>
-          </a:bodyPr>
-          <a:lstStyle/>
-          <a:p>
-            <a:pPr marL="0" marR="0" lvl="0" indent="0" algn="l" defTabSz="914217" rtl="0" eaLnBrk="1" fontAlgn="auto" latinLnBrk="0" hangingPunct="1">
-              <a:lnSpc>
-                <a:spcPct val="100000"/>
-              </a:lnSpc>
-              <a:spcBef>
-                <a:spcPts val="0"/>
-              </a:spcBef>
-              <a:spcAft>
-                <a:spcPts val="0"/>
-              </a:spcAft>
-              <a:buClrTx/>
-              <a:buSzTx/>
-              <a:buFontTx/>
-              <a:buNone/>
-              <a:tabLst/>
-              <a:defRPr/>
-            </a:pPr>
-            <a:endParaRPr kumimoji="0" sz="2532" b="0" i="0" u="none" strike="noStrike" kern="1200" cap="none" spc="0" normalizeH="0" baseline="0" noProof="0" dirty="0">
-              <a:ln>
-                <a:noFill/>
-              </a:ln>
-              <a:solidFill>
-                <a:srgbClr val="B3B3B3"/>
-              </a:solidFill>
-              <a:effectLst/>
-              <a:uLnTx/>
-              <a:uFillTx/>
-              <a:latin typeface="Lato Light" panose="020F0502020204030203" pitchFamily="34" charset="0"/>
-              <a:ea typeface="+mn-ea"/>
-              <a:cs typeface="+mn-cs"/>
-            </a:endParaRPr>
-          </a:p>
-        </p:txBody>
-      </p:sp>
-      <p:sp>
-        <p:nvSpPr>
-          <p:cNvPr id="26" name="Shape 9650">
-            <a:extLst>
-              <a:ext uri="{FF2B5EF4-FFF2-40B4-BE49-F238E27FC236}">
-                <a16:creationId xmlns:a16="http://schemas.microsoft.com/office/drawing/2014/main" id="{F41C4E79-F4F9-774F-8E71-030B4DB92A7E}"/>
-              </a:ext>
-            </a:extLst>
-          </p:cNvPr>
-          <p:cNvSpPr/>
-          <p:nvPr/>
-        </p:nvSpPr>
-        <p:spPr>
-          <a:xfrm>
-            <a:off x="1304267" y="2944411"/>
-            <a:ext cx="477447" cy="746055"/>
-          </a:xfrm>
-          <a:prstGeom prst="rect">
-            <a:avLst/>
-          </a:prstGeom>
-          <a:solidFill>
-            <a:schemeClr val="accent2">
-              <a:lumMod val="75000"/>
-            </a:schemeClr>
-          </a:solidFill>
-          <a:ln w="12700" cap="flat">
-            <a:noFill/>
-            <a:miter lim="400000"/>
-          </a:ln>
-          <a:effectLst/>
-        </p:spPr>
-        <p:txBody>
-          <a:bodyPr wrap="square" lIns="0" tIns="0" rIns="0" bIns="0" numCol="1" anchor="t">
-            <a:noAutofit/>
-          </a:bodyPr>
-          <a:lstStyle/>
-          <a:p>
-            <a:pPr marL="0" marR="0" lvl="0" indent="0" algn="l" defTabSz="914217" rtl="0" eaLnBrk="1" fontAlgn="auto" latinLnBrk="0" hangingPunct="1">
-              <a:lnSpc>
-                <a:spcPct val="100000"/>
-              </a:lnSpc>
-              <a:spcBef>
-                <a:spcPts val="0"/>
-              </a:spcBef>
-              <a:spcAft>
-                <a:spcPts val="0"/>
-              </a:spcAft>
-              <a:buClrTx/>
-              <a:buSzTx/>
-              <a:buFontTx/>
-              <a:buNone/>
-              <a:tabLst/>
-              <a:defRPr/>
-            </a:pPr>
-            <a:endParaRPr kumimoji="0" sz="2532" b="0" i="0" u="none" strike="noStrike" kern="1200" cap="none" spc="0" normalizeH="0" baseline="0" noProof="0" dirty="0">
-              <a:ln>
-                <a:noFill/>
-              </a:ln>
-              <a:solidFill>
-                <a:srgbClr val="B3B3B3"/>
-              </a:solidFill>
-              <a:effectLst/>
-              <a:uLnTx/>
-              <a:uFillTx/>
-              <a:latin typeface="Lato Light" panose="020F0502020204030203" pitchFamily="34" charset="0"/>
-              <a:ea typeface="+mn-ea"/>
-              <a:cs typeface="+mn-cs"/>
-            </a:endParaRPr>
-          </a:p>
-        </p:txBody>
-      </p:sp>
-      <p:sp>
-        <p:nvSpPr>
-          <p:cNvPr id="19" name="Shape 9656">
-            <a:extLst>
-              <a:ext uri="{FF2B5EF4-FFF2-40B4-BE49-F238E27FC236}">
-                <a16:creationId xmlns:a16="http://schemas.microsoft.com/office/drawing/2014/main" id="{9BF9A9CA-F59C-8249-9B27-ECB14F42A9DE}"/>
-              </a:ext>
-            </a:extLst>
-          </p:cNvPr>
-          <p:cNvSpPr/>
-          <p:nvPr/>
-        </p:nvSpPr>
-        <p:spPr>
-          <a:xfrm>
-            <a:off x="1781714" y="4074526"/>
-            <a:ext cx="4546396" cy="746014"/>
-          </a:xfrm>
-          <a:custGeom>
-            <a:avLst/>
-            <a:gdLst/>
-            <a:ahLst/>
-            <a:cxnLst>
-              <a:cxn ang="0">
-                <a:pos x="wd2" y="hd2"/>
-              </a:cxn>
-              <a:cxn ang="5400000">
-                <a:pos x="wd2" y="hd2"/>
-              </a:cxn>
-              <a:cxn ang="10800000">
-                <a:pos x="wd2" y="hd2"/>
-              </a:cxn>
-              <a:cxn ang="16200000">
-                <a:pos x="wd2" y="hd2"/>
-              </a:cxn>
-            </a:cxnLst>
-            <a:rect l="0" t="0" r="r" b="b"/>
-            <a:pathLst>
-              <a:path w="21600" h="21600" extrusionOk="0">
-                <a:moveTo>
-                  <a:pt x="0" y="0"/>
-                </a:moveTo>
-                <a:lnTo>
-                  <a:pt x="0" y="21600"/>
-                </a:lnTo>
-                <a:lnTo>
-                  <a:pt x="18971" y="21600"/>
-                </a:lnTo>
-                <a:lnTo>
-                  <a:pt x="21600" y="10800"/>
-                </a:lnTo>
-                <a:lnTo>
-                  <a:pt x="18971" y="0"/>
-                </a:lnTo>
-                <a:lnTo>
-                  <a:pt x="0" y="0"/>
-                </a:lnTo>
-                <a:close/>
-              </a:path>
-            </a:pathLst>
-          </a:custGeom>
-          <a:solidFill>
-            <a:schemeClr val="accent3"/>
-          </a:solidFill>
-          <a:ln w="12700" cap="flat">
-            <a:noFill/>
-            <a:miter lim="400000"/>
-          </a:ln>
-          <a:effectLst/>
-        </p:spPr>
-        <p:txBody>
-          <a:bodyPr wrap="square" lIns="0" tIns="0" rIns="0" bIns="0" numCol="1" anchor="t">
-            <a:noAutofit/>
-          </a:bodyPr>
-          <a:lstStyle/>
-          <a:p>
-            <a:pPr marL="0" marR="0" lvl="0" indent="0" algn="l" defTabSz="914217" rtl="0" eaLnBrk="1" fontAlgn="auto" latinLnBrk="0" hangingPunct="1">
-              <a:lnSpc>
-                <a:spcPct val="100000"/>
-              </a:lnSpc>
-              <a:spcBef>
-                <a:spcPts val="0"/>
-              </a:spcBef>
-              <a:spcAft>
-                <a:spcPts val="0"/>
-              </a:spcAft>
-              <a:buClrTx/>
-              <a:buSzTx/>
-              <a:buFontTx/>
-              <a:buNone/>
-              <a:tabLst/>
-              <a:defRPr/>
-            </a:pPr>
-            <a:endParaRPr kumimoji="0" sz="2532" b="0" i="0" u="none" strike="noStrike" kern="1200" cap="none" spc="0" normalizeH="0" baseline="0" noProof="0" dirty="0">
-              <a:ln>
-                <a:noFill/>
-              </a:ln>
-              <a:solidFill>
-                <a:srgbClr val="B3B3B3"/>
-              </a:solidFill>
-              <a:effectLst/>
-              <a:uLnTx/>
-              <a:uFillTx/>
-              <a:latin typeface="Lato Light" panose="020F0502020204030203" pitchFamily="34" charset="0"/>
-              <a:ea typeface="+mn-ea"/>
-              <a:cs typeface="+mn-cs"/>
-            </a:endParaRPr>
-          </a:p>
-        </p:txBody>
-      </p:sp>
-      <p:sp>
-        <p:nvSpPr>
-          <p:cNvPr id="20" name="Shape 9657">
-            <a:extLst>
-              <a:ext uri="{FF2B5EF4-FFF2-40B4-BE49-F238E27FC236}">
-                <a16:creationId xmlns:a16="http://schemas.microsoft.com/office/drawing/2014/main" id="{A3883039-AB1C-9940-B66C-9BAA21F0527D}"/>
-              </a:ext>
-            </a:extLst>
-          </p:cNvPr>
-          <p:cNvSpPr/>
-          <p:nvPr/>
-        </p:nvSpPr>
-        <p:spPr>
-          <a:xfrm>
-            <a:off x="1304267" y="4074485"/>
-            <a:ext cx="477447" cy="746055"/>
-          </a:xfrm>
-          <a:prstGeom prst="rect">
-            <a:avLst/>
-          </a:prstGeom>
-          <a:solidFill>
-            <a:schemeClr val="accent3">
-              <a:lumMod val="75000"/>
-            </a:schemeClr>
-          </a:solidFill>
-          <a:ln w="12700" cap="flat">
-            <a:noFill/>
-            <a:miter lim="400000"/>
-          </a:ln>
-          <a:effectLst/>
-        </p:spPr>
-        <p:txBody>
-          <a:bodyPr wrap="square" lIns="0" tIns="0" rIns="0" bIns="0" numCol="1" anchor="t">
-            <a:noAutofit/>
-          </a:bodyPr>
-          <a:lstStyle/>
-          <a:p>
-            <a:pPr marL="0" marR="0" lvl="0" indent="0" algn="l" defTabSz="914217" rtl="0" eaLnBrk="1" fontAlgn="auto" latinLnBrk="0" hangingPunct="1">
-              <a:lnSpc>
-                <a:spcPct val="100000"/>
-              </a:lnSpc>
-              <a:spcBef>
-                <a:spcPts val="0"/>
-              </a:spcBef>
-              <a:spcAft>
-                <a:spcPts val="0"/>
-              </a:spcAft>
-              <a:buClrTx/>
-              <a:buSzTx/>
-              <a:buFontTx/>
-              <a:buNone/>
-              <a:tabLst/>
-              <a:defRPr/>
-            </a:pPr>
-            <a:endParaRPr kumimoji="0" sz="2532" b="0" i="0" u="none" strike="noStrike" kern="1200" cap="none" spc="0" normalizeH="0" baseline="0" noProof="0" dirty="0">
-              <a:ln>
-                <a:noFill/>
-              </a:ln>
-              <a:solidFill>
-                <a:srgbClr val="B3B3B3"/>
-              </a:solidFill>
-              <a:effectLst/>
-              <a:uLnTx/>
-              <a:uFillTx/>
-              <a:latin typeface="Lato Light" panose="020F0502020204030203" pitchFamily="34" charset="0"/>
-              <a:ea typeface="+mn-ea"/>
-              <a:cs typeface="+mn-cs"/>
-            </a:endParaRPr>
-          </a:p>
-        </p:txBody>
-      </p:sp>
-      <p:sp>
-        <p:nvSpPr>
-          <p:cNvPr id="13" name="Shape 9663">
-            <a:extLst>
-              <a:ext uri="{FF2B5EF4-FFF2-40B4-BE49-F238E27FC236}">
-                <a16:creationId xmlns:a16="http://schemas.microsoft.com/office/drawing/2014/main" id="{D0D323ED-7158-0E49-890E-64C9524726DE}"/>
-              </a:ext>
-            </a:extLst>
-          </p:cNvPr>
-          <p:cNvSpPr/>
-          <p:nvPr/>
-        </p:nvSpPr>
-        <p:spPr>
-          <a:xfrm>
-            <a:off x="1781714" y="5204602"/>
-            <a:ext cx="4546396" cy="746014"/>
-          </a:xfrm>
-          <a:custGeom>
-            <a:avLst/>
-            <a:gdLst/>
-            <a:ahLst/>
-            <a:cxnLst>
-              <a:cxn ang="0">
-                <a:pos x="wd2" y="hd2"/>
-              </a:cxn>
-              <a:cxn ang="5400000">
-                <a:pos x="wd2" y="hd2"/>
-              </a:cxn>
-              <a:cxn ang="10800000">
-                <a:pos x="wd2" y="hd2"/>
-              </a:cxn>
-              <a:cxn ang="16200000">
-                <a:pos x="wd2" y="hd2"/>
-              </a:cxn>
-            </a:cxnLst>
-            <a:rect l="0" t="0" r="r" b="b"/>
-            <a:pathLst>
-              <a:path w="21600" h="21600" extrusionOk="0">
-                <a:moveTo>
-                  <a:pt x="0" y="0"/>
-                </a:moveTo>
-                <a:lnTo>
-                  <a:pt x="0" y="21600"/>
-                </a:lnTo>
-                <a:lnTo>
-                  <a:pt x="18971" y="21600"/>
-                </a:lnTo>
-                <a:lnTo>
-                  <a:pt x="21600" y="10800"/>
-                </a:lnTo>
-                <a:lnTo>
-                  <a:pt x="18971" y="0"/>
-                </a:lnTo>
-                <a:lnTo>
-                  <a:pt x="0" y="0"/>
-                </a:lnTo>
-                <a:close/>
-              </a:path>
-            </a:pathLst>
-          </a:custGeom>
-          <a:solidFill>
-            <a:schemeClr val="accent4"/>
-          </a:solidFill>
-          <a:ln w="12700" cap="flat">
-            <a:noFill/>
-            <a:miter lim="400000"/>
-          </a:ln>
-          <a:effectLst/>
-        </p:spPr>
-        <p:txBody>
-          <a:bodyPr wrap="square" lIns="0" tIns="0" rIns="0" bIns="0" numCol="1" anchor="t">
-            <a:noAutofit/>
-          </a:bodyPr>
-          <a:lstStyle/>
-          <a:p>
-            <a:pPr marL="0" marR="0" lvl="0" indent="0" algn="l" defTabSz="914217" rtl="0" eaLnBrk="1" fontAlgn="auto" latinLnBrk="0" hangingPunct="1">
-              <a:lnSpc>
-                <a:spcPct val="100000"/>
-              </a:lnSpc>
-              <a:spcBef>
-                <a:spcPts val="0"/>
-              </a:spcBef>
-              <a:spcAft>
-                <a:spcPts val="0"/>
-              </a:spcAft>
-              <a:buClrTx/>
-              <a:buSzTx/>
-              <a:buFontTx/>
-              <a:buNone/>
-              <a:tabLst/>
-              <a:defRPr/>
-            </a:pPr>
-            <a:endParaRPr kumimoji="0" sz="2532" b="0" i="0" u="none" strike="noStrike" kern="1200" cap="none" spc="0" normalizeH="0" baseline="0" noProof="0" dirty="0">
-              <a:ln>
-                <a:noFill/>
-              </a:ln>
-              <a:solidFill>
-                <a:srgbClr val="B3B3B3"/>
-              </a:solidFill>
-              <a:effectLst/>
-              <a:uLnTx/>
-              <a:uFillTx/>
-              <a:latin typeface="Lato Light" panose="020F0502020204030203" pitchFamily="34" charset="0"/>
-              <a:ea typeface="+mn-ea"/>
-              <a:cs typeface="+mn-cs"/>
-            </a:endParaRPr>
-          </a:p>
-        </p:txBody>
-      </p:sp>
-      <p:sp>
-        <p:nvSpPr>
-          <p:cNvPr id="14" name="Shape 9664">
-            <a:extLst>
-              <a:ext uri="{FF2B5EF4-FFF2-40B4-BE49-F238E27FC236}">
-                <a16:creationId xmlns:a16="http://schemas.microsoft.com/office/drawing/2014/main" id="{BDBA2154-22D4-B24E-9947-4584312BC4A8}"/>
-              </a:ext>
-            </a:extLst>
-          </p:cNvPr>
-          <p:cNvSpPr/>
-          <p:nvPr/>
-        </p:nvSpPr>
-        <p:spPr>
-          <a:xfrm>
-            <a:off x="1304267" y="5204561"/>
-            <a:ext cx="477447" cy="746055"/>
-          </a:xfrm>
-          <a:prstGeom prst="rect">
-            <a:avLst/>
-          </a:prstGeom>
-          <a:solidFill>
-            <a:schemeClr val="accent4">
-              <a:lumMod val="75000"/>
-            </a:schemeClr>
-          </a:solidFill>
-          <a:ln w="12700" cap="flat">
-            <a:noFill/>
-            <a:miter lim="400000"/>
-          </a:ln>
-          <a:effectLst/>
-        </p:spPr>
-        <p:txBody>
-          <a:bodyPr wrap="square" lIns="0" tIns="0" rIns="0" bIns="0" numCol="1" anchor="t">
-            <a:noAutofit/>
-          </a:bodyPr>
-          <a:lstStyle/>
-          <a:p>
-            <a:pPr marL="0" marR="0" lvl="0" indent="0" algn="l" defTabSz="914217" rtl="0" eaLnBrk="1" fontAlgn="auto" latinLnBrk="0" hangingPunct="1">
-              <a:lnSpc>
-                <a:spcPct val="100000"/>
-              </a:lnSpc>
-              <a:spcBef>
-                <a:spcPts val="0"/>
-              </a:spcBef>
-              <a:spcAft>
-                <a:spcPts val="0"/>
-              </a:spcAft>
-              <a:buClrTx/>
-              <a:buSzTx/>
-              <a:buFontTx/>
-              <a:buNone/>
-              <a:tabLst/>
-              <a:defRPr/>
-            </a:pPr>
-            <a:endParaRPr kumimoji="0" sz="2532" b="0" i="0" u="none" strike="noStrike" kern="1200" cap="none" spc="0" normalizeH="0" baseline="0" noProof="0" dirty="0">
-              <a:ln>
-                <a:noFill/>
-              </a:ln>
-              <a:solidFill>
-                <a:srgbClr val="B3B3B3"/>
-              </a:solidFill>
-              <a:effectLst/>
-              <a:uLnTx/>
-              <a:uFillTx/>
-              <a:latin typeface="Lato Light" panose="020F0502020204030203" pitchFamily="34" charset="0"/>
-              <a:ea typeface="+mn-ea"/>
-              <a:cs typeface="+mn-cs"/>
-            </a:endParaRPr>
-          </a:p>
-        </p:txBody>
-      </p:sp>
-      <p:sp>
-        <p:nvSpPr>
-          <p:cNvPr id="36" name="TextBox 35">
-            <a:extLst>
-              <a:ext uri="{FF2B5EF4-FFF2-40B4-BE49-F238E27FC236}">
-                <a16:creationId xmlns:a16="http://schemas.microsoft.com/office/drawing/2014/main" id="{24C68440-3C0F-7941-B259-0E8891FE4921}"/>
-              </a:ext>
-            </a:extLst>
-          </p:cNvPr>
-          <p:cNvSpPr txBox="1"/>
-          <p:nvPr/>
-        </p:nvSpPr>
-        <p:spPr>
-          <a:xfrm>
-            <a:off x="4259598" y="291270"/>
-            <a:ext cx="3672801" cy="646331"/>
-          </a:xfrm>
-          <a:prstGeom prst="rect">
-            <a:avLst/>
-          </a:prstGeom>
-          <a:noFill/>
-        </p:spPr>
-        <p:txBody>
-          <a:bodyPr wrap="none" rtlCol="0">
-            <a:spAutoFit/>
-          </a:bodyPr>
-          <a:lstStyle/>
-          <a:p>
-            <a:pPr marL="0" marR="0" lvl="0" indent="0" algn="ctr" defTabSz="914217" rtl="0" eaLnBrk="1" fontAlgn="auto" latinLnBrk="0" hangingPunct="1">
-              <a:lnSpc>
-                <a:spcPct val="100000"/>
-              </a:lnSpc>
-              <a:spcBef>
-                <a:spcPts val="0"/>
-              </a:spcBef>
-              <a:spcAft>
-                <a:spcPts val="0"/>
-              </a:spcAft>
-              <a:buClrTx/>
-              <a:buSzTx/>
-              <a:buFontTx/>
-              <a:buNone/>
-              <a:tabLst/>
-              <a:defRPr/>
-            </a:pPr>
-            <a:r>
-              <a:rPr kumimoji="0" lang="en-US" sz="3600" b="1" i="0" u="none" strike="noStrike" kern="1200" cap="none" spc="0" normalizeH="0" baseline="0" noProof="0" dirty="0">
-                <a:ln>
-                  <a:noFill/>
-                </a:ln>
-                <a:solidFill>
-                  <a:srgbClr val="1C2835"/>
-                </a:solidFill>
-                <a:effectLst/>
-                <a:uLnTx/>
-                <a:uFillTx/>
-                <a:latin typeface="Poppins" pitchFamily="2" charset="77"/>
-                <a:ea typeface="+mn-ea"/>
-                <a:cs typeface="Poppins" pitchFamily="2" charset="77"/>
-              </a:rPr>
-              <a:t>Data Overview</a:t>
-            </a:r>
-          </a:p>
-        </p:txBody>
-      </p:sp>
-      <p:sp>
-        <p:nvSpPr>
-          <p:cNvPr id="41" name="Freeform 26">
-            <a:extLst>
-              <a:ext uri="{FF2B5EF4-FFF2-40B4-BE49-F238E27FC236}">
-                <a16:creationId xmlns:a16="http://schemas.microsoft.com/office/drawing/2014/main" id="{D77773BE-5B21-0F4D-A5C1-04F3B6CA4117}"/>
-              </a:ext>
-            </a:extLst>
-          </p:cNvPr>
-          <p:cNvSpPr>
-            <a:spLocks noChangeArrowheads="1"/>
-          </p:cNvSpPr>
-          <p:nvPr/>
-        </p:nvSpPr>
-        <p:spPr bwMode="auto">
-          <a:xfrm>
-            <a:off x="2032148" y="1988926"/>
-            <a:ext cx="454025" cy="396875"/>
-          </a:xfrm>
-          <a:custGeom>
-            <a:avLst/>
-            <a:gdLst>
-              <a:gd name="T0" fmla="*/ 1969 w 2521"/>
-              <a:gd name="T1" fmla="*/ 1260 h 2206"/>
-              <a:gd name="T2" fmla="*/ 1024 w 2521"/>
-              <a:gd name="T3" fmla="*/ 1260 h 2206"/>
-              <a:gd name="T4" fmla="*/ 1024 w 2521"/>
-              <a:gd name="T5" fmla="*/ 1103 h 2206"/>
-              <a:gd name="T6" fmla="*/ 1969 w 2521"/>
-              <a:gd name="T7" fmla="*/ 1103 h 2206"/>
-              <a:gd name="T8" fmla="*/ 1969 w 2521"/>
-              <a:gd name="T9" fmla="*/ 1260 h 2206"/>
-              <a:gd name="T10" fmla="*/ 1732 w 2521"/>
-              <a:gd name="T11" fmla="*/ 1575 h 2206"/>
-              <a:gd name="T12" fmla="*/ 1260 w 2521"/>
-              <a:gd name="T13" fmla="*/ 1575 h 2206"/>
-              <a:gd name="T14" fmla="*/ 1260 w 2521"/>
-              <a:gd name="T15" fmla="*/ 1418 h 2206"/>
-              <a:gd name="T16" fmla="*/ 1732 w 2521"/>
-              <a:gd name="T17" fmla="*/ 1418 h 2206"/>
-              <a:gd name="T18" fmla="*/ 1732 w 2521"/>
-              <a:gd name="T19" fmla="*/ 1575 h 2206"/>
-              <a:gd name="T20" fmla="*/ 2395 w 2521"/>
-              <a:gd name="T21" fmla="*/ 473 h 2206"/>
-              <a:gd name="T22" fmla="*/ 597 w 2521"/>
-              <a:gd name="T23" fmla="*/ 473 h 2206"/>
-              <a:gd name="T24" fmla="*/ 472 w 2521"/>
-              <a:gd name="T25" fmla="*/ 598 h 2206"/>
-              <a:gd name="T26" fmla="*/ 472 w 2521"/>
-              <a:gd name="T27" fmla="*/ 1890 h 2206"/>
-              <a:gd name="T28" fmla="*/ 472 w 2521"/>
-              <a:gd name="T29" fmla="*/ 1890 h 2206"/>
-              <a:gd name="T30" fmla="*/ 315 w 2521"/>
-              <a:gd name="T31" fmla="*/ 2048 h 2206"/>
-              <a:gd name="T32" fmla="*/ 315 w 2521"/>
-              <a:gd name="T33" fmla="*/ 2048 h 2206"/>
-              <a:gd name="T34" fmla="*/ 158 w 2521"/>
-              <a:gd name="T35" fmla="*/ 1890 h 2206"/>
-              <a:gd name="T36" fmla="*/ 158 w 2521"/>
-              <a:gd name="T37" fmla="*/ 191 h 2206"/>
-              <a:gd name="T38" fmla="*/ 190 w 2521"/>
-              <a:gd name="T39" fmla="*/ 158 h 2206"/>
-              <a:gd name="T40" fmla="*/ 842 w 2521"/>
-              <a:gd name="T41" fmla="*/ 158 h 2206"/>
-              <a:gd name="T42" fmla="*/ 1078 w 2521"/>
-              <a:gd name="T43" fmla="*/ 315 h 2206"/>
-              <a:gd name="T44" fmla="*/ 1857 w 2521"/>
-              <a:gd name="T45" fmla="*/ 315 h 2206"/>
-              <a:gd name="T46" fmla="*/ 1890 w 2521"/>
-              <a:gd name="T47" fmla="*/ 348 h 2206"/>
-              <a:gd name="T48" fmla="*/ 1890 w 2521"/>
-              <a:gd name="T49" fmla="*/ 394 h 2206"/>
-              <a:gd name="T50" fmla="*/ 2047 w 2521"/>
-              <a:gd name="T51" fmla="*/ 394 h 2206"/>
-              <a:gd name="T52" fmla="*/ 2047 w 2521"/>
-              <a:gd name="T53" fmla="*/ 283 h 2206"/>
-              <a:gd name="T54" fmla="*/ 1922 w 2521"/>
-              <a:gd name="T55" fmla="*/ 158 h 2206"/>
-              <a:gd name="T56" fmla="*/ 1126 w 2521"/>
-              <a:gd name="T57" fmla="*/ 158 h 2206"/>
-              <a:gd name="T58" fmla="*/ 890 w 2521"/>
-              <a:gd name="T59" fmla="*/ 0 h 2206"/>
-              <a:gd name="T60" fmla="*/ 125 w 2521"/>
-              <a:gd name="T61" fmla="*/ 0 h 2206"/>
-              <a:gd name="T62" fmla="*/ 0 w 2521"/>
-              <a:gd name="T63" fmla="*/ 125 h 2206"/>
-              <a:gd name="T64" fmla="*/ 0 w 2521"/>
-              <a:gd name="T65" fmla="*/ 1890 h 2206"/>
-              <a:gd name="T66" fmla="*/ 0 w 2521"/>
-              <a:gd name="T67" fmla="*/ 1890 h 2206"/>
-              <a:gd name="T68" fmla="*/ 315 w 2521"/>
-              <a:gd name="T69" fmla="*/ 2205 h 2206"/>
-              <a:gd name="T70" fmla="*/ 2205 w 2521"/>
-              <a:gd name="T71" fmla="*/ 2205 h 2206"/>
-              <a:gd name="T72" fmla="*/ 2205 w 2521"/>
-              <a:gd name="T73" fmla="*/ 2205 h 2206"/>
-              <a:gd name="T74" fmla="*/ 2520 w 2521"/>
-              <a:gd name="T75" fmla="*/ 1890 h 2206"/>
-              <a:gd name="T76" fmla="*/ 2520 w 2521"/>
-              <a:gd name="T77" fmla="*/ 598 h 2206"/>
-              <a:gd name="T78" fmla="*/ 2395 w 2521"/>
-              <a:gd name="T79" fmla="*/ 473 h 2206"/>
-            </a:gdLst>
-            <a:ahLst/>
-            <a:cxnLst>
-              <a:cxn ang="0">
-                <a:pos x="T0" y="T1"/>
-              </a:cxn>
-              <a:cxn ang="0">
-                <a:pos x="T2" y="T3"/>
-              </a:cxn>
-              <a:cxn ang="0">
-                <a:pos x="T4" y="T5"/>
-              </a:cxn>
-              <a:cxn ang="0">
-                <a:pos x="T6" y="T7"/>
-              </a:cxn>
-              <a:cxn ang="0">
-                <a:pos x="T8" y="T9"/>
-              </a:cxn>
-              <a:cxn ang="0">
-                <a:pos x="T10" y="T11"/>
-              </a:cxn>
-              <a:cxn ang="0">
-                <a:pos x="T12" y="T13"/>
-              </a:cxn>
-              <a:cxn ang="0">
-                <a:pos x="T14" y="T15"/>
-              </a:cxn>
-              <a:cxn ang="0">
-                <a:pos x="T16" y="T17"/>
-              </a:cxn>
-              <a:cxn ang="0">
-                <a:pos x="T18" y="T19"/>
-              </a:cxn>
-              <a:cxn ang="0">
-                <a:pos x="T20" y="T21"/>
-              </a:cxn>
-              <a:cxn ang="0">
-                <a:pos x="T22" y="T23"/>
-              </a:cxn>
-              <a:cxn ang="0">
-                <a:pos x="T24" y="T25"/>
-              </a:cxn>
-              <a:cxn ang="0">
-                <a:pos x="T26" y="T27"/>
-              </a:cxn>
-              <a:cxn ang="0">
-                <a:pos x="T28" y="T29"/>
-              </a:cxn>
-              <a:cxn ang="0">
-                <a:pos x="T30" y="T31"/>
-              </a:cxn>
-              <a:cxn ang="0">
-                <a:pos x="T32" y="T33"/>
-              </a:cxn>
-              <a:cxn ang="0">
-                <a:pos x="T34" y="T35"/>
-              </a:cxn>
-              <a:cxn ang="0">
-                <a:pos x="T36" y="T37"/>
-              </a:cxn>
-              <a:cxn ang="0">
-                <a:pos x="T38" y="T39"/>
-              </a:cxn>
-              <a:cxn ang="0">
-                <a:pos x="T40" y="T41"/>
-              </a:cxn>
-              <a:cxn ang="0">
-                <a:pos x="T42" y="T43"/>
-              </a:cxn>
-              <a:cxn ang="0">
-                <a:pos x="T44" y="T45"/>
-              </a:cxn>
-              <a:cxn ang="0">
-                <a:pos x="T46" y="T47"/>
-              </a:cxn>
-              <a:cxn ang="0">
-                <a:pos x="T48" y="T49"/>
-              </a:cxn>
-              <a:cxn ang="0">
-                <a:pos x="T50" y="T51"/>
-              </a:cxn>
-              <a:cxn ang="0">
-                <a:pos x="T52" y="T53"/>
-              </a:cxn>
-              <a:cxn ang="0">
-                <a:pos x="T54" y="T55"/>
-              </a:cxn>
-              <a:cxn ang="0">
-                <a:pos x="T56" y="T57"/>
-              </a:cxn>
-              <a:cxn ang="0">
-                <a:pos x="T58" y="T59"/>
-              </a:cxn>
-              <a:cxn ang="0">
-                <a:pos x="T60" y="T61"/>
-              </a:cxn>
-              <a:cxn ang="0">
-                <a:pos x="T62" y="T63"/>
-              </a:cxn>
-              <a:cxn ang="0">
-                <a:pos x="T64" y="T65"/>
-              </a:cxn>
-              <a:cxn ang="0">
-                <a:pos x="T66" y="T67"/>
-              </a:cxn>
-              <a:cxn ang="0">
-                <a:pos x="T68" y="T69"/>
-              </a:cxn>
-              <a:cxn ang="0">
-                <a:pos x="T70" y="T71"/>
-              </a:cxn>
-              <a:cxn ang="0">
-                <a:pos x="T72" y="T73"/>
-              </a:cxn>
-              <a:cxn ang="0">
-                <a:pos x="T74" y="T75"/>
-              </a:cxn>
-              <a:cxn ang="0">
-                <a:pos x="T76" y="T77"/>
-              </a:cxn>
-              <a:cxn ang="0">
-                <a:pos x="T78" y="T79"/>
-              </a:cxn>
-            </a:cxnLst>
-            <a:rect l="0" t="0" r="r" b="b"/>
-            <a:pathLst>
-              <a:path w="2521" h="2206">
-                <a:moveTo>
-                  <a:pt x="1969" y="1260"/>
-                </a:moveTo>
-                <a:lnTo>
-                  <a:pt x="1024" y="1260"/>
-                </a:lnTo>
-                <a:lnTo>
-                  <a:pt x="1024" y="1103"/>
-                </a:lnTo>
-                <a:lnTo>
-                  <a:pt x="1969" y="1103"/>
-                </a:lnTo>
-                <a:lnTo>
-                  <a:pt x="1969" y="1260"/>
-                </a:lnTo>
-                <a:close/>
-                <a:moveTo>
-                  <a:pt x="1732" y="1575"/>
-                </a:moveTo>
-                <a:lnTo>
-                  <a:pt x="1260" y="1575"/>
-                </a:lnTo>
-                <a:lnTo>
-                  <a:pt x="1260" y="1418"/>
-                </a:lnTo>
-                <a:lnTo>
-                  <a:pt x="1732" y="1418"/>
-                </a:lnTo>
-                <a:lnTo>
-                  <a:pt x="1732" y="1575"/>
-                </a:lnTo>
-                <a:close/>
-                <a:moveTo>
-                  <a:pt x="2395" y="473"/>
-                </a:moveTo>
-                <a:lnTo>
-                  <a:pt x="597" y="473"/>
-                </a:lnTo>
-                <a:lnTo>
-                  <a:pt x="472" y="598"/>
-                </a:lnTo>
-                <a:lnTo>
-                  <a:pt x="472" y="1890"/>
-                </a:lnTo>
-                <a:lnTo>
-                  <a:pt x="472" y="1890"/>
-                </a:lnTo>
-                <a:cubicBezTo>
-                  <a:pt x="472" y="1977"/>
-                  <a:pt x="402" y="2048"/>
-                  <a:pt x="315" y="2048"/>
-                </a:cubicBezTo>
-                <a:lnTo>
-                  <a:pt x="315" y="2048"/>
-                </a:lnTo>
-                <a:cubicBezTo>
-                  <a:pt x="228" y="2048"/>
-                  <a:pt x="158" y="1977"/>
-                  <a:pt x="158" y="1890"/>
-                </a:cubicBezTo>
-                <a:lnTo>
-                  <a:pt x="158" y="191"/>
-                </a:lnTo>
-                <a:lnTo>
-                  <a:pt x="190" y="158"/>
-                </a:lnTo>
-                <a:lnTo>
-                  <a:pt x="842" y="158"/>
-                </a:lnTo>
-                <a:lnTo>
-                  <a:pt x="1078" y="315"/>
-                </a:lnTo>
-                <a:lnTo>
-                  <a:pt x="1857" y="315"/>
-                </a:lnTo>
-                <a:lnTo>
-                  <a:pt x="1890" y="348"/>
-                </a:lnTo>
-                <a:lnTo>
-                  <a:pt x="1890" y="394"/>
-                </a:lnTo>
-                <a:lnTo>
-                  <a:pt x="2047" y="394"/>
-                </a:lnTo>
-                <a:lnTo>
-                  <a:pt x="2047" y="283"/>
-                </a:lnTo>
-                <a:lnTo>
-                  <a:pt x="1922" y="158"/>
-                </a:lnTo>
-                <a:lnTo>
-                  <a:pt x="1126" y="158"/>
-                </a:lnTo>
-                <a:lnTo>
-                  <a:pt x="890" y="0"/>
-                </a:lnTo>
-                <a:lnTo>
-                  <a:pt x="125" y="0"/>
-                </a:lnTo>
-                <a:lnTo>
-                  <a:pt x="0" y="125"/>
-                </a:lnTo>
-                <a:lnTo>
-                  <a:pt x="0" y="1890"/>
-                </a:lnTo>
-                <a:lnTo>
-                  <a:pt x="0" y="1890"/>
-                </a:lnTo>
-                <a:cubicBezTo>
-                  <a:pt x="0" y="2064"/>
-                  <a:pt x="142" y="2205"/>
-                  <a:pt x="315" y="2205"/>
-                </a:cubicBezTo>
-                <a:lnTo>
-                  <a:pt x="2205" y="2205"/>
-                </a:lnTo>
-                <a:lnTo>
-                  <a:pt x="2205" y="2205"/>
-                </a:lnTo>
-                <a:cubicBezTo>
-                  <a:pt x="2378" y="2205"/>
-                  <a:pt x="2520" y="2064"/>
-                  <a:pt x="2520" y="1890"/>
-                </a:cubicBezTo>
-                <a:lnTo>
-                  <a:pt x="2520" y="598"/>
-                </a:lnTo>
-                <a:lnTo>
-                  <a:pt x="2395" y="473"/>
-                </a:lnTo>
-                <a:close/>
-              </a:path>
-            </a:pathLst>
-          </a:custGeom>
-          <a:solidFill>
-            <a:schemeClr val="bg1"/>
-          </a:solidFill>
-          <a:ln>
-            <a:noFill/>
-          </a:ln>
-          <a:effectLst/>
-        </p:spPr>
-        <p:txBody>
-          <a:bodyPr wrap="none" anchor="ctr"/>
-          <a:lstStyle/>
-          <a:p>
-            <a:pPr marL="0" marR="0" lvl="0" indent="0" algn="l" defTabSz="914217" rtl="0" eaLnBrk="1" fontAlgn="auto" latinLnBrk="0" hangingPunct="1">
-              <a:lnSpc>
-                <a:spcPct val="100000"/>
-              </a:lnSpc>
-              <a:spcBef>
-                <a:spcPts val="0"/>
-              </a:spcBef>
-              <a:spcAft>
-                <a:spcPts val="0"/>
-              </a:spcAft>
-              <a:buClrTx/>
-              <a:buSzTx/>
-              <a:buFontTx/>
-              <a:buNone/>
-              <a:tabLst/>
-              <a:defRPr/>
-            </a:pPr>
-            <a:endParaRPr kumimoji="0" lang="en-US" sz="1800" b="0" i="0" u="none" strike="noStrike" kern="1200" cap="none" spc="0" normalizeH="0" baseline="0" noProof="0" dirty="0">
-              <a:ln>
-                <a:noFill/>
-              </a:ln>
-              <a:solidFill>
-                <a:srgbClr val="B3B3B3"/>
-              </a:solidFill>
-              <a:effectLst/>
-              <a:uLnTx/>
-              <a:uFillTx/>
-              <a:latin typeface="Lato Light" panose="020F0502020204030203" pitchFamily="34" charset="0"/>
-              <a:ea typeface="+mn-ea"/>
-              <a:cs typeface="+mn-cs"/>
-            </a:endParaRPr>
-          </a:p>
-        </p:txBody>
-      </p:sp>
-      <p:sp>
-        <p:nvSpPr>
-          <p:cNvPr id="42" name="TextBox 41">
-            <a:extLst>
-              <a:ext uri="{FF2B5EF4-FFF2-40B4-BE49-F238E27FC236}">
-                <a16:creationId xmlns:a16="http://schemas.microsoft.com/office/drawing/2014/main" id="{08D33F58-F61E-1948-8E82-31B2F0BA0B4E}"/>
-              </a:ext>
-            </a:extLst>
-          </p:cNvPr>
-          <p:cNvSpPr txBox="1"/>
-          <p:nvPr/>
-        </p:nvSpPr>
-        <p:spPr>
-          <a:xfrm>
-            <a:off x="2814438" y="2018087"/>
-            <a:ext cx="2700441" cy="338554"/>
-          </a:xfrm>
-          <a:prstGeom prst="rect">
-            <a:avLst/>
-          </a:prstGeom>
-          <a:noFill/>
-        </p:spPr>
-        <p:txBody>
-          <a:bodyPr wrap="square" rtlCol="0" anchor="ctr">
-            <a:spAutoFit/>
-          </a:bodyPr>
-          <a:lstStyle/>
-          <a:p>
-            <a:pPr marL="0" marR="0" lvl="0" indent="0" algn="l" defTabSz="914217" rtl="0" eaLnBrk="1" fontAlgn="auto" latinLnBrk="0" hangingPunct="1">
-              <a:lnSpc>
-                <a:spcPct val="100000"/>
-              </a:lnSpc>
-              <a:spcBef>
-                <a:spcPts val="0"/>
-              </a:spcBef>
-              <a:spcAft>
-                <a:spcPts val="0"/>
-              </a:spcAft>
-              <a:buClrTx/>
-              <a:buSzTx/>
-              <a:buFontTx/>
-              <a:buNone/>
-              <a:tabLst/>
-              <a:defRPr/>
-            </a:pPr>
-            <a:r>
-              <a:rPr kumimoji="0" lang="en-US" sz="1600" b="1" i="0" u="none" strike="noStrike" kern="1200" cap="none" spc="0" normalizeH="0" baseline="0" noProof="0" dirty="0">
-                <a:ln>
-                  <a:noFill/>
-                </a:ln>
-                <a:solidFill>
-                  <a:srgbClr val="FFFFFF"/>
-                </a:solidFill>
-                <a:effectLst/>
-                <a:uLnTx/>
-                <a:uFillTx/>
-                <a:latin typeface="Poppins" pitchFamily="2" charset="77"/>
-                <a:ea typeface="Lato Light" panose="020F0502020204030203" pitchFamily="34" charset="0"/>
-                <a:cs typeface="Poppins" pitchFamily="2" charset="77"/>
-              </a:rPr>
-              <a:t>Data Source</a:t>
-            </a:r>
-          </a:p>
-        </p:txBody>
-      </p:sp>
-      <p:sp>
-        <p:nvSpPr>
-          <p:cNvPr id="43" name="TextBox 42">
-            <a:extLst>
-              <a:ext uri="{FF2B5EF4-FFF2-40B4-BE49-F238E27FC236}">
-                <a16:creationId xmlns:a16="http://schemas.microsoft.com/office/drawing/2014/main" id="{BA83BF99-EE49-E244-A8CB-91486D0C8CD3}"/>
-              </a:ext>
-            </a:extLst>
-          </p:cNvPr>
-          <p:cNvSpPr txBox="1"/>
-          <p:nvPr/>
-        </p:nvSpPr>
-        <p:spPr>
-          <a:xfrm>
-            <a:off x="2814438" y="3148161"/>
-            <a:ext cx="2700441" cy="338554"/>
-          </a:xfrm>
-          <a:prstGeom prst="rect">
-            <a:avLst/>
-          </a:prstGeom>
-          <a:noFill/>
-        </p:spPr>
-        <p:txBody>
-          <a:bodyPr wrap="square" rtlCol="0" anchor="ctr">
-            <a:spAutoFit/>
-          </a:bodyPr>
-          <a:lstStyle/>
-          <a:p>
-            <a:pPr marL="0" marR="0" lvl="0" indent="0" algn="l" defTabSz="914217" rtl="0" eaLnBrk="1" fontAlgn="auto" latinLnBrk="0" hangingPunct="1">
-              <a:lnSpc>
-                <a:spcPct val="100000"/>
-              </a:lnSpc>
-              <a:spcBef>
-                <a:spcPts val="0"/>
-              </a:spcBef>
-              <a:spcAft>
-                <a:spcPts val="0"/>
-              </a:spcAft>
-              <a:buClrTx/>
-              <a:buSzTx/>
-              <a:buFontTx/>
-              <a:buNone/>
-              <a:tabLst/>
-              <a:defRPr/>
-            </a:pPr>
-            <a:r>
-              <a:rPr kumimoji="0" lang="en-US" sz="1600" b="1" i="0" u="none" strike="noStrike" kern="1200" cap="none" spc="0" normalizeH="0" baseline="0" noProof="0" dirty="0">
-                <a:ln>
-                  <a:noFill/>
-                </a:ln>
-                <a:solidFill>
-                  <a:srgbClr val="FFFFFF"/>
-                </a:solidFill>
-                <a:effectLst/>
-                <a:uLnTx/>
-                <a:uFillTx/>
-                <a:latin typeface="Poppins" pitchFamily="2" charset="77"/>
-                <a:ea typeface="Lato Light" panose="020F0502020204030203" pitchFamily="34" charset="0"/>
-                <a:cs typeface="Poppins" pitchFamily="2" charset="77"/>
-              </a:rPr>
-              <a:t>No of Records</a:t>
-            </a:r>
-          </a:p>
-        </p:txBody>
-      </p:sp>
-      <p:sp>
-        <p:nvSpPr>
-          <p:cNvPr id="44" name="TextBox 43">
-            <a:extLst>
-              <a:ext uri="{FF2B5EF4-FFF2-40B4-BE49-F238E27FC236}">
-                <a16:creationId xmlns:a16="http://schemas.microsoft.com/office/drawing/2014/main" id="{2419E5D0-00F5-084C-9E1F-6B3FE52BFC97}"/>
-              </a:ext>
-            </a:extLst>
-          </p:cNvPr>
-          <p:cNvSpPr txBox="1"/>
-          <p:nvPr/>
-        </p:nvSpPr>
-        <p:spPr>
-          <a:xfrm>
-            <a:off x="2814438" y="4278235"/>
-            <a:ext cx="2700441" cy="338554"/>
-          </a:xfrm>
-          <a:prstGeom prst="rect">
-            <a:avLst/>
-          </a:prstGeom>
-          <a:noFill/>
-        </p:spPr>
-        <p:txBody>
-          <a:bodyPr wrap="square" rtlCol="0" anchor="ctr">
-            <a:spAutoFit/>
-          </a:bodyPr>
-          <a:lstStyle/>
-          <a:p>
-            <a:pPr marL="0" marR="0" lvl="0" indent="0" algn="l" defTabSz="914217" rtl="0" eaLnBrk="1" fontAlgn="auto" latinLnBrk="0" hangingPunct="1">
-              <a:lnSpc>
-                <a:spcPct val="100000"/>
-              </a:lnSpc>
-              <a:spcBef>
-                <a:spcPts val="0"/>
-              </a:spcBef>
-              <a:spcAft>
-                <a:spcPts val="0"/>
-              </a:spcAft>
-              <a:buClrTx/>
-              <a:buSzTx/>
-              <a:buFontTx/>
-              <a:buNone/>
-              <a:tabLst/>
-              <a:defRPr/>
-            </a:pPr>
-            <a:r>
-              <a:rPr kumimoji="0" lang="en-US" sz="1600" b="1" i="0" u="none" strike="noStrike" kern="1200" cap="none" spc="0" normalizeH="0" baseline="0" noProof="0" dirty="0">
-                <a:ln>
-                  <a:noFill/>
-                </a:ln>
-                <a:solidFill>
-                  <a:srgbClr val="FFFFFF"/>
-                </a:solidFill>
-                <a:effectLst/>
-                <a:uLnTx/>
-                <a:uFillTx/>
-                <a:latin typeface="Poppins" pitchFamily="2" charset="77"/>
-                <a:ea typeface="Lato Light" panose="020F0502020204030203" pitchFamily="34" charset="0"/>
-                <a:cs typeface="Poppins" pitchFamily="2" charset="77"/>
-              </a:rPr>
-              <a:t>No of Variables</a:t>
-            </a:r>
-          </a:p>
-        </p:txBody>
-      </p:sp>
-      <p:sp>
-        <p:nvSpPr>
-          <p:cNvPr id="45" name="TextBox 44">
-            <a:extLst>
-              <a:ext uri="{FF2B5EF4-FFF2-40B4-BE49-F238E27FC236}">
-                <a16:creationId xmlns:a16="http://schemas.microsoft.com/office/drawing/2014/main" id="{C0BE8B9B-DE35-5F47-9536-E62ABCFEAB60}"/>
-              </a:ext>
-            </a:extLst>
-          </p:cNvPr>
-          <p:cNvSpPr txBox="1"/>
-          <p:nvPr/>
-        </p:nvSpPr>
-        <p:spPr>
-          <a:xfrm>
-            <a:off x="2814438" y="5408311"/>
-            <a:ext cx="2700441" cy="338554"/>
-          </a:xfrm>
-          <a:prstGeom prst="rect">
-            <a:avLst/>
-          </a:prstGeom>
-          <a:noFill/>
-        </p:spPr>
-        <p:txBody>
-          <a:bodyPr wrap="square" rtlCol="0" anchor="ctr">
-            <a:spAutoFit/>
-          </a:bodyPr>
-          <a:lstStyle/>
-          <a:p>
-            <a:pPr marL="0" marR="0" lvl="0" indent="0" algn="l" defTabSz="914217" rtl="0" eaLnBrk="1" fontAlgn="auto" latinLnBrk="0" hangingPunct="1">
-              <a:lnSpc>
-                <a:spcPct val="100000"/>
-              </a:lnSpc>
-              <a:spcBef>
-                <a:spcPts val="0"/>
-              </a:spcBef>
-              <a:spcAft>
-                <a:spcPts val="0"/>
-              </a:spcAft>
-              <a:buClrTx/>
-              <a:buSzTx/>
-              <a:buFontTx/>
-              <a:buNone/>
-              <a:tabLst/>
-              <a:defRPr/>
-            </a:pPr>
-            <a:r>
-              <a:rPr kumimoji="0" lang="en-US" sz="1600" b="1" i="0" u="none" strike="noStrike" kern="1200" cap="none" spc="0" normalizeH="0" baseline="0" noProof="0" dirty="0">
-                <a:ln>
-                  <a:noFill/>
-                </a:ln>
-                <a:solidFill>
-                  <a:srgbClr val="FFFFFF"/>
-                </a:solidFill>
-                <a:effectLst/>
-                <a:uLnTx/>
-                <a:uFillTx/>
-                <a:latin typeface="Poppins" pitchFamily="2" charset="77"/>
-                <a:ea typeface="Lato Light" panose="020F0502020204030203" pitchFamily="34" charset="0"/>
-                <a:cs typeface="Poppins" pitchFamily="2" charset="77"/>
-              </a:rPr>
-              <a:t>Feature Engineering</a:t>
-            </a:r>
-          </a:p>
-        </p:txBody>
-      </p:sp>
-      <p:sp>
-        <p:nvSpPr>
-          <p:cNvPr id="47" name="TextBox 46">
-            <a:extLst>
-              <a:ext uri="{FF2B5EF4-FFF2-40B4-BE49-F238E27FC236}">
-                <a16:creationId xmlns:a16="http://schemas.microsoft.com/office/drawing/2014/main" id="{3BCCAB58-8BE6-8743-8D1D-14A599A1891E}"/>
-              </a:ext>
-            </a:extLst>
-          </p:cNvPr>
-          <p:cNvSpPr txBox="1"/>
-          <p:nvPr/>
-        </p:nvSpPr>
-        <p:spPr>
-          <a:xfrm>
-            <a:off x="6895831" y="3040438"/>
-            <a:ext cx="1284327" cy="553998"/>
-          </a:xfrm>
-          <a:prstGeom prst="rect">
-            <a:avLst/>
-          </a:prstGeom>
-          <a:noFill/>
-        </p:spPr>
-        <p:txBody>
-          <a:bodyPr wrap="none" rtlCol="0" anchor="ctr">
-            <a:spAutoFit/>
-          </a:bodyPr>
-          <a:lstStyle/>
-          <a:p>
-            <a:pPr marL="0" marR="0" lvl="0" indent="0" algn="r" defTabSz="914217" rtl="0" eaLnBrk="1" fontAlgn="auto" latinLnBrk="0" hangingPunct="1">
-              <a:lnSpc>
-                <a:spcPct val="100000"/>
-              </a:lnSpc>
-              <a:spcBef>
-                <a:spcPts val="0"/>
-              </a:spcBef>
-              <a:spcAft>
-                <a:spcPts val="0"/>
-              </a:spcAft>
-              <a:buClrTx/>
-              <a:buSzTx/>
-              <a:buFontTx/>
-              <a:buNone/>
-              <a:tabLst/>
-              <a:defRPr/>
-            </a:pPr>
-            <a:r>
-              <a:rPr kumimoji="0" lang="en-US" sz="3000" b="1" i="0" u="none" strike="noStrike" kern="1200" cap="none" spc="0" normalizeH="0" baseline="0" noProof="0" dirty="0">
-                <a:ln>
-                  <a:noFill/>
-                </a:ln>
-                <a:solidFill>
-                  <a:srgbClr val="3984A3"/>
-                </a:solidFill>
-                <a:effectLst/>
-                <a:uLnTx/>
-                <a:uFillTx/>
-                <a:latin typeface="Poppins" pitchFamily="2" charset="77"/>
-                <a:ea typeface="+mn-ea"/>
-                <a:cs typeface="Poppins" pitchFamily="2" charset="77"/>
-              </a:rPr>
-              <a:t>500 K</a:t>
-            </a:r>
-          </a:p>
-        </p:txBody>
-      </p:sp>
-      <p:sp>
-        <p:nvSpPr>
-          <p:cNvPr id="48" name="TextBox 47">
-            <a:extLst>
-              <a:ext uri="{FF2B5EF4-FFF2-40B4-BE49-F238E27FC236}">
-                <a16:creationId xmlns:a16="http://schemas.microsoft.com/office/drawing/2014/main" id="{F93DF6A6-14B3-B240-8C3A-21C9560D7B51}"/>
-              </a:ext>
-            </a:extLst>
-          </p:cNvPr>
-          <p:cNvSpPr txBox="1"/>
-          <p:nvPr/>
-        </p:nvSpPr>
-        <p:spPr>
-          <a:xfrm>
-            <a:off x="7525813" y="4170513"/>
-            <a:ext cx="654346" cy="553998"/>
-          </a:xfrm>
-          <a:prstGeom prst="rect">
-            <a:avLst/>
-          </a:prstGeom>
-          <a:noFill/>
-        </p:spPr>
-        <p:txBody>
-          <a:bodyPr wrap="none" rtlCol="0" anchor="ctr">
-            <a:spAutoFit/>
-          </a:bodyPr>
-          <a:lstStyle/>
-          <a:p>
-            <a:pPr marL="0" marR="0" lvl="0" indent="0" algn="r" defTabSz="914217" rtl="0" eaLnBrk="1" fontAlgn="auto" latinLnBrk="0" hangingPunct="1">
-              <a:lnSpc>
-                <a:spcPct val="100000"/>
-              </a:lnSpc>
-              <a:spcBef>
-                <a:spcPts val="0"/>
-              </a:spcBef>
-              <a:spcAft>
-                <a:spcPts val="0"/>
-              </a:spcAft>
-              <a:buClrTx/>
-              <a:buSzTx/>
-              <a:buFontTx/>
-              <a:buNone/>
-              <a:tabLst/>
-              <a:defRPr/>
-            </a:pPr>
-            <a:r>
-              <a:rPr kumimoji="0" lang="en-US" sz="3000" b="1" i="0" u="none" strike="noStrike" kern="1200" cap="none" spc="0" normalizeH="0" baseline="0" noProof="0" dirty="0">
-                <a:ln>
-                  <a:noFill/>
-                </a:ln>
-                <a:solidFill>
-                  <a:srgbClr val="2B526A"/>
-                </a:solidFill>
-                <a:effectLst/>
-                <a:uLnTx/>
-                <a:uFillTx/>
-                <a:latin typeface="Poppins" pitchFamily="2" charset="77"/>
-                <a:ea typeface="+mn-ea"/>
-                <a:cs typeface="Poppins" pitchFamily="2" charset="77"/>
-              </a:rPr>
-              <a:t>25</a:t>
-            </a:r>
-          </a:p>
-        </p:txBody>
-      </p:sp>
-      <p:sp>
-        <p:nvSpPr>
-          <p:cNvPr id="49" name="TextBox 48">
-            <a:extLst>
-              <a:ext uri="{FF2B5EF4-FFF2-40B4-BE49-F238E27FC236}">
-                <a16:creationId xmlns:a16="http://schemas.microsoft.com/office/drawing/2014/main" id="{5259004F-15A2-894E-805B-37D21112363A}"/>
-              </a:ext>
-            </a:extLst>
-          </p:cNvPr>
-          <p:cNvSpPr txBox="1"/>
-          <p:nvPr/>
-        </p:nvSpPr>
-        <p:spPr>
-          <a:xfrm>
-            <a:off x="7763058" y="5300588"/>
-            <a:ext cx="417101" cy="553998"/>
-          </a:xfrm>
-          <a:prstGeom prst="rect">
-            <a:avLst/>
-          </a:prstGeom>
-          <a:noFill/>
-        </p:spPr>
-        <p:txBody>
-          <a:bodyPr wrap="none" rtlCol="0" anchor="ctr">
-            <a:spAutoFit/>
-          </a:bodyPr>
-          <a:lstStyle/>
-          <a:p>
-            <a:pPr marL="0" marR="0" lvl="0" indent="0" algn="r" defTabSz="914217" rtl="0" eaLnBrk="1" fontAlgn="auto" latinLnBrk="0" hangingPunct="1">
-              <a:lnSpc>
-                <a:spcPct val="100000"/>
-              </a:lnSpc>
-              <a:spcBef>
-                <a:spcPts val="0"/>
-              </a:spcBef>
-              <a:spcAft>
-                <a:spcPts val="0"/>
-              </a:spcAft>
-              <a:buClrTx/>
-              <a:buSzTx/>
-              <a:buFontTx/>
-              <a:buNone/>
-              <a:tabLst/>
-              <a:defRPr/>
-            </a:pPr>
-            <a:r>
-              <a:rPr kumimoji="0" lang="en-US" sz="3000" b="1" i="0" u="none" strike="noStrike" kern="1200" cap="none" spc="0" normalizeH="0" baseline="0" noProof="0" dirty="0">
-                <a:ln>
-                  <a:noFill/>
-                </a:ln>
-                <a:solidFill>
-                  <a:srgbClr val="6C88B7"/>
-                </a:solidFill>
-                <a:effectLst/>
-                <a:uLnTx/>
-                <a:uFillTx/>
-                <a:latin typeface="Poppins" pitchFamily="2" charset="77"/>
-                <a:ea typeface="+mn-ea"/>
-                <a:cs typeface="Poppins" pitchFamily="2" charset="77"/>
-              </a:rPr>
-              <a:t>2</a:t>
-            </a:r>
-          </a:p>
-        </p:txBody>
-      </p:sp>
-      <p:sp>
-        <p:nvSpPr>
-          <p:cNvPr id="50" name="TextBox 49">
-            <a:extLst>
-              <a:ext uri="{FF2B5EF4-FFF2-40B4-BE49-F238E27FC236}">
-                <a16:creationId xmlns:a16="http://schemas.microsoft.com/office/drawing/2014/main" id="{B0828A2E-E644-D34C-AF4F-F26AA4B4F5F4}"/>
-              </a:ext>
-            </a:extLst>
-          </p:cNvPr>
-          <p:cNvSpPr txBox="1"/>
-          <p:nvPr/>
-        </p:nvSpPr>
-        <p:spPr>
-          <a:xfrm>
-            <a:off x="8296946" y="1904157"/>
-            <a:ext cx="1963479" cy="553998"/>
-          </a:xfrm>
-          <a:prstGeom prst="rect">
-            <a:avLst/>
-          </a:prstGeom>
-          <a:noFill/>
-        </p:spPr>
-        <p:txBody>
-          <a:bodyPr wrap="square" rtlCol="0" anchor="ctr">
-            <a:spAutoFit/>
-          </a:bodyPr>
-          <a:lstStyle/>
-          <a:p>
-            <a:pPr marL="0" marR="0" lvl="0" indent="0" algn="just" defTabSz="914217" rtl="0" eaLnBrk="1" fontAlgn="auto" latinLnBrk="0" hangingPunct="1">
-              <a:lnSpc>
-                <a:spcPts val="1750"/>
-              </a:lnSpc>
-              <a:spcBef>
-                <a:spcPts val="0"/>
-              </a:spcBef>
-              <a:spcAft>
-                <a:spcPts val="0"/>
-              </a:spcAft>
-              <a:buClrTx/>
-              <a:buSzTx/>
-              <a:buFontTx/>
-              <a:buNone/>
-              <a:tabLst/>
-              <a:defRPr/>
-            </a:pPr>
-            <a:r>
-              <a:rPr kumimoji="0" lang="en-US" sz="1600" b="0" i="0" u="none" strike="noStrike" kern="1200" cap="none" spc="0" normalizeH="0" baseline="0" noProof="0" dirty="0">
-                <a:ln>
-                  <a:noFill/>
-                </a:ln>
-                <a:solidFill>
-                  <a:srgbClr val="000000"/>
-                </a:solidFill>
-                <a:effectLst/>
-                <a:uLnTx/>
-                <a:uFillTx/>
-                <a:latin typeface="Trebuchet MS" panose="020B0603020202020204" pitchFamily="34" charset="0"/>
-                <a:ea typeface="Lato Light" panose="020F0502020204030203" pitchFamily="34" charset="0"/>
-                <a:cs typeface="Lato Light" panose="020F0502020204030203" pitchFamily="34" charset="0"/>
-              </a:rPr>
-              <a:t>Kaggle dataset on loan portfolio</a:t>
-            </a:r>
-          </a:p>
-        </p:txBody>
-      </p:sp>
-      <p:sp>
-        <p:nvSpPr>
-          <p:cNvPr id="52" name="TextBox 51">
-            <a:extLst>
-              <a:ext uri="{FF2B5EF4-FFF2-40B4-BE49-F238E27FC236}">
-                <a16:creationId xmlns:a16="http://schemas.microsoft.com/office/drawing/2014/main" id="{48490F17-F6D3-154E-922F-44BE260CABEA}"/>
-              </a:ext>
-            </a:extLst>
-          </p:cNvPr>
-          <p:cNvSpPr txBox="1"/>
-          <p:nvPr/>
-        </p:nvSpPr>
-        <p:spPr>
-          <a:xfrm>
-            <a:off x="8296946" y="4196720"/>
-            <a:ext cx="3517152" cy="553998"/>
-          </a:xfrm>
-          <a:prstGeom prst="rect">
-            <a:avLst/>
-          </a:prstGeom>
-          <a:noFill/>
-        </p:spPr>
-        <p:txBody>
-          <a:bodyPr wrap="square" rtlCol="0" anchor="ctr">
-            <a:spAutoFit/>
-          </a:bodyPr>
-          <a:lstStyle>
-            <a:defPPr>
-              <a:defRPr lang="en-US"/>
-            </a:defPPr>
-            <a:lvl1pPr algn="just" defTabSz="914217">
-              <a:lnSpc>
-                <a:spcPts val="1750"/>
-              </a:lnSpc>
-              <a:defRPr sz="1400">
-                <a:solidFill>
-                  <a:srgbClr val="000000"/>
-                </a:solidFill>
-                <a:latin typeface="Trebuchet MS" panose="020B0603020202020204" pitchFamily="34" charset="0"/>
-                <a:ea typeface="Lato Light" panose="020F0502020204030203" pitchFamily="34" charset="0"/>
-                <a:cs typeface="Lato Light" panose="020F0502020204030203" pitchFamily="34" charset="0"/>
-              </a:defRPr>
-            </a:lvl1pPr>
-          </a:lstStyle>
-          <a:p>
-            <a:pPr marL="0" marR="0" lvl="0" indent="0" algn="just" defTabSz="914217" rtl="0" eaLnBrk="1" fontAlgn="auto" latinLnBrk="0" hangingPunct="1">
-              <a:lnSpc>
-                <a:spcPts val="1750"/>
-              </a:lnSpc>
-              <a:spcBef>
-                <a:spcPts val="0"/>
-              </a:spcBef>
-              <a:spcAft>
-                <a:spcPts val="0"/>
-              </a:spcAft>
-              <a:buClrTx/>
-              <a:buSzTx/>
-              <a:buFontTx/>
-              <a:buNone/>
-              <a:tabLst/>
-              <a:defRPr/>
-            </a:pPr>
-            <a:r>
-              <a:rPr kumimoji="0" lang="en-GB" sz="1600" b="0" i="0" u="none" strike="noStrike" kern="1200" cap="none" spc="0" normalizeH="0" baseline="0" noProof="0" dirty="0">
-                <a:ln>
-                  <a:noFill/>
-                </a:ln>
-                <a:solidFill>
-                  <a:srgbClr val="000000"/>
-                </a:solidFill>
-                <a:effectLst/>
-                <a:uLnTx/>
-                <a:uFillTx/>
-                <a:latin typeface="Trebuchet MS" panose="020B0603020202020204" pitchFamily="34" charset="0"/>
-                <a:ea typeface="Lato Light" panose="020F0502020204030203" pitchFamily="34" charset="0"/>
-                <a:cs typeface="Lato Light" panose="020F0502020204030203" pitchFamily="34" charset="0"/>
-              </a:rPr>
-              <a:t>Numerical Data : 16</a:t>
-            </a:r>
-            <a:endParaRPr kumimoji="0" lang="en-US" sz="1600" b="0" i="0" u="none" strike="noStrike" kern="1200" cap="none" spc="0" normalizeH="0" baseline="0" noProof="0" dirty="0">
-              <a:ln>
-                <a:noFill/>
-              </a:ln>
-              <a:solidFill>
-                <a:srgbClr val="000000"/>
-              </a:solidFill>
-              <a:effectLst/>
-              <a:uLnTx/>
-              <a:uFillTx/>
-              <a:latin typeface="Trebuchet MS" panose="020B0603020202020204" pitchFamily="34" charset="0"/>
-              <a:ea typeface="Lato Light" panose="020F0502020204030203" pitchFamily="34" charset="0"/>
-              <a:cs typeface="Lato Light" panose="020F0502020204030203" pitchFamily="34" charset="0"/>
-            </a:endParaRPr>
-          </a:p>
-          <a:p>
-            <a:pPr marL="0" marR="0" lvl="0" indent="0" algn="just" defTabSz="914217" rtl="0" eaLnBrk="1" fontAlgn="auto" latinLnBrk="0" hangingPunct="1">
-              <a:lnSpc>
-                <a:spcPts val="1750"/>
-              </a:lnSpc>
-              <a:spcBef>
-                <a:spcPts val="0"/>
-              </a:spcBef>
-              <a:spcAft>
-                <a:spcPts val="0"/>
-              </a:spcAft>
-              <a:buClrTx/>
-              <a:buSzTx/>
-              <a:buFontTx/>
-              <a:buNone/>
-              <a:tabLst/>
-              <a:defRPr/>
-            </a:pPr>
-            <a:r>
-              <a:rPr kumimoji="0" lang="en-GB" sz="1600" b="0" i="0" u="none" strike="noStrike" kern="1200" cap="none" spc="0" normalizeH="0" baseline="0" noProof="0" dirty="0">
-                <a:ln>
-                  <a:noFill/>
-                </a:ln>
-                <a:solidFill>
-                  <a:srgbClr val="000000"/>
-                </a:solidFill>
-                <a:effectLst/>
-                <a:uLnTx/>
-                <a:uFillTx/>
-                <a:latin typeface="Trebuchet MS" panose="020B0603020202020204" pitchFamily="34" charset="0"/>
-                <a:ea typeface="Lato Light" panose="020F0502020204030203" pitchFamily="34" charset="0"/>
-                <a:cs typeface="Lato Light" panose="020F0502020204030203" pitchFamily="34" charset="0"/>
-              </a:rPr>
-              <a:t>Categorical Data : 9</a:t>
-            </a:r>
-            <a:endParaRPr kumimoji="0" lang="en-US" sz="1600" b="0" i="0" u="none" strike="noStrike" kern="1200" cap="none" spc="0" normalizeH="0" baseline="0" noProof="0" dirty="0">
-              <a:ln>
-                <a:noFill/>
-              </a:ln>
-              <a:solidFill>
-                <a:srgbClr val="000000"/>
-              </a:solidFill>
-              <a:effectLst/>
-              <a:uLnTx/>
-              <a:uFillTx/>
-              <a:latin typeface="Trebuchet MS" panose="020B0603020202020204" pitchFamily="34" charset="0"/>
-              <a:ea typeface="Lato Light" panose="020F0502020204030203" pitchFamily="34" charset="0"/>
-              <a:cs typeface="Lato Light" panose="020F0502020204030203" pitchFamily="34" charset="0"/>
-            </a:endParaRPr>
-          </a:p>
-        </p:txBody>
-      </p:sp>
-      <p:sp>
-        <p:nvSpPr>
-          <p:cNvPr id="53" name="TextBox 52">
-            <a:extLst>
-              <a:ext uri="{FF2B5EF4-FFF2-40B4-BE49-F238E27FC236}">
-                <a16:creationId xmlns:a16="http://schemas.microsoft.com/office/drawing/2014/main" id="{AE33138F-EA67-E14B-AD47-5AEC328A9DDC}"/>
-              </a:ext>
-            </a:extLst>
-          </p:cNvPr>
-          <p:cNvSpPr txBox="1"/>
-          <p:nvPr/>
-        </p:nvSpPr>
-        <p:spPr>
-          <a:xfrm>
-            <a:off x="8296946" y="5242585"/>
-            <a:ext cx="3517152" cy="553998"/>
-          </a:xfrm>
-          <a:prstGeom prst="rect">
-            <a:avLst/>
-          </a:prstGeom>
-          <a:noFill/>
-        </p:spPr>
-        <p:txBody>
-          <a:bodyPr wrap="square" rtlCol="0" anchor="ctr">
-            <a:spAutoFit/>
-          </a:bodyPr>
-          <a:lstStyle>
-            <a:defPPr>
-              <a:defRPr lang="en-US"/>
-            </a:defPPr>
-            <a:lvl1pPr algn="just" defTabSz="914217">
-              <a:lnSpc>
-                <a:spcPts val="1750"/>
-              </a:lnSpc>
-              <a:defRPr sz="1400">
-                <a:solidFill>
-                  <a:srgbClr val="000000"/>
-                </a:solidFill>
-                <a:latin typeface="Trebuchet MS" panose="020B0603020202020204" pitchFamily="34" charset="0"/>
-                <a:ea typeface="Lato Light" panose="020F0502020204030203" pitchFamily="34" charset="0"/>
-                <a:cs typeface="Lato Light" panose="020F0502020204030203" pitchFamily="34" charset="0"/>
-              </a:defRPr>
-            </a:lvl1pPr>
-          </a:lstStyle>
-          <a:p>
-            <a:pPr marL="0" marR="0" lvl="0" indent="0" algn="just" defTabSz="914217" rtl="0" eaLnBrk="1" fontAlgn="auto" latinLnBrk="0" hangingPunct="1">
-              <a:lnSpc>
-                <a:spcPts val="1750"/>
-              </a:lnSpc>
-              <a:spcBef>
-                <a:spcPts val="0"/>
-              </a:spcBef>
-              <a:spcAft>
-                <a:spcPts val="0"/>
-              </a:spcAft>
-              <a:buClrTx/>
-              <a:buSzTx/>
-              <a:buFontTx/>
-              <a:buNone/>
-              <a:tabLst/>
-              <a:defRPr/>
-            </a:pPr>
-            <a:r>
-              <a:rPr kumimoji="0" lang="en-US" sz="1600" b="0" i="0" u="none" strike="noStrike" kern="1200" cap="none" spc="0" normalizeH="0" baseline="0" noProof="0" dirty="0">
-                <a:ln>
-                  <a:noFill/>
-                </a:ln>
-                <a:solidFill>
-                  <a:srgbClr val="000000"/>
-                </a:solidFill>
-                <a:effectLst/>
-                <a:uLnTx/>
-                <a:uFillTx/>
-                <a:latin typeface="Trebuchet MS" panose="020B0603020202020204" pitchFamily="34" charset="0"/>
-                <a:ea typeface="Lato Light" panose="020F0502020204030203" pitchFamily="34" charset="0"/>
-                <a:cs typeface="Lato Light" panose="020F0502020204030203" pitchFamily="34" charset="0"/>
-              </a:rPr>
-              <a:t>Annual loan premium</a:t>
-            </a:r>
-          </a:p>
-          <a:p>
-            <a:pPr marL="0" marR="0" lvl="0" indent="0" algn="just" defTabSz="914217" rtl="0" eaLnBrk="1" fontAlgn="auto" latinLnBrk="0" hangingPunct="1">
-              <a:lnSpc>
-                <a:spcPts val="1750"/>
-              </a:lnSpc>
-              <a:spcBef>
-                <a:spcPts val="0"/>
-              </a:spcBef>
-              <a:spcAft>
-                <a:spcPts val="0"/>
-              </a:spcAft>
-              <a:buClrTx/>
-              <a:buSzTx/>
-              <a:buFontTx/>
-              <a:buNone/>
-              <a:tabLst/>
-              <a:defRPr/>
-            </a:pPr>
-            <a:r>
-              <a:rPr kumimoji="0" lang="en-US" sz="1600" b="0" i="0" u="none" strike="noStrike" kern="1200" cap="none" spc="0" normalizeH="0" baseline="0" noProof="0" dirty="0">
-                <a:ln>
-                  <a:noFill/>
-                </a:ln>
-                <a:solidFill>
-                  <a:srgbClr val="000000"/>
-                </a:solidFill>
-                <a:effectLst/>
-                <a:uLnTx/>
-                <a:uFillTx/>
-                <a:latin typeface="Trebuchet MS" panose="020B0603020202020204" pitchFamily="34" charset="0"/>
-                <a:ea typeface="Lato Light" panose="020F0502020204030203" pitchFamily="34" charset="0"/>
-                <a:cs typeface="Lato Light" panose="020F0502020204030203" pitchFamily="34" charset="0"/>
-              </a:rPr>
-              <a:t>Loan to income ratio</a:t>
-            </a:r>
-          </a:p>
-        </p:txBody>
-      </p:sp>
-      <p:sp>
-        <p:nvSpPr>
-          <p:cNvPr id="6" name="Freeform 83">
-            <a:extLst>
-              <a:ext uri="{FF2B5EF4-FFF2-40B4-BE49-F238E27FC236}">
-                <a16:creationId xmlns:a16="http://schemas.microsoft.com/office/drawing/2014/main" id="{AF305162-6713-40C1-188E-C9D96C019D77}"/>
-              </a:ext>
-            </a:extLst>
-          </p:cNvPr>
-          <p:cNvSpPr>
-            <a:spLocks noChangeArrowheads="1"/>
-          </p:cNvSpPr>
-          <p:nvPr/>
-        </p:nvSpPr>
-        <p:spPr bwMode="auto">
-          <a:xfrm>
-            <a:off x="2036992" y="5408311"/>
-            <a:ext cx="595227" cy="338554"/>
-          </a:xfrm>
-          <a:custGeom>
-            <a:avLst/>
-            <a:gdLst>
-              <a:gd name="T0" fmla="*/ 72704 w 901340"/>
-              <a:gd name="T1" fmla="*/ 619125 h 788626"/>
-              <a:gd name="T2" fmla="*/ 433348 w 901340"/>
-              <a:gd name="T3" fmla="*/ 619125 h 788626"/>
-              <a:gd name="T4" fmla="*/ 506052 w 901340"/>
-              <a:gd name="T5" fmla="*/ 692130 h 788626"/>
-              <a:gd name="T6" fmla="*/ 506052 w 901340"/>
-              <a:gd name="T7" fmla="*/ 788626 h 788626"/>
-              <a:gd name="T8" fmla="*/ 0 w 901340"/>
-              <a:gd name="T9" fmla="*/ 788626 h 788626"/>
-              <a:gd name="T10" fmla="*/ 0 w 901340"/>
-              <a:gd name="T11" fmla="*/ 692130 h 788626"/>
-              <a:gd name="T12" fmla="*/ 366712 w 901340"/>
-              <a:gd name="T13" fmla="*/ 169862 h 788626"/>
-              <a:gd name="T14" fmla="*/ 856667 w 901340"/>
-              <a:gd name="T15" fmla="*/ 169862 h 788626"/>
-              <a:gd name="T16" fmla="*/ 901340 w 901340"/>
-              <a:gd name="T17" fmla="*/ 214677 h 788626"/>
-              <a:gd name="T18" fmla="*/ 901340 w 901340"/>
-              <a:gd name="T19" fmla="*/ 294549 h 788626"/>
-              <a:gd name="T20" fmla="*/ 856667 w 901340"/>
-              <a:gd name="T21" fmla="*/ 339364 h 788626"/>
-              <a:gd name="T22" fmla="*/ 422913 w 901340"/>
-              <a:gd name="T23" fmla="*/ 339364 h 788626"/>
-              <a:gd name="T24" fmla="*/ 84137 w 901340"/>
-              <a:gd name="T25" fmla="*/ 0 h 788626"/>
-              <a:gd name="T26" fmla="*/ 421915 w 901340"/>
-              <a:gd name="T27" fmla="*/ 0 h 788626"/>
-              <a:gd name="T28" fmla="*/ 421915 w 901340"/>
-              <a:gd name="T29" fmla="*/ 68025 h 788626"/>
-              <a:gd name="T30" fmla="*/ 365738 w 901340"/>
-              <a:gd name="T31" fmla="*/ 124173 h 788626"/>
-              <a:gd name="T32" fmla="*/ 365738 w 901340"/>
-              <a:gd name="T33" fmla="*/ 168804 h 788626"/>
-              <a:gd name="T34" fmla="*/ 365738 w 901340"/>
-              <a:gd name="T35" fmla="*/ 382239 h 788626"/>
-              <a:gd name="T36" fmla="*/ 421915 w 901340"/>
-              <a:gd name="T37" fmla="*/ 438387 h 788626"/>
-              <a:gd name="T38" fmla="*/ 421915 w 901340"/>
-              <a:gd name="T39" fmla="*/ 506052 h 788626"/>
-              <a:gd name="T40" fmla="*/ 84137 w 901340"/>
-              <a:gd name="T41" fmla="*/ 506052 h 788626"/>
-              <a:gd name="T42" fmla="*/ 84137 w 901340"/>
-              <a:gd name="T43" fmla="*/ 438387 h 788626"/>
-              <a:gd name="T44" fmla="*/ 140673 w 901340"/>
-              <a:gd name="T45" fmla="*/ 382239 h 788626"/>
-              <a:gd name="T46" fmla="*/ 140673 w 901340"/>
-              <a:gd name="T47" fmla="*/ 124173 h 788626"/>
-              <a:gd name="T48" fmla="*/ 84137 w 901340"/>
-              <a:gd name="T49" fmla="*/ 68025 h 788626"/>
-              <a:gd name="T50" fmla="*/ 0 60000 65536"/>
-              <a:gd name="T51" fmla="*/ 0 60000 65536"/>
-              <a:gd name="T52" fmla="*/ 0 60000 65536"/>
-              <a:gd name="T53" fmla="*/ 0 60000 65536"/>
-              <a:gd name="T54" fmla="*/ 0 60000 65536"/>
-              <a:gd name="T55" fmla="*/ 0 60000 65536"/>
-              <a:gd name="T56" fmla="*/ 0 60000 65536"/>
-              <a:gd name="T57" fmla="*/ 0 60000 65536"/>
-              <a:gd name="T58" fmla="*/ 0 60000 65536"/>
-              <a:gd name="T59" fmla="*/ 0 60000 65536"/>
-              <a:gd name="T60" fmla="*/ 0 60000 65536"/>
-              <a:gd name="T61" fmla="*/ 0 60000 65536"/>
-              <a:gd name="T62" fmla="*/ 0 60000 65536"/>
-              <a:gd name="T63" fmla="*/ 0 60000 65536"/>
-              <a:gd name="T64" fmla="*/ 0 60000 65536"/>
-              <a:gd name="T65" fmla="*/ 0 60000 65536"/>
-              <a:gd name="T66" fmla="*/ 0 60000 65536"/>
-              <a:gd name="T67" fmla="*/ 0 60000 65536"/>
-              <a:gd name="T68" fmla="*/ 0 60000 65536"/>
-              <a:gd name="T69" fmla="*/ 0 60000 65536"/>
-              <a:gd name="T70" fmla="*/ 0 60000 65536"/>
-              <a:gd name="T71" fmla="*/ 0 60000 65536"/>
-              <a:gd name="T72" fmla="*/ 0 60000 65536"/>
-              <a:gd name="T73" fmla="*/ 0 60000 65536"/>
-              <a:gd name="T74" fmla="*/ 0 60000 65536"/>
-            </a:gdLst>
-            <a:ahLst/>
-            <a:cxnLst>
-              <a:cxn ang="T50">
-                <a:pos x="T0" y="T1"/>
-              </a:cxn>
-              <a:cxn ang="T51">
-                <a:pos x="T2" y="T3"/>
-              </a:cxn>
-              <a:cxn ang="T52">
-                <a:pos x="T4" y="T5"/>
-              </a:cxn>
-              <a:cxn ang="T53">
-                <a:pos x="T6" y="T7"/>
-              </a:cxn>
-              <a:cxn ang="T54">
-                <a:pos x="T8" y="T9"/>
-              </a:cxn>
-              <a:cxn ang="T55">
-                <a:pos x="T10" y="T11"/>
-              </a:cxn>
-              <a:cxn ang="T56">
-                <a:pos x="T12" y="T13"/>
-              </a:cxn>
-              <a:cxn ang="T57">
-                <a:pos x="T14" y="T15"/>
-              </a:cxn>
-              <a:cxn ang="T58">
-                <a:pos x="T16" y="T17"/>
-              </a:cxn>
-              <a:cxn ang="T59">
-                <a:pos x="T18" y="T19"/>
-              </a:cxn>
-              <a:cxn ang="T60">
-                <a:pos x="T20" y="T21"/>
-              </a:cxn>
-              <a:cxn ang="T61">
-                <a:pos x="T22" y="T23"/>
-              </a:cxn>
-              <a:cxn ang="T62">
-                <a:pos x="T24" y="T25"/>
-              </a:cxn>
-              <a:cxn ang="T63">
-                <a:pos x="T26" y="T27"/>
-              </a:cxn>
-              <a:cxn ang="T64">
-                <a:pos x="T28" y="T29"/>
-              </a:cxn>
-              <a:cxn ang="T65">
-                <a:pos x="T30" y="T31"/>
-              </a:cxn>
-              <a:cxn ang="T66">
-                <a:pos x="T32" y="T33"/>
-              </a:cxn>
-              <a:cxn ang="T67">
-                <a:pos x="T34" y="T35"/>
-              </a:cxn>
-              <a:cxn ang="T68">
-                <a:pos x="T36" y="T37"/>
-              </a:cxn>
-              <a:cxn ang="T69">
-                <a:pos x="T38" y="T39"/>
-              </a:cxn>
-              <a:cxn ang="T70">
-                <a:pos x="T40" y="T41"/>
-              </a:cxn>
-              <a:cxn ang="T71">
-                <a:pos x="T42" y="T43"/>
-              </a:cxn>
-              <a:cxn ang="T72">
-                <a:pos x="T44" y="T45"/>
-              </a:cxn>
-              <a:cxn ang="T73">
-                <a:pos x="T46" y="T47"/>
-              </a:cxn>
-              <a:cxn ang="T74">
-                <a:pos x="T48" y="T49"/>
-              </a:cxn>
-            </a:cxnLst>
-            <a:rect l="0" t="0" r="r" b="b"/>
-            <a:pathLst>
-              <a:path w="901340" h="788626">
-                <a:moveTo>
-                  <a:pt x="72704" y="619125"/>
-                </a:moveTo>
-                <a:lnTo>
-                  <a:pt x="433348" y="619125"/>
-                </a:lnTo>
-                <a:lnTo>
-                  <a:pt x="506052" y="692130"/>
-                </a:lnTo>
-                <a:lnTo>
-                  <a:pt x="506052" y="788626"/>
-                </a:lnTo>
-                <a:lnTo>
-                  <a:pt x="0" y="788626"/>
-                </a:lnTo>
-                <a:lnTo>
-                  <a:pt x="0" y="692130"/>
-                </a:lnTo>
-                <a:lnTo>
-                  <a:pt x="72704" y="619125"/>
-                </a:lnTo>
-                <a:close/>
-                <a:moveTo>
-                  <a:pt x="366712" y="169862"/>
-                </a:moveTo>
-                <a:lnTo>
-                  <a:pt x="856667" y="169862"/>
-                </a:lnTo>
-                <a:lnTo>
-                  <a:pt x="901340" y="214677"/>
-                </a:lnTo>
-                <a:lnTo>
-                  <a:pt x="901340" y="294549"/>
-                </a:lnTo>
-                <a:lnTo>
-                  <a:pt x="856667" y="339364"/>
-                </a:lnTo>
-                <a:lnTo>
-                  <a:pt x="422913" y="339364"/>
-                </a:lnTo>
-                <a:lnTo>
-                  <a:pt x="366712" y="169862"/>
-                </a:lnTo>
-                <a:close/>
-                <a:moveTo>
-                  <a:pt x="84137" y="0"/>
-                </a:moveTo>
-                <a:lnTo>
-                  <a:pt x="421915" y="0"/>
-                </a:lnTo>
-                <a:lnTo>
-                  <a:pt x="421915" y="68025"/>
-                </a:lnTo>
-                <a:lnTo>
-                  <a:pt x="365738" y="124173"/>
-                </a:lnTo>
-                <a:lnTo>
-                  <a:pt x="365738" y="168804"/>
-                </a:lnTo>
-                <a:lnTo>
-                  <a:pt x="365738" y="382239"/>
-                </a:lnTo>
-                <a:lnTo>
-                  <a:pt x="421915" y="438387"/>
-                </a:lnTo>
-                <a:lnTo>
-                  <a:pt x="421915" y="506052"/>
-                </a:lnTo>
-                <a:lnTo>
-                  <a:pt x="84137" y="506052"/>
-                </a:lnTo>
-                <a:lnTo>
-                  <a:pt x="84137" y="438387"/>
-                </a:lnTo>
-                <a:lnTo>
-                  <a:pt x="140673" y="382239"/>
-                </a:lnTo>
-                <a:lnTo>
-                  <a:pt x="140673" y="124173"/>
-                </a:lnTo>
-                <a:lnTo>
-                  <a:pt x="84137" y="68025"/>
-                </a:lnTo>
-                <a:lnTo>
-                  <a:pt x="84137" y="0"/>
-                </a:lnTo>
-                <a:close/>
-              </a:path>
-            </a:pathLst>
-          </a:custGeom>
-          <a:solidFill>
-            <a:schemeClr val="bg1"/>
-          </a:solidFill>
-          <a:ln>
-            <a:noFill/>
-          </a:ln>
-          <a:effectLst/>
-        </p:spPr>
-        <p:txBody>
-          <a:bodyPr anchor="ctr"/>
-          <a:lstStyle/>
-          <a:p>
-            <a:pPr marL="0" marR="0" lvl="0" indent="0" algn="l" defTabSz="914400" rtl="0" eaLnBrk="1" fontAlgn="auto" latinLnBrk="0" hangingPunct="1">
-              <a:lnSpc>
-                <a:spcPct val="100000"/>
-              </a:lnSpc>
-              <a:spcBef>
-                <a:spcPts val="0"/>
-              </a:spcBef>
-              <a:spcAft>
-                <a:spcPts val="0"/>
-              </a:spcAft>
-              <a:buClrTx/>
-              <a:buSzTx/>
-              <a:buFontTx/>
-              <a:buNone/>
-              <a:tabLst/>
-              <a:defRPr/>
-            </a:pPr>
-            <a:endParaRPr kumimoji="0" lang="en-US" sz="1800" b="0" i="0" u="none" strike="noStrike" kern="1200" cap="none" spc="0" normalizeH="0" baseline="0" noProof="0" dirty="0">
-              <a:ln>
-                <a:noFill/>
-              </a:ln>
-              <a:solidFill>
-                <a:srgbClr val="B3B3B3"/>
-              </a:solidFill>
-              <a:effectLst/>
-              <a:uLnTx/>
-              <a:uFillTx/>
-              <a:latin typeface="Lato Light" panose="020F0502020204030203" pitchFamily="34" charset="0"/>
-              <a:ea typeface="+mn-ea"/>
-              <a:cs typeface="+mn-cs"/>
-            </a:endParaRPr>
-          </a:p>
-        </p:txBody>
-      </p:sp>
-      <p:sp>
-        <p:nvSpPr>
-          <p:cNvPr id="7" name="Freeform 89">
-            <a:extLst>
-              <a:ext uri="{FF2B5EF4-FFF2-40B4-BE49-F238E27FC236}">
-                <a16:creationId xmlns:a16="http://schemas.microsoft.com/office/drawing/2014/main" id="{3A5D9A78-9C96-8A56-D687-F5CA4FFCADD7}"/>
-              </a:ext>
-            </a:extLst>
-          </p:cNvPr>
-          <p:cNvSpPr>
-            <a:spLocks noChangeArrowheads="1"/>
-          </p:cNvSpPr>
-          <p:nvPr/>
-        </p:nvSpPr>
-        <p:spPr bwMode="auto">
-          <a:xfrm>
-            <a:off x="1873604" y="3114670"/>
-            <a:ext cx="629451" cy="442362"/>
-          </a:xfrm>
-          <a:custGeom>
-            <a:avLst/>
-            <a:gdLst>
-              <a:gd name="T0" fmla="*/ 573956 w 901340"/>
-              <a:gd name="T1" fmla="*/ 561975 h 674329"/>
-              <a:gd name="T2" fmla="*/ 901340 w 901340"/>
-              <a:gd name="T3" fmla="*/ 561975 h 674329"/>
-              <a:gd name="T4" fmla="*/ 901340 w 901340"/>
-              <a:gd name="T5" fmla="*/ 674329 h 674329"/>
-              <a:gd name="T6" fmla="*/ 468313 w 901340"/>
-              <a:gd name="T7" fmla="*/ 674329 h 674329"/>
-              <a:gd name="T8" fmla="*/ 573956 w 901340"/>
-              <a:gd name="T9" fmla="*/ 561975 h 674329"/>
-              <a:gd name="T10" fmla="*/ 616811 w 901340"/>
-              <a:gd name="T11" fmla="*/ 420688 h 674329"/>
-              <a:gd name="T12" fmla="*/ 842604 w 901340"/>
-              <a:gd name="T13" fmla="*/ 420688 h 674329"/>
-              <a:gd name="T14" fmla="*/ 842604 w 901340"/>
-              <a:gd name="T15" fmla="*/ 533040 h 674329"/>
-              <a:gd name="T16" fmla="*/ 587375 w 901340"/>
-              <a:gd name="T17" fmla="*/ 533040 h 674329"/>
-              <a:gd name="T18" fmla="*/ 616811 w 901340"/>
-              <a:gd name="T19" fmla="*/ 420688 h 674329"/>
-              <a:gd name="T20" fmla="*/ 600075 w 901340"/>
-              <a:gd name="T21" fmla="*/ 280988 h 674329"/>
-              <a:gd name="T22" fmla="*/ 901339 w 901340"/>
-              <a:gd name="T23" fmla="*/ 280988 h 674329"/>
-              <a:gd name="T24" fmla="*/ 901339 w 901340"/>
-              <a:gd name="T25" fmla="*/ 393341 h 674329"/>
-              <a:gd name="T26" fmla="*/ 619919 w 901340"/>
-              <a:gd name="T27" fmla="*/ 393341 h 674329"/>
-              <a:gd name="T28" fmla="*/ 600075 w 901340"/>
-              <a:gd name="T29" fmla="*/ 280988 h 674329"/>
-              <a:gd name="T30" fmla="*/ 196799 w 901340"/>
-              <a:gd name="T31" fmla="*/ 280982 h 674329"/>
-              <a:gd name="T32" fmla="*/ 196799 w 901340"/>
-              <a:gd name="T33" fmla="*/ 337072 h 674329"/>
-              <a:gd name="T34" fmla="*/ 252925 w 901340"/>
-              <a:gd name="T35" fmla="*/ 337072 h 674329"/>
-              <a:gd name="T36" fmla="*/ 252925 w 901340"/>
-              <a:gd name="T37" fmla="*/ 449611 h 674329"/>
-              <a:gd name="T38" fmla="*/ 196799 w 901340"/>
-              <a:gd name="T39" fmla="*/ 449611 h 674329"/>
-              <a:gd name="T40" fmla="*/ 196799 w 901340"/>
-              <a:gd name="T41" fmla="*/ 505700 h 674329"/>
-              <a:gd name="T42" fmla="*/ 365176 w 901340"/>
-              <a:gd name="T43" fmla="*/ 505700 h 674329"/>
-              <a:gd name="T44" fmla="*/ 365176 w 901340"/>
-              <a:gd name="T45" fmla="*/ 449611 h 674329"/>
-              <a:gd name="T46" fmla="*/ 309051 w 901340"/>
-              <a:gd name="T47" fmla="*/ 449611 h 674329"/>
-              <a:gd name="T48" fmla="*/ 309051 w 901340"/>
-              <a:gd name="T49" fmla="*/ 280982 h 674329"/>
-              <a:gd name="T50" fmla="*/ 503238 w 901340"/>
-              <a:gd name="T51" fmla="*/ 139700 h 674329"/>
-              <a:gd name="T52" fmla="*/ 787040 w 901340"/>
-              <a:gd name="T53" fmla="*/ 139700 h 674329"/>
-              <a:gd name="T54" fmla="*/ 787040 w 901340"/>
-              <a:gd name="T55" fmla="*/ 252053 h 674329"/>
-              <a:gd name="T56" fmla="*/ 587154 w 901340"/>
-              <a:gd name="T57" fmla="*/ 252053 h 674329"/>
-              <a:gd name="T58" fmla="*/ 503238 w 901340"/>
-              <a:gd name="T59" fmla="*/ 139700 h 674329"/>
-              <a:gd name="T60" fmla="*/ 280988 w 901340"/>
-              <a:gd name="T61" fmla="*/ 112713 h 674329"/>
-              <a:gd name="T62" fmla="*/ 561615 w 901340"/>
-              <a:gd name="T63" fmla="*/ 393521 h 674329"/>
-              <a:gd name="T64" fmla="*/ 280988 w 901340"/>
-              <a:gd name="T65" fmla="*/ 674329 h 674329"/>
-              <a:gd name="T66" fmla="*/ 0 w 901340"/>
-              <a:gd name="T67" fmla="*/ 393521 h 674329"/>
-              <a:gd name="T68" fmla="*/ 280988 w 901340"/>
-              <a:gd name="T69" fmla="*/ 112713 h 674329"/>
-              <a:gd name="T70" fmla="*/ 282575 w 901340"/>
-              <a:gd name="T71" fmla="*/ 0 h 674329"/>
-              <a:gd name="T72" fmla="*/ 844190 w 901340"/>
-              <a:gd name="T73" fmla="*/ 0 h 674329"/>
-              <a:gd name="T74" fmla="*/ 844190 w 901340"/>
-              <a:gd name="T75" fmla="*/ 112353 h 674329"/>
-              <a:gd name="T76" fmla="*/ 468221 w 901340"/>
-              <a:gd name="T77" fmla="*/ 112353 h 674329"/>
-              <a:gd name="T78" fmla="*/ 282575 w 901340"/>
-              <a:gd name="T79" fmla="*/ 55816 h 674329"/>
-              <a:gd name="T80" fmla="*/ 0 60000 65536"/>
-              <a:gd name="T81" fmla="*/ 0 60000 65536"/>
-              <a:gd name="T82" fmla="*/ 0 60000 65536"/>
-              <a:gd name="T83" fmla="*/ 0 60000 65536"/>
-              <a:gd name="T84" fmla="*/ 0 60000 65536"/>
-              <a:gd name="T85" fmla="*/ 0 60000 65536"/>
-              <a:gd name="T86" fmla="*/ 0 60000 65536"/>
-              <a:gd name="T87" fmla="*/ 0 60000 65536"/>
-              <a:gd name="T88" fmla="*/ 0 60000 65536"/>
-              <a:gd name="T89" fmla="*/ 0 60000 65536"/>
-              <a:gd name="T90" fmla="*/ 0 60000 65536"/>
-              <a:gd name="T91" fmla="*/ 0 60000 65536"/>
-              <a:gd name="T92" fmla="*/ 0 60000 65536"/>
-              <a:gd name="T93" fmla="*/ 0 60000 65536"/>
-              <a:gd name="T94" fmla="*/ 0 60000 65536"/>
-              <a:gd name="T95" fmla="*/ 0 60000 65536"/>
-              <a:gd name="T96" fmla="*/ 0 60000 65536"/>
-              <a:gd name="T97" fmla="*/ 0 60000 65536"/>
-              <a:gd name="T98" fmla="*/ 0 60000 65536"/>
-              <a:gd name="T99" fmla="*/ 0 60000 65536"/>
-              <a:gd name="T100" fmla="*/ 0 60000 65536"/>
-              <a:gd name="T101" fmla="*/ 0 60000 65536"/>
-              <a:gd name="T102" fmla="*/ 0 60000 65536"/>
-              <a:gd name="T103" fmla="*/ 0 60000 65536"/>
-              <a:gd name="T104" fmla="*/ 0 60000 65536"/>
-              <a:gd name="T105" fmla="*/ 0 60000 65536"/>
-              <a:gd name="T106" fmla="*/ 0 60000 65536"/>
-              <a:gd name="T107" fmla="*/ 0 60000 65536"/>
-              <a:gd name="T108" fmla="*/ 0 60000 65536"/>
-              <a:gd name="T109" fmla="*/ 0 60000 65536"/>
-              <a:gd name="T110" fmla="*/ 0 60000 65536"/>
-              <a:gd name="T111" fmla="*/ 0 60000 65536"/>
-              <a:gd name="T112" fmla="*/ 0 60000 65536"/>
-              <a:gd name="T113" fmla="*/ 0 60000 65536"/>
-              <a:gd name="T114" fmla="*/ 0 60000 65536"/>
-              <a:gd name="T115" fmla="*/ 0 60000 65536"/>
-              <a:gd name="T116" fmla="*/ 0 60000 65536"/>
-              <a:gd name="T117" fmla="*/ 0 60000 65536"/>
-              <a:gd name="T118" fmla="*/ 0 60000 65536"/>
-              <a:gd name="T119" fmla="*/ 0 60000 65536"/>
-            </a:gdLst>
-            <a:ahLst/>
-            <a:cxnLst>
-              <a:cxn ang="T80">
-                <a:pos x="T0" y="T1"/>
-              </a:cxn>
-              <a:cxn ang="T81">
-                <a:pos x="T2" y="T3"/>
-              </a:cxn>
-              <a:cxn ang="T82">
-                <a:pos x="T4" y="T5"/>
-              </a:cxn>
-              <a:cxn ang="T83">
-                <a:pos x="T6" y="T7"/>
-              </a:cxn>
-              <a:cxn ang="T84">
-                <a:pos x="T8" y="T9"/>
-              </a:cxn>
-              <a:cxn ang="T85">
-                <a:pos x="T10" y="T11"/>
-              </a:cxn>
-              <a:cxn ang="T86">
-                <a:pos x="T12" y="T13"/>
-              </a:cxn>
-              <a:cxn ang="T87">
-                <a:pos x="T14" y="T15"/>
-              </a:cxn>
-              <a:cxn ang="T88">
-                <a:pos x="T16" y="T17"/>
-              </a:cxn>
-              <a:cxn ang="T89">
-                <a:pos x="T18" y="T19"/>
-              </a:cxn>
-              <a:cxn ang="T90">
-                <a:pos x="T20" y="T21"/>
-              </a:cxn>
-              <a:cxn ang="T91">
-                <a:pos x="T22" y="T23"/>
-              </a:cxn>
-              <a:cxn ang="T92">
-                <a:pos x="T24" y="T25"/>
-              </a:cxn>
-              <a:cxn ang="T93">
-                <a:pos x="T26" y="T27"/>
-              </a:cxn>
-              <a:cxn ang="T94">
-                <a:pos x="T28" y="T29"/>
-              </a:cxn>
-              <a:cxn ang="T95">
-                <a:pos x="T30" y="T31"/>
-              </a:cxn>
-              <a:cxn ang="T96">
-                <a:pos x="T32" y="T33"/>
-              </a:cxn>
-              <a:cxn ang="T97">
-                <a:pos x="T34" y="T35"/>
-              </a:cxn>
-              <a:cxn ang="T98">
-                <a:pos x="T36" y="T37"/>
-              </a:cxn>
-              <a:cxn ang="T99">
-                <a:pos x="T38" y="T39"/>
-              </a:cxn>
-              <a:cxn ang="T100">
-                <a:pos x="T40" y="T41"/>
-              </a:cxn>
-              <a:cxn ang="T101">
-                <a:pos x="T42" y="T43"/>
-              </a:cxn>
-              <a:cxn ang="T102">
-                <a:pos x="T44" y="T45"/>
-              </a:cxn>
-              <a:cxn ang="T103">
-                <a:pos x="T46" y="T47"/>
-              </a:cxn>
-              <a:cxn ang="T104">
-                <a:pos x="T48" y="T49"/>
-              </a:cxn>
-              <a:cxn ang="T105">
-                <a:pos x="T50" y="T51"/>
-              </a:cxn>
-              <a:cxn ang="T106">
-                <a:pos x="T52" y="T53"/>
-              </a:cxn>
-              <a:cxn ang="T107">
-                <a:pos x="T54" y="T55"/>
-              </a:cxn>
-              <a:cxn ang="T108">
-                <a:pos x="T56" y="T57"/>
-              </a:cxn>
-              <a:cxn ang="T109">
-                <a:pos x="T58" y="T59"/>
-              </a:cxn>
-              <a:cxn ang="T110">
-                <a:pos x="T60" y="T61"/>
-              </a:cxn>
-              <a:cxn ang="T111">
-                <a:pos x="T62" y="T63"/>
-              </a:cxn>
-              <a:cxn ang="T112">
-                <a:pos x="T64" y="T65"/>
-              </a:cxn>
-              <a:cxn ang="T113">
-                <a:pos x="T66" y="T67"/>
-              </a:cxn>
-              <a:cxn ang="T114">
-                <a:pos x="T68" y="T69"/>
-              </a:cxn>
-              <a:cxn ang="T115">
-                <a:pos x="T70" y="T71"/>
-              </a:cxn>
-              <a:cxn ang="T116">
-                <a:pos x="T72" y="T73"/>
-              </a:cxn>
-              <a:cxn ang="T117">
-                <a:pos x="T74" y="T75"/>
-              </a:cxn>
-              <a:cxn ang="T118">
-                <a:pos x="T76" y="T77"/>
-              </a:cxn>
-              <a:cxn ang="T119">
-                <a:pos x="T78" y="T79"/>
-              </a:cxn>
-            </a:cxnLst>
-            <a:rect l="0" t="0" r="r" b="b"/>
-            <a:pathLst>
-              <a:path w="901340" h="674329">
-                <a:moveTo>
-                  <a:pt x="573956" y="561975"/>
-                </a:moveTo>
-                <a:lnTo>
-                  <a:pt x="901340" y="561975"/>
-                </a:lnTo>
-                <a:lnTo>
-                  <a:pt x="901340" y="674329"/>
-                </a:lnTo>
-                <a:lnTo>
-                  <a:pt x="468313" y="674329"/>
-                </a:lnTo>
-                <a:cubicBezTo>
-                  <a:pt x="511940" y="645613"/>
-                  <a:pt x="547996" y="607204"/>
-                  <a:pt x="573956" y="561975"/>
-                </a:cubicBezTo>
-                <a:close/>
-                <a:moveTo>
-                  <a:pt x="616811" y="420688"/>
-                </a:moveTo>
-                <a:lnTo>
-                  <a:pt x="842604" y="420688"/>
-                </a:lnTo>
-                <a:lnTo>
-                  <a:pt x="842604" y="533040"/>
-                </a:lnTo>
-                <a:lnTo>
-                  <a:pt x="587375" y="533040"/>
-                </a:lnTo>
-                <a:cubicBezTo>
-                  <a:pt x="603529" y="498470"/>
-                  <a:pt x="613580" y="460660"/>
-                  <a:pt x="616811" y="420688"/>
-                </a:cubicBezTo>
-                <a:close/>
-                <a:moveTo>
-                  <a:pt x="600075" y="280988"/>
-                </a:moveTo>
-                <a:lnTo>
-                  <a:pt x="901339" y="280988"/>
-                </a:lnTo>
-                <a:lnTo>
-                  <a:pt x="901339" y="393341"/>
-                </a:lnTo>
-                <a:lnTo>
-                  <a:pt x="619919" y="393341"/>
-                </a:lnTo>
-                <a:cubicBezTo>
-                  <a:pt x="619919" y="353856"/>
-                  <a:pt x="612703" y="316166"/>
-                  <a:pt x="600075" y="280988"/>
-                </a:cubicBezTo>
-                <a:close/>
-                <a:moveTo>
-                  <a:pt x="196799" y="280982"/>
-                </a:moveTo>
-                <a:lnTo>
-                  <a:pt x="196799" y="337072"/>
-                </a:lnTo>
-                <a:lnTo>
-                  <a:pt x="252925" y="337072"/>
-                </a:lnTo>
-                <a:lnTo>
-                  <a:pt x="252925" y="449611"/>
-                </a:lnTo>
-                <a:lnTo>
-                  <a:pt x="196799" y="449611"/>
-                </a:lnTo>
-                <a:lnTo>
-                  <a:pt x="196799" y="505700"/>
-                </a:lnTo>
-                <a:lnTo>
-                  <a:pt x="365176" y="505700"/>
-                </a:lnTo>
-                <a:lnTo>
-                  <a:pt x="365176" y="449611"/>
-                </a:lnTo>
-                <a:lnTo>
-                  <a:pt x="309051" y="449611"/>
-                </a:lnTo>
-                <a:lnTo>
-                  <a:pt x="309051" y="280982"/>
-                </a:lnTo>
-                <a:lnTo>
-                  <a:pt x="196799" y="280982"/>
-                </a:lnTo>
-                <a:close/>
-                <a:moveTo>
-                  <a:pt x="503238" y="139700"/>
-                </a:moveTo>
-                <a:lnTo>
-                  <a:pt x="787040" y="139700"/>
-                </a:lnTo>
-                <a:lnTo>
-                  <a:pt x="787040" y="252053"/>
-                </a:lnTo>
-                <a:lnTo>
-                  <a:pt x="587154" y="252053"/>
-                </a:lnTo>
-                <a:cubicBezTo>
-                  <a:pt x="567346" y="208840"/>
-                  <a:pt x="538894" y="170669"/>
-                  <a:pt x="503238" y="139700"/>
-                </a:cubicBezTo>
-                <a:close/>
-                <a:moveTo>
-                  <a:pt x="280988" y="112713"/>
-                </a:moveTo>
-                <a:cubicBezTo>
-                  <a:pt x="436053" y="112713"/>
-                  <a:pt x="561615" y="238555"/>
-                  <a:pt x="561615" y="393521"/>
-                </a:cubicBezTo>
-                <a:cubicBezTo>
-                  <a:pt x="561615" y="548487"/>
-                  <a:pt x="436053" y="674329"/>
-                  <a:pt x="280988" y="674329"/>
-                </a:cubicBezTo>
-                <a:cubicBezTo>
-                  <a:pt x="125923" y="674329"/>
-                  <a:pt x="0" y="548487"/>
-                  <a:pt x="0" y="393521"/>
-                </a:cubicBezTo>
-                <a:cubicBezTo>
-                  <a:pt x="0" y="238555"/>
-                  <a:pt x="125923" y="112713"/>
-                  <a:pt x="280988" y="112713"/>
-                </a:cubicBezTo>
-                <a:close/>
-                <a:moveTo>
-                  <a:pt x="282575" y="0"/>
-                </a:moveTo>
-                <a:lnTo>
-                  <a:pt x="844190" y="0"/>
-                </a:lnTo>
-                <a:lnTo>
-                  <a:pt x="844190" y="112353"/>
-                </a:lnTo>
-                <a:lnTo>
-                  <a:pt x="468221" y="112353"/>
-                </a:lnTo>
-                <a:cubicBezTo>
-                  <a:pt x="415694" y="76702"/>
-                  <a:pt x="351293" y="55816"/>
-                  <a:pt x="282575" y="55816"/>
-                </a:cubicBezTo>
-                <a:lnTo>
-                  <a:pt x="282575" y="0"/>
-                </a:lnTo>
-                <a:close/>
-              </a:path>
-            </a:pathLst>
-          </a:custGeom>
-          <a:solidFill>
-            <a:schemeClr val="bg1"/>
-          </a:solidFill>
-          <a:ln>
-            <a:noFill/>
-          </a:ln>
-          <a:effectLst/>
-        </p:spPr>
-        <p:txBody>
-          <a:bodyPr anchor="ctr"/>
-          <a:lstStyle/>
-          <a:p>
-            <a:pPr marL="0" marR="0" lvl="0" indent="0" algn="l" defTabSz="914400" rtl="0" eaLnBrk="1" fontAlgn="auto" latinLnBrk="0" hangingPunct="1">
-              <a:lnSpc>
-                <a:spcPct val="100000"/>
-              </a:lnSpc>
-              <a:spcBef>
-                <a:spcPts val="0"/>
-              </a:spcBef>
-              <a:spcAft>
-                <a:spcPts val="0"/>
-              </a:spcAft>
-              <a:buClrTx/>
-              <a:buSzTx/>
-              <a:buFontTx/>
-              <a:buNone/>
-              <a:tabLst/>
-              <a:defRPr/>
-            </a:pPr>
-            <a:endParaRPr kumimoji="0" lang="en-US" sz="1800" b="0" i="0" u="none" strike="noStrike" kern="1200" cap="none" spc="0" normalizeH="0" baseline="0" noProof="0" dirty="0">
-              <a:ln>
-                <a:noFill/>
-              </a:ln>
-              <a:solidFill>
-                <a:srgbClr val="B3B3B3"/>
-              </a:solidFill>
-              <a:effectLst/>
-              <a:uLnTx/>
-              <a:uFillTx/>
-              <a:latin typeface="Lato Light" panose="020F0502020204030203" pitchFamily="34" charset="0"/>
-              <a:ea typeface="+mn-ea"/>
-              <a:cs typeface="+mn-cs"/>
-            </a:endParaRPr>
-          </a:p>
-        </p:txBody>
-      </p:sp>
-      <p:sp>
-        <p:nvSpPr>
-          <p:cNvPr id="8" name="Freeform 41">
-            <a:extLst>
-              <a:ext uri="{FF2B5EF4-FFF2-40B4-BE49-F238E27FC236}">
-                <a16:creationId xmlns:a16="http://schemas.microsoft.com/office/drawing/2014/main" id="{C455932D-4A92-BD8F-D7A5-87C8E21AA152}"/>
-              </a:ext>
-            </a:extLst>
-          </p:cNvPr>
-          <p:cNvSpPr>
-            <a:spLocks noChangeArrowheads="1"/>
-          </p:cNvSpPr>
-          <p:nvPr/>
-        </p:nvSpPr>
-        <p:spPr bwMode="auto">
-          <a:xfrm>
-            <a:off x="1937336" y="4210681"/>
-            <a:ext cx="530456" cy="502168"/>
-          </a:xfrm>
-          <a:custGeom>
-            <a:avLst/>
-            <a:gdLst>
-              <a:gd name="T0" fmla="*/ 450379 w 2344"/>
-              <a:gd name="T1" fmla="*/ 478140 h 2500"/>
-              <a:gd name="T2" fmla="*/ 731775 w 2344"/>
-              <a:gd name="T3" fmla="*/ 421973 h 2500"/>
-              <a:gd name="T4" fmla="*/ 731775 w 2344"/>
-              <a:gd name="T5" fmla="*/ 703168 h 2500"/>
-              <a:gd name="T6" fmla="*/ 450379 w 2344"/>
-              <a:gd name="T7" fmla="*/ 646641 h 2500"/>
-              <a:gd name="T8" fmla="*/ 731775 w 2344"/>
-              <a:gd name="T9" fmla="*/ 703168 h 2500"/>
-              <a:gd name="T10" fmla="*/ 366068 w 2344"/>
-              <a:gd name="T11" fmla="*/ 365446 h 2500"/>
-              <a:gd name="T12" fmla="*/ 337964 w 2344"/>
-              <a:gd name="T13" fmla="*/ 337362 h 2500"/>
-              <a:gd name="T14" fmla="*/ 366068 w 2344"/>
-              <a:gd name="T15" fmla="*/ 309279 h 2500"/>
-              <a:gd name="T16" fmla="*/ 394171 w 2344"/>
-              <a:gd name="T17" fmla="*/ 337362 h 2500"/>
-              <a:gd name="T18" fmla="*/ 366068 w 2344"/>
-              <a:gd name="T19" fmla="*/ 478140 h 2500"/>
-              <a:gd name="T20" fmla="*/ 337964 w 2344"/>
-              <a:gd name="T21" fmla="*/ 449696 h 2500"/>
-              <a:gd name="T22" fmla="*/ 366068 w 2344"/>
-              <a:gd name="T23" fmla="*/ 421973 h 2500"/>
-              <a:gd name="T24" fmla="*/ 394171 w 2344"/>
-              <a:gd name="T25" fmla="*/ 449696 h 2500"/>
-              <a:gd name="T26" fmla="*/ 366068 w 2344"/>
-              <a:gd name="T27" fmla="*/ 478140 h 2500"/>
-              <a:gd name="T28" fmla="*/ 366068 w 2344"/>
-              <a:gd name="T29" fmla="*/ 590474 h 2500"/>
-              <a:gd name="T30" fmla="*/ 337964 w 2344"/>
-              <a:gd name="T31" fmla="*/ 562391 h 2500"/>
-              <a:gd name="T32" fmla="*/ 366068 w 2344"/>
-              <a:gd name="T33" fmla="*/ 534307 h 2500"/>
-              <a:gd name="T34" fmla="*/ 394171 w 2344"/>
-              <a:gd name="T35" fmla="*/ 562391 h 2500"/>
-              <a:gd name="T36" fmla="*/ 366068 w 2344"/>
-              <a:gd name="T37" fmla="*/ 703168 h 2500"/>
-              <a:gd name="T38" fmla="*/ 337964 w 2344"/>
-              <a:gd name="T39" fmla="*/ 674725 h 2500"/>
-              <a:gd name="T40" fmla="*/ 366068 w 2344"/>
-              <a:gd name="T41" fmla="*/ 646641 h 2500"/>
-              <a:gd name="T42" fmla="*/ 394171 w 2344"/>
-              <a:gd name="T43" fmla="*/ 674725 h 2500"/>
-              <a:gd name="T44" fmla="*/ 366068 w 2344"/>
-              <a:gd name="T45" fmla="*/ 703168 h 2500"/>
-              <a:gd name="T46" fmla="*/ 619000 w 2344"/>
-              <a:gd name="T47" fmla="*/ 534307 h 2500"/>
-              <a:gd name="T48" fmla="*/ 450379 w 2344"/>
-              <a:gd name="T49" fmla="*/ 590474 h 2500"/>
-              <a:gd name="T50" fmla="*/ 450379 w 2344"/>
-              <a:gd name="T51" fmla="*/ 309279 h 2500"/>
-              <a:gd name="T52" fmla="*/ 703311 w 2344"/>
-              <a:gd name="T53" fmla="*/ 365446 h 2500"/>
-              <a:gd name="T54" fmla="*/ 450379 w 2344"/>
-              <a:gd name="T55" fmla="*/ 309279 h 2500"/>
-              <a:gd name="T56" fmla="*/ 647104 w 2344"/>
-              <a:gd name="T57" fmla="*/ 140418 h 2500"/>
-              <a:gd name="T58" fmla="*/ 450379 w 2344"/>
-              <a:gd name="T59" fmla="*/ 196585 h 2500"/>
-              <a:gd name="T60" fmla="*/ 225189 w 2344"/>
-              <a:gd name="T61" fmla="*/ 815502 h 2500"/>
-              <a:gd name="T62" fmla="*/ 197086 w 2344"/>
-              <a:gd name="T63" fmla="*/ 843586 h 2500"/>
-              <a:gd name="T64" fmla="*/ 168982 w 2344"/>
-              <a:gd name="T65" fmla="*/ 815502 h 2500"/>
-              <a:gd name="T66" fmla="*/ 168982 w 2344"/>
-              <a:gd name="T67" fmla="*/ 309279 h 2500"/>
-              <a:gd name="T68" fmla="*/ 225189 w 2344"/>
-              <a:gd name="T69" fmla="*/ 281195 h 2500"/>
-              <a:gd name="T70" fmla="*/ 112775 w 2344"/>
-              <a:gd name="T71" fmla="*/ 590474 h 2500"/>
-              <a:gd name="T72" fmla="*/ 56568 w 2344"/>
-              <a:gd name="T73" fmla="*/ 309279 h 2500"/>
-              <a:gd name="T74" fmla="*/ 84311 w 2344"/>
-              <a:gd name="T75" fmla="*/ 281195 h 2500"/>
-              <a:gd name="T76" fmla="*/ 112775 w 2344"/>
-              <a:gd name="T77" fmla="*/ 309279 h 2500"/>
-              <a:gd name="T78" fmla="*/ 225189 w 2344"/>
-              <a:gd name="T79" fmla="*/ 0 h 2500"/>
-              <a:gd name="T80" fmla="*/ 84311 w 2344"/>
-              <a:gd name="T81" fmla="*/ 225028 h 2500"/>
-              <a:gd name="T82" fmla="*/ 0 w 2344"/>
-              <a:gd name="T83" fmla="*/ 309279 h 2500"/>
-              <a:gd name="T84" fmla="*/ 112775 w 2344"/>
-              <a:gd name="T85" fmla="*/ 646641 h 2500"/>
-              <a:gd name="T86" fmla="*/ 112775 w 2344"/>
-              <a:gd name="T87" fmla="*/ 815502 h 2500"/>
-              <a:gd name="T88" fmla="*/ 759879 w 2344"/>
-              <a:gd name="T89" fmla="*/ 899753 h 2500"/>
-              <a:gd name="T90" fmla="*/ 844190 w 2344"/>
-              <a:gd name="T91" fmla="*/ 815502 h 2500"/>
-              <a:gd name="T92" fmla="*/ 225189 w 2344"/>
-              <a:gd name="T93" fmla="*/ 0 h 2500"/>
-              <a:gd name="T94" fmla="*/ 0 60000 65536"/>
-              <a:gd name="T95" fmla="*/ 0 60000 65536"/>
-              <a:gd name="T96" fmla="*/ 0 60000 65536"/>
-              <a:gd name="T97" fmla="*/ 0 60000 65536"/>
-              <a:gd name="T98" fmla="*/ 0 60000 65536"/>
-              <a:gd name="T99" fmla="*/ 0 60000 65536"/>
-              <a:gd name="T100" fmla="*/ 0 60000 65536"/>
-              <a:gd name="T101" fmla="*/ 0 60000 65536"/>
-              <a:gd name="T102" fmla="*/ 0 60000 65536"/>
-              <a:gd name="T103" fmla="*/ 0 60000 65536"/>
-              <a:gd name="T104" fmla="*/ 0 60000 65536"/>
-              <a:gd name="T105" fmla="*/ 0 60000 65536"/>
-              <a:gd name="T106" fmla="*/ 0 60000 65536"/>
-              <a:gd name="T107" fmla="*/ 0 60000 65536"/>
-              <a:gd name="T108" fmla="*/ 0 60000 65536"/>
-              <a:gd name="T109" fmla="*/ 0 60000 65536"/>
-              <a:gd name="T110" fmla="*/ 0 60000 65536"/>
-              <a:gd name="T111" fmla="*/ 0 60000 65536"/>
-              <a:gd name="T112" fmla="*/ 0 60000 65536"/>
-              <a:gd name="T113" fmla="*/ 0 60000 65536"/>
-              <a:gd name="T114" fmla="*/ 0 60000 65536"/>
-              <a:gd name="T115" fmla="*/ 0 60000 65536"/>
-              <a:gd name="T116" fmla="*/ 0 60000 65536"/>
-              <a:gd name="T117" fmla="*/ 0 60000 65536"/>
-              <a:gd name="T118" fmla="*/ 0 60000 65536"/>
-              <a:gd name="T119" fmla="*/ 0 60000 65536"/>
-              <a:gd name="T120" fmla="*/ 0 60000 65536"/>
-              <a:gd name="T121" fmla="*/ 0 60000 65536"/>
-              <a:gd name="T122" fmla="*/ 0 60000 65536"/>
-              <a:gd name="T123" fmla="*/ 0 60000 65536"/>
-              <a:gd name="T124" fmla="*/ 0 60000 65536"/>
-              <a:gd name="T125" fmla="*/ 0 60000 65536"/>
-              <a:gd name="T126" fmla="*/ 0 60000 65536"/>
-              <a:gd name="T127" fmla="*/ 0 60000 65536"/>
-              <a:gd name="T128" fmla="*/ 0 60000 65536"/>
-              <a:gd name="T129" fmla="*/ 0 60000 65536"/>
-              <a:gd name="T130" fmla="*/ 0 60000 65536"/>
-              <a:gd name="T131" fmla="*/ 0 60000 65536"/>
-              <a:gd name="T132" fmla="*/ 0 60000 65536"/>
-              <a:gd name="T133" fmla="*/ 0 60000 65536"/>
-              <a:gd name="T134" fmla="*/ 0 60000 65536"/>
-              <a:gd name="T135" fmla="*/ 0 60000 65536"/>
-              <a:gd name="T136" fmla="*/ 0 60000 65536"/>
-              <a:gd name="T137" fmla="*/ 0 60000 65536"/>
-              <a:gd name="T138" fmla="*/ 0 60000 65536"/>
-              <a:gd name="T139" fmla="*/ 0 60000 65536"/>
-              <a:gd name="T140" fmla="*/ 0 60000 65536"/>
-            </a:gdLst>
-            <a:ahLst/>
-            <a:cxnLst>
-              <a:cxn ang="T94">
-                <a:pos x="T0" y="T1"/>
-              </a:cxn>
-              <a:cxn ang="T95">
-                <a:pos x="T2" y="T3"/>
-              </a:cxn>
-              <a:cxn ang="T96">
-                <a:pos x="T4" y="T5"/>
-              </a:cxn>
-              <a:cxn ang="T97">
-                <a:pos x="T6" y="T7"/>
-              </a:cxn>
-              <a:cxn ang="T98">
-                <a:pos x="T8" y="T9"/>
-              </a:cxn>
-              <a:cxn ang="T99">
-                <a:pos x="T10" y="T11"/>
-              </a:cxn>
-              <a:cxn ang="T100">
-                <a:pos x="T12" y="T13"/>
-              </a:cxn>
-              <a:cxn ang="T101">
-                <a:pos x="T14" y="T15"/>
-              </a:cxn>
-              <a:cxn ang="T102">
-                <a:pos x="T16" y="T17"/>
-              </a:cxn>
-              <a:cxn ang="T103">
-                <a:pos x="T18" y="T19"/>
-              </a:cxn>
-              <a:cxn ang="T104">
-                <a:pos x="T20" y="T21"/>
-              </a:cxn>
-              <a:cxn ang="T105">
-                <a:pos x="T22" y="T23"/>
-              </a:cxn>
-              <a:cxn ang="T106">
-                <a:pos x="T24" y="T25"/>
-              </a:cxn>
-              <a:cxn ang="T107">
-                <a:pos x="T26" y="T27"/>
-              </a:cxn>
-              <a:cxn ang="T108">
-                <a:pos x="T28" y="T29"/>
-              </a:cxn>
-              <a:cxn ang="T109">
-                <a:pos x="T30" y="T31"/>
-              </a:cxn>
-              <a:cxn ang="T110">
-                <a:pos x="T32" y="T33"/>
-              </a:cxn>
-              <a:cxn ang="T111">
-                <a:pos x="T34" y="T35"/>
-              </a:cxn>
-              <a:cxn ang="T112">
-                <a:pos x="T36" y="T37"/>
-              </a:cxn>
-              <a:cxn ang="T113">
-                <a:pos x="T38" y="T39"/>
-              </a:cxn>
-              <a:cxn ang="T114">
-                <a:pos x="T40" y="T41"/>
-              </a:cxn>
-              <a:cxn ang="T115">
-                <a:pos x="T42" y="T43"/>
-              </a:cxn>
-              <a:cxn ang="T116">
-                <a:pos x="T44" y="T45"/>
-              </a:cxn>
-              <a:cxn ang="T117">
-                <a:pos x="T46" y="T47"/>
-              </a:cxn>
-              <a:cxn ang="T118">
-                <a:pos x="T48" y="T49"/>
-              </a:cxn>
-              <a:cxn ang="T119">
-                <a:pos x="T50" y="T51"/>
-              </a:cxn>
-              <a:cxn ang="T120">
-                <a:pos x="T52" y="T53"/>
-              </a:cxn>
-              <a:cxn ang="T121">
-                <a:pos x="T54" y="T55"/>
-              </a:cxn>
-              <a:cxn ang="T122">
-                <a:pos x="T56" y="T57"/>
-              </a:cxn>
-              <a:cxn ang="T123">
-                <a:pos x="T58" y="T59"/>
-              </a:cxn>
-              <a:cxn ang="T124">
-                <a:pos x="T60" y="T61"/>
-              </a:cxn>
-              <a:cxn ang="T125">
-                <a:pos x="T62" y="T63"/>
-              </a:cxn>
-              <a:cxn ang="T126">
-                <a:pos x="T64" y="T65"/>
-              </a:cxn>
-              <a:cxn ang="T127">
-                <a:pos x="T66" y="T67"/>
-              </a:cxn>
-              <a:cxn ang="T128">
-                <a:pos x="T68" y="T69"/>
-              </a:cxn>
-              <a:cxn ang="T129">
-                <a:pos x="T70" y="T71"/>
-              </a:cxn>
-              <a:cxn ang="T130">
-                <a:pos x="T72" y="T73"/>
-              </a:cxn>
-              <a:cxn ang="T131">
-                <a:pos x="T74" y="T75"/>
-              </a:cxn>
-              <a:cxn ang="T132">
-                <a:pos x="T76" y="T77"/>
-              </a:cxn>
-              <a:cxn ang="T133">
-                <a:pos x="T78" y="T79"/>
-              </a:cxn>
-              <a:cxn ang="T134">
-                <a:pos x="T80" y="T81"/>
-              </a:cxn>
-              <a:cxn ang="T135">
-                <a:pos x="T82" y="T83"/>
-              </a:cxn>
-              <a:cxn ang="T136">
-                <a:pos x="T84" y="T85"/>
-              </a:cxn>
-              <a:cxn ang="T137">
-                <a:pos x="T86" y="T87"/>
-              </a:cxn>
-              <a:cxn ang="T138">
-                <a:pos x="T88" y="T89"/>
-              </a:cxn>
-              <a:cxn ang="T139">
-                <a:pos x="T90" y="T91"/>
-              </a:cxn>
-              <a:cxn ang="T140">
-                <a:pos x="T92" y="T93"/>
-              </a:cxn>
-            </a:cxnLst>
-            <a:rect l="0" t="0" r="r" b="b"/>
-            <a:pathLst>
-              <a:path w="2344" h="2500">
-                <a:moveTo>
-                  <a:pt x="2031" y="1328"/>
-                </a:moveTo>
-                <a:lnTo>
-                  <a:pt x="1250" y="1328"/>
-                </a:lnTo>
-                <a:lnTo>
-                  <a:pt x="1250" y="1172"/>
-                </a:lnTo>
-                <a:lnTo>
-                  <a:pt x="2031" y="1172"/>
-                </a:lnTo>
-                <a:lnTo>
-                  <a:pt x="2031" y="1328"/>
-                </a:lnTo>
-                <a:close/>
-                <a:moveTo>
-                  <a:pt x="2031" y="1953"/>
-                </a:moveTo>
-                <a:lnTo>
-                  <a:pt x="1250" y="1953"/>
-                </a:lnTo>
-                <a:lnTo>
-                  <a:pt x="1250" y="1796"/>
-                </a:lnTo>
-                <a:lnTo>
-                  <a:pt x="2031" y="1796"/>
-                </a:lnTo>
-                <a:lnTo>
-                  <a:pt x="2031" y="1953"/>
-                </a:lnTo>
-                <a:close/>
-                <a:moveTo>
-                  <a:pt x="1016" y="1015"/>
-                </a:moveTo>
-                <a:lnTo>
-                  <a:pt x="1016" y="1015"/>
-                </a:lnTo>
-                <a:cubicBezTo>
-                  <a:pt x="972" y="1015"/>
-                  <a:pt x="938" y="980"/>
-                  <a:pt x="938" y="937"/>
-                </a:cubicBezTo>
-                <a:cubicBezTo>
-                  <a:pt x="938" y="893"/>
-                  <a:pt x="972" y="859"/>
-                  <a:pt x="1016" y="859"/>
-                </a:cubicBezTo>
-                <a:cubicBezTo>
-                  <a:pt x="1059" y="859"/>
-                  <a:pt x="1094" y="893"/>
-                  <a:pt x="1094" y="937"/>
-                </a:cubicBezTo>
-                <a:cubicBezTo>
-                  <a:pt x="1094" y="980"/>
-                  <a:pt x="1059" y="1015"/>
-                  <a:pt x="1016" y="1015"/>
-                </a:cubicBezTo>
-                <a:close/>
-                <a:moveTo>
-                  <a:pt x="1016" y="1328"/>
-                </a:moveTo>
-                <a:lnTo>
-                  <a:pt x="1016" y="1328"/>
-                </a:lnTo>
-                <a:cubicBezTo>
-                  <a:pt x="972" y="1328"/>
-                  <a:pt x="938" y="1293"/>
-                  <a:pt x="938" y="1249"/>
-                </a:cubicBezTo>
-                <a:cubicBezTo>
-                  <a:pt x="938" y="1206"/>
-                  <a:pt x="972" y="1172"/>
-                  <a:pt x="1016" y="1172"/>
-                </a:cubicBezTo>
-                <a:cubicBezTo>
-                  <a:pt x="1059" y="1172"/>
-                  <a:pt x="1094" y="1206"/>
-                  <a:pt x="1094" y="1249"/>
-                </a:cubicBezTo>
-                <a:cubicBezTo>
-                  <a:pt x="1094" y="1293"/>
-                  <a:pt x="1059" y="1328"/>
-                  <a:pt x="1016" y="1328"/>
-                </a:cubicBezTo>
-                <a:close/>
-                <a:moveTo>
-                  <a:pt x="1016" y="1640"/>
-                </a:moveTo>
-                <a:lnTo>
-                  <a:pt x="1016" y="1640"/>
-                </a:lnTo>
-                <a:cubicBezTo>
-                  <a:pt x="972" y="1640"/>
-                  <a:pt x="938" y="1605"/>
-                  <a:pt x="938" y="1562"/>
-                </a:cubicBezTo>
-                <a:cubicBezTo>
-                  <a:pt x="938" y="1519"/>
-                  <a:pt x="972" y="1484"/>
-                  <a:pt x="1016" y="1484"/>
-                </a:cubicBezTo>
-                <a:cubicBezTo>
-                  <a:pt x="1059" y="1484"/>
-                  <a:pt x="1094" y="1519"/>
-                  <a:pt x="1094" y="1562"/>
-                </a:cubicBezTo>
-                <a:cubicBezTo>
-                  <a:pt x="1094" y="1605"/>
-                  <a:pt x="1059" y="1640"/>
-                  <a:pt x="1016" y="1640"/>
-                </a:cubicBezTo>
-                <a:close/>
-                <a:moveTo>
-                  <a:pt x="1016" y="1953"/>
-                </a:moveTo>
-                <a:lnTo>
-                  <a:pt x="1016" y="1953"/>
-                </a:lnTo>
-                <a:cubicBezTo>
-                  <a:pt x="972" y="1953"/>
-                  <a:pt x="938" y="1917"/>
-                  <a:pt x="938" y="1874"/>
-                </a:cubicBezTo>
-                <a:cubicBezTo>
-                  <a:pt x="938" y="1831"/>
-                  <a:pt x="972" y="1796"/>
-                  <a:pt x="1016" y="1796"/>
-                </a:cubicBezTo>
-                <a:cubicBezTo>
-                  <a:pt x="1059" y="1796"/>
-                  <a:pt x="1094" y="1831"/>
-                  <a:pt x="1094" y="1874"/>
-                </a:cubicBezTo>
-                <a:cubicBezTo>
-                  <a:pt x="1094" y="1917"/>
-                  <a:pt x="1059" y="1953"/>
-                  <a:pt x="1016" y="1953"/>
-                </a:cubicBezTo>
-                <a:close/>
-                <a:moveTo>
-                  <a:pt x="1250" y="1484"/>
-                </a:moveTo>
-                <a:lnTo>
-                  <a:pt x="1718" y="1484"/>
-                </a:lnTo>
-                <a:lnTo>
-                  <a:pt x="1718" y="1640"/>
-                </a:lnTo>
-                <a:lnTo>
-                  <a:pt x="1250" y="1640"/>
-                </a:lnTo>
-                <a:lnTo>
-                  <a:pt x="1250" y="1484"/>
-                </a:lnTo>
-                <a:close/>
-                <a:moveTo>
-                  <a:pt x="1250" y="859"/>
-                </a:moveTo>
-                <a:lnTo>
-                  <a:pt x="1952" y="859"/>
-                </a:lnTo>
-                <a:lnTo>
-                  <a:pt x="1952" y="1015"/>
-                </a:lnTo>
-                <a:lnTo>
-                  <a:pt x="1250" y="1015"/>
-                </a:lnTo>
-                <a:lnTo>
-                  <a:pt x="1250" y="859"/>
-                </a:lnTo>
-                <a:close/>
-                <a:moveTo>
-                  <a:pt x="1250" y="390"/>
-                </a:moveTo>
-                <a:lnTo>
-                  <a:pt x="1796" y="390"/>
-                </a:lnTo>
-                <a:lnTo>
-                  <a:pt x="1796" y="546"/>
-                </a:lnTo>
-                <a:lnTo>
-                  <a:pt x="1250" y="546"/>
-                </a:lnTo>
-                <a:lnTo>
-                  <a:pt x="1250" y="390"/>
-                </a:lnTo>
-                <a:close/>
-                <a:moveTo>
-                  <a:pt x="625" y="2265"/>
-                </a:moveTo>
-                <a:lnTo>
-                  <a:pt x="625" y="2265"/>
-                </a:lnTo>
-                <a:cubicBezTo>
-                  <a:pt x="625" y="2308"/>
-                  <a:pt x="590" y="2343"/>
-                  <a:pt x="547" y="2343"/>
-                </a:cubicBezTo>
-                <a:cubicBezTo>
-                  <a:pt x="504" y="2343"/>
-                  <a:pt x="469" y="2308"/>
-                  <a:pt x="469" y="2265"/>
-                </a:cubicBezTo>
-                <a:lnTo>
-                  <a:pt x="469" y="859"/>
-                </a:lnTo>
-                <a:cubicBezTo>
-                  <a:pt x="469" y="831"/>
-                  <a:pt x="463" y="806"/>
-                  <a:pt x="454" y="781"/>
-                </a:cubicBezTo>
-                <a:lnTo>
-                  <a:pt x="625" y="781"/>
-                </a:lnTo>
-                <a:lnTo>
-                  <a:pt x="625" y="2265"/>
-                </a:lnTo>
-                <a:close/>
-                <a:moveTo>
-                  <a:pt x="313" y="1640"/>
-                </a:moveTo>
-                <a:lnTo>
-                  <a:pt x="157" y="1640"/>
-                </a:lnTo>
-                <a:lnTo>
-                  <a:pt x="157" y="859"/>
-                </a:lnTo>
-                <a:cubicBezTo>
-                  <a:pt x="157" y="816"/>
-                  <a:pt x="191" y="781"/>
-                  <a:pt x="234" y="781"/>
-                </a:cubicBezTo>
-                <a:cubicBezTo>
-                  <a:pt x="277" y="781"/>
-                  <a:pt x="313" y="816"/>
-                  <a:pt x="313" y="859"/>
-                </a:cubicBezTo>
-                <a:lnTo>
-                  <a:pt x="313" y="1640"/>
-                </a:lnTo>
-                <a:close/>
-                <a:moveTo>
-                  <a:pt x="625" y="0"/>
-                </a:moveTo>
-                <a:lnTo>
-                  <a:pt x="625" y="625"/>
-                </a:lnTo>
-                <a:lnTo>
-                  <a:pt x="234" y="625"/>
-                </a:lnTo>
-                <a:cubicBezTo>
-                  <a:pt x="105" y="625"/>
-                  <a:pt x="0" y="730"/>
-                  <a:pt x="0" y="859"/>
-                </a:cubicBezTo>
-                <a:lnTo>
-                  <a:pt x="0" y="1796"/>
-                </a:lnTo>
-                <a:lnTo>
-                  <a:pt x="313" y="1796"/>
-                </a:lnTo>
-                <a:lnTo>
-                  <a:pt x="313" y="2265"/>
-                </a:lnTo>
-                <a:cubicBezTo>
-                  <a:pt x="313" y="2394"/>
-                  <a:pt x="418" y="2499"/>
-                  <a:pt x="547" y="2499"/>
-                </a:cubicBezTo>
-                <a:lnTo>
-                  <a:pt x="2109" y="2499"/>
-                </a:lnTo>
-                <a:cubicBezTo>
-                  <a:pt x="2238" y="2499"/>
-                  <a:pt x="2343" y="2394"/>
-                  <a:pt x="2343" y="2265"/>
-                </a:cubicBezTo>
-                <a:lnTo>
-                  <a:pt x="2343" y="0"/>
-                </a:lnTo>
-                <a:lnTo>
-                  <a:pt x="625" y="0"/>
-                </a:lnTo>
-                <a:close/>
-              </a:path>
-            </a:pathLst>
-          </a:custGeom>
-          <a:solidFill>
-            <a:schemeClr val="bg1"/>
-          </a:solidFill>
-          <a:ln>
-            <a:noFill/>
-          </a:ln>
-          <a:effectLst/>
-        </p:spPr>
-        <p:txBody>
-          <a:bodyPr wrap="none" anchor="ctr"/>
-          <a:lstStyle/>
-          <a:p>
-            <a:pPr marL="0" marR="0" lvl="0" indent="0" algn="l" defTabSz="914400" rtl="0" eaLnBrk="1" fontAlgn="auto" latinLnBrk="0" hangingPunct="1">
-              <a:lnSpc>
-                <a:spcPct val="100000"/>
-              </a:lnSpc>
-              <a:spcBef>
-                <a:spcPts val="0"/>
-              </a:spcBef>
-              <a:spcAft>
-                <a:spcPts val="0"/>
-              </a:spcAft>
-              <a:buClrTx/>
-              <a:buSzTx/>
-              <a:buFontTx/>
-              <a:buNone/>
-              <a:tabLst/>
-              <a:defRPr/>
-            </a:pPr>
-            <a:endParaRPr kumimoji="0" lang="en-US" sz="1800" b="0" i="0" u="none" strike="noStrike" kern="1200" cap="none" spc="0" normalizeH="0" baseline="0" noProof="0" dirty="0">
-              <a:ln>
-                <a:noFill/>
-              </a:ln>
-              <a:solidFill>
-                <a:srgbClr val="B3B3B3"/>
-              </a:solidFill>
-              <a:effectLst/>
-              <a:uLnTx/>
-              <a:uFillTx/>
-              <a:latin typeface="Lato Light" panose="020F0502020204030203" pitchFamily="34" charset="0"/>
-              <a:ea typeface="+mn-ea"/>
-              <a:cs typeface="+mn-cs"/>
-            </a:endParaRPr>
-          </a:p>
-        </p:txBody>
-      </p:sp>
-      <p:sp>
-        <p:nvSpPr>
-          <p:cNvPr id="9" name="TextBox 8">
-            <a:extLst>
-              <a:ext uri="{FF2B5EF4-FFF2-40B4-BE49-F238E27FC236}">
-                <a16:creationId xmlns:a16="http://schemas.microsoft.com/office/drawing/2014/main" id="{DE6DC9AC-22F1-058F-8EDD-13726CA8A6B8}"/>
-              </a:ext>
-            </a:extLst>
-          </p:cNvPr>
-          <p:cNvSpPr txBox="1"/>
-          <p:nvPr/>
-        </p:nvSpPr>
-        <p:spPr>
-          <a:xfrm>
-            <a:off x="8296946" y="2915382"/>
-            <a:ext cx="2346251" cy="784830"/>
-          </a:xfrm>
-          <a:prstGeom prst="rect">
-            <a:avLst/>
-          </a:prstGeom>
-          <a:noFill/>
-        </p:spPr>
-        <p:txBody>
-          <a:bodyPr wrap="square" rtlCol="0" anchor="ctr">
-            <a:spAutoFit/>
-          </a:bodyPr>
-          <a:lstStyle>
-            <a:defPPr>
-              <a:defRPr lang="en-US"/>
-            </a:defPPr>
-            <a:lvl1pPr algn="just" defTabSz="914217">
-              <a:lnSpc>
-                <a:spcPts val="1750"/>
-              </a:lnSpc>
-              <a:defRPr sz="1400">
-                <a:solidFill>
-                  <a:srgbClr val="000000"/>
-                </a:solidFill>
-                <a:latin typeface="Trebuchet MS" panose="020B0603020202020204" pitchFamily="34" charset="0"/>
-                <a:ea typeface="Lato Light" panose="020F0502020204030203" pitchFamily="34" charset="0"/>
-                <a:cs typeface="Lato Light" panose="020F0502020204030203" pitchFamily="34" charset="0"/>
-              </a:defRPr>
-            </a:lvl1pPr>
-          </a:lstStyle>
-          <a:p>
-            <a:pPr marL="0" marR="0" lvl="0" indent="0" algn="just" defTabSz="914217" rtl="0" eaLnBrk="1" fontAlgn="auto" latinLnBrk="0" hangingPunct="1">
-              <a:lnSpc>
-                <a:spcPts val="1750"/>
-              </a:lnSpc>
-              <a:spcBef>
-                <a:spcPts val="0"/>
-              </a:spcBef>
-              <a:spcAft>
-                <a:spcPts val="0"/>
-              </a:spcAft>
-              <a:buClrTx/>
-              <a:buSzTx/>
-              <a:buFontTx/>
-              <a:buNone/>
-              <a:tabLst/>
-              <a:defRPr/>
-            </a:pPr>
-            <a:r>
-              <a:rPr kumimoji="0" lang="en-US" sz="1600" b="0" i="0" u="none" strike="noStrike" kern="1200" cap="none" spc="0" normalizeH="0" baseline="0" noProof="0" dirty="0">
-                <a:ln>
-                  <a:noFill/>
-                </a:ln>
-                <a:solidFill>
-                  <a:srgbClr val="000000"/>
-                </a:solidFill>
-                <a:effectLst/>
-                <a:uLnTx/>
-                <a:uFillTx/>
-                <a:latin typeface="Trebuchet MS" panose="020B0603020202020204" pitchFamily="34" charset="0"/>
-                <a:ea typeface="Lato Light" panose="020F0502020204030203" pitchFamily="34" charset="0"/>
-                <a:cs typeface="Lato Light" panose="020F0502020204030203" pitchFamily="34" charset="0"/>
-              </a:rPr>
-              <a:t>Train Data 300K</a:t>
-            </a:r>
-          </a:p>
-          <a:p>
-            <a:pPr marL="0" marR="0" lvl="0" indent="0" algn="just" defTabSz="914217" rtl="0" eaLnBrk="1" fontAlgn="auto" latinLnBrk="0" hangingPunct="1">
-              <a:lnSpc>
-                <a:spcPts val="1750"/>
-              </a:lnSpc>
-              <a:spcBef>
-                <a:spcPts val="0"/>
-              </a:spcBef>
-              <a:spcAft>
-                <a:spcPts val="0"/>
-              </a:spcAft>
-              <a:buClrTx/>
-              <a:buSzTx/>
-              <a:buFontTx/>
-              <a:buNone/>
-              <a:tabLst/>
-              <a:defRPr/>
-            </a:pPr>
-            <a:r>
-              <a:rPr kumimoji="0" lang="en-US" sz="1600" b="0" i="0" u="none" strike="noStrike" kern="1200" cap="none" spc="0" normalizeH="0" baseline="0" noProof="0" dirty="0">
-                <a:ln>
-                  <a:noFill/>
-                </a:ln>
-                <a:solidFill>
-                  <a:srgbClr val="000000"/>
-                </a:solidFill>
-                <a:effectLst/>
-                <a:uLnTx/>
-                <a:uFillTx/>
-                <a:latin typeface="Trebuchet MS" panose="020B0603020202020204" pitchFamily="34" charset="0"/>
-                <a:ea typeface="Lato Light" panose="020F0502020204030203" pitchFamily="34" charset="0"/>
-                <a:cs typeface="Lato Light" panose="020F0502020204030203" pitchFamily="34" charset="0"/>
-              </a:rPr>
-              <a:t>Test Data   125K</a:t>
-            </a:r>
-          </a:p>
-          <a:p>
-            <a:pPr marL="0" marR="0" lvl="0" indent="0" algn="just" defTabSz="914217" rtl="0" eaLnBrk="1" fontAlgn="auto" latinLnBrk="0" hangingPunct="1">
-              <a:lnSpc>
-                <a:spcPts val="1750"/>
-              </a:lnSpc>
-              <a:spcBef>
-                <a:spcPts val="0"/>
-              </a:spcBef>
-              <a:spcAft>
-                <a:spcPts val="0"/>
-              </a:spcAft>
-              <a:buClrTx/>
-              <a:buSzTx/>
-              <a:buFontTx/>
-              <a:buNone/>
-              <a:tabLst/>
-              <a:defRPr/>
-            </a:pPr>
-            <a:r>
-              <a:rPr kumimoji="0" lang="en-US" sz="1600" b="0" i="0" u="none" strike="noStrike" kern="1200" cap="none" spc="0" normalizeH="0" baseline="0" noProof="0" dirty="0">
-                <a:ln>
-                  <a:noFill/>
-                </a:ln>
-                <a:solidFill>
-                  <a:srgbClr val="000000"/>
-                </a:solidFill>
-                <a:effectLst/>
-                <a:uLnTx/>
-                <a:uFillTx/>
-                <a:latin typeface="Trebuchet MS" panose="020B0603020202020204" pitchFamily="34" charset="0"/>
-                <a:ea typeface="Lato Light" panose="020F0502020204030203" pitchFamily="34" charset="0"/>
-                <a:cs typeface="Lato Light" panose="020F0502020204030203" pitchFamily="34" charset="0"/>
-              </a:rPr>
-              <a:t>Validation Data  75K</a:t>
-            </a:r>
-          </a:p>
-        </p:txBody>
-      </p:sp>
-    </p:spTree>
-    <p:extLst>
-      <p:ext uri="{BB962C8B-B14F-4D97-AF65-F5344CB8AC3E}">
-        <p14:creationId xmlns:p14="http://schemas.microsoft.com/office/powerpoint/2010/main" val="1096644411"/>
-      </p:ext>
-    </p:extLst>
-  </p:cSld>
-  <p:clrMapOvr>
-    <a:masterClrMapping/>
-  </p:clrMapOvr>
-</p:sld>
-</file>
-
 <file path=ppt/slides/slide6.xml><?xml version="1.0" encoding="utf-8"?>
 <p:sld xmlns:a="http://schemas.openxmlformats.org/drawingml/2006/main" xmlns:r="http://schemas.openxmlformats.org/officeDocument/2006/relationships" xmlns:p="http://schemas.openxmlformats.org/presentationml/2006/main">
   <p:cSld>
@@ -20105,7 +20412,7 @@
           <p:nvPr>
             <p:extLst>
               <p:ext uri="{D42A27DB-BD31-4B8C-83A1-F6EECF244321}">
-                <p14:modId xmlns:p14="http://schemas.microsoft.com/office/powerpoint/2010/main" val="2126449616"/>
+                <p14:modId xmlns:p14="http://schemas.microsoft.com/office/powerpoint/2010/main" val="133862793"/>
               </p:ext>
             </p:extLst>
           </p:nvPr>
@@ -25421,7 +25728,7 @@
                     <a:p>
                       <a:pPr algn="ctr" fontAlgn="b"/>
                       <a:r>
-                        <a:rPr lang="en-GB" sz="1400" b="0" u="none" strike="noStrike">
+                        <a:rPr lang="en-GB" sz="1600" b="1" u="none" strike="noStrike" dirty="0">
                           <a:solidFill>
                             <a:srgbClr val="00B050"/>
                           </a:solidFill>
@@ -25430,7 +25737,7 @@
                         </a:rPr>
                         <a:t>0.822</a:t>
                       </a:r>
-                      <a:endParaRPr lang="en-GB" sz="1400" b="0" i="0" u="none" strike="noStrike" dirty="0">
+                      <a:endParaRPr lang="en-GB" sz="1600" b="1" i="0" u="none" strike="noStrike" dirty="0">
                         <a:solidFill>
                           <a:srgbClr val="00B050"/>
                         </a:solidFill>
@@ -25559,7 +25866,7 @@
                     <a:p>
                       <a:pPr algn="ctr" fontAlgn="b"/>
                       <a:r>
-                        <a:rPr lang="en-GB" sz="1400" b="0" u="none" strike="noStrike">
+                        <a:rPr lang="en-GB" sz="1600" b="1" u="none" strike="noStrike" dirty="0">
                           <a:solidFill>
                             <a:srgbClr val="00B050"/>
                           </a:solidFill>
@@ -25568,7 +25875,7 @@
                         </a:rPr>
                         <a:t>0.331</a:t>
                       </a:r>
-                      <a:endParaRPr lang="en-GB" sz="1400" b="0" i="0" u="none" strike="noStrike" dirty="0">
+                      <a:endParaRPr lang="en-GB" sz="1600" b="1" i="0" u="none" strike="noStrike" dirty="0">
                         <a:solidFill>
                           <a:srgbClr val="00B050"/>
                         </a:solidFill>
@@ -25697,7 +26004,7 @@
                     <a:p>
                       <a:pPr algn="ctr" fontAlgn="b"/>
                       <a:r>
-                        <a:rPr lang="en-GB" sz="1400" b="0" u="none" strike="noStrike">
+                        <a:rPr lang="en-GB" sz="1600" b="1" u="none" strike="noStrike" dirty="0">
                           <a:solidFill>
                             <a:srgbClr val="00B050"/>
                           </a:solidFill>
@@ -25706,7 +26013,7 @@
                         </a:rPr>
                         <a:t>0.400</a:t>
                       </a:r>
-                      <a:endParaRPr lang="en-GB" sz="1400" b="0" i="0" u="none" strike="noStrike" dirty="0">
+                      <a:endParaRPr lang="en-GB" sz="1600" b="1" i="0" u="none" strike="noStrike" dirty="0">
                         <a:solidFill>
                           <a:srgbClr val="00B050"/>
                         </a:solidFill>
@@ -25977,7 +26284,7 @@
                     <a:p>
                       <a:pPr algn="ctr" fontAlgn="b"/>
                       <a:r>
-                        <a:rPr lang="en-GB" sz="1400" b="0" u="none" strike="noStrike">
+                        <a:rPr lang="en-GB" sz="1600" b="1" u="none" strike="noStrike" dirty="0">
                           <a:solidFill>
                             <a:srgbClr val="00B050"/>
                           </a:solidFill>
@@ -25986,7 +26293,7 @@
                         </a:rPr>
                         <a:t>0.82</a:t>
                       </a:r>
-                      <a:endParaRPr lang="en-GB" sz="1400" b="0" i="0" u="none" strike="noStrike" dirty="0">
+                      <a:endParaRPr lang="en-GB" sz="1600" b="1" i="0" u="none" strike="noStrike" dirty="0">
                         <a:solidFill>
                           <a:srgbClr val="00B050"/>
                         </a:solidFill>
@@ -26950,7 +27257,7 @@
                     <a:p>
                       <a:pPr algn="ctr" fontAlgn="b"/>
                       <a:r>
-                        <a:rPr lang="en-GB" sz="1400" u="none" strike="noStrike">
+                        <a:rPr lang="en-GB" sz="1600" b="1" u="none" strike="noStrike" dirty="0">
                           <a:solidFill>
                             <a:srgbClr val="00B050"/>
                           </a:solidFill>
@@ -26959,7 +27266,7 @@
                         </a:rPr>
                         <a:t>0.82</a:t>
                       </a:r>
-                      <a:endParaRPr lang="en-GB" sz="1400" b="0" i="0" u="none" strike="noStrike" dirty="0">
+                      <a:endParaRPr lang="en-GB" sz="1600" b="1" i="0" u="none" strike="noStrike" dirty="0">
                         <a:solidFill>
                           <a:srgbClr val="00B050"/>
                         </a:solidFill>
@@ -30756,7 +31063,7 @@
                     <a:p>
                       <a:pPr algn="ctr" fontAlgn="b"/>
                       <a:r>
-                        <a:rPr lang="en-GB" sz="1400" u="none" strike="noStrike">
+                        <a:rPr lang="en-GB" sz="1600" b="1" u="none" strike="noStrike" dirty="0">
                           <a:solidFill>
                             <a:srgbClr val="00B050"/>
                           </a:solidFill>
@@ -30765,7 +31072,7 @@
                         </a:rPr>
                         <a:t>0.538</a:t>
                       </a:r>
-                      <a:endParaRPr lang="en-GB" sz="1400" b="0" i="0" u="none" strike="noStrike" dirty="0">
+                      <a:endParaRPr lang="en-GB" sz="1600" b="1" i="0" u="none" strike="noStrike" dirty="0">
                         <a:solidFill>
                           <a:srgbClr val="00B050"/>
                         </a:solidFill>
@@ -30890,7 +31197,7 @@
                     <a:p>
                       <a:pPr algn="ctr" fontAlgn="b"/>
                       <a:r>
-                        <a:rPr lang="en-GB" sz="1400" u="none" strike="noStrike">
+                        <a:rPr lang="en-GB" sz="1600" b="1" u="none" strike="noStrike" dirty="0">
                           <a:solidFill>
                             <a:srgbClr val="00B050"/>
                           </a:solidFill>
@@ -30899,7 +31206,7 @@
                         </a:rPr>
                         <a:t>0.82</a:t>
                       </a:r>
-                      <a:endParaRPr lang="en-GB" sz="1400" b="0" i="0" u="none" strike="noStrike" dirty="0">
+                      <a:endParaRPr lang="en-GB" sz="1600" b="1" i="0" u="none" strike="noStrike" dirty="0">
                         <a:solidFill>
                           <a:srgbClr val="00B050"/>
                         </a:solidFill>
@@ -31173,7 +31480,7 @@
                     <a:p>
                       <a:pPr algn="ctr" fontAlgn="b"/>
                       <a:r>
-                        <a:rPr lang="en-GB" sz="1400" u="none" strike="noStrike">
+                        <a:rPr lang="en-GB" sz="1600" b="1" u="none" strike="noStrike" dirty="0">
                           <a:solidFill>
                             <a:srgbClr val="00B050"/>
                           </a:solidFill>
@@ -31182,7 +31489,7 @@
                         </a:rPr>
                         <a:t>0.861</a:t>
                       </a:r>
-                      <a:endParaRPr lang="en-GB" sz="1400" b="0" i="0" u="none" strike="noStrike" dirty="0">
+                      <a:endParaRPr lang="en-GB" sz="1600" b="1" i="0" u="none" strike="noStrike" dirty="0">
                         <a:solidFill>
                           <a:srgbClr val="00B050"/>
                         </a:solidFill>
@@ -31879,7 +32186,7 @@
                     <a:p>
                       <a:pPr algn="ctr" fontAlgn="b"/>
                       <a:r>
-                        <a:rPr lang="en-GB" sz="1400" u="none" strike="noStrike">
+                        <a:rPr lang="en-GB" sz="1600" b="1" u="none" strike="noStrike" dirty="0">
                           <a:solidFill>
                             <a:srgbClr val="00B050"/>
                           </a:solidFill>
@@ -31888,7 +32195,7 @@
                         </a:rPr>
                         <a:t>0.82</a:t>
                       </a:r>
-                      <a:endParaRPr lang="en-GB" sz="1400" b="0" i="0" u="none" strike="noStrike" dirty="0">
+                      <a:endParaRPr lang="en-GB" sz="1600" b="1" i="0" u="none" strike="noStrike" dirty="0">
                         <a:solidFill>
                           <a:srgbClr val="00B050"/>
                         </a:solidFill>
@@ -32852,7 +33159,7 @@
                     <a:p>
                       <a:pPr algn="ctr" fontAlgn="b"/>
                       <a:r>
-                        <a:rPr lang="en-GB" sz="1400" u="none" strike="noStrike">
+                        <a:rPr lang="en-GB" sz="1600" b="1" u="none" strike="noStrike" dirty="0">
                           <a:solidFill>
                             <a:srgbClr val="00B050"/>
                           </a:solidFill>
@@ -32861,7 +33168,7 @@
                         </a:rPr>
                         <a:t>0.82</a:t>
                       </a:r>
-                      <a:endParaRPr lang="en-GB" sz="1400" b="0" i="0" u="none" strike="noStrike" dirty="0">
+                      <a:endParaRPr lang="en-GB" sz="1600" b="1" i="0" u="none" strike="noStrike" dirty="0">
                         <a:solidFill>
                           <a:srgbClr val="00B050"/>
                         </a:solidFill>
@@ -33757,7 +34064,7 @@
           <a:effectLst/>
           <a:extLst>
             <a:ext uri="{C572A759-6A51-4108-AA02-DFA0A04FC94B}">
-              <ma14:wrappingTextBoxFlag xmlns="" xmlns:ma14="http://schemas.microsoft.com/office/mac/drawingml/2011/main" val="1"/>
+              <ma14:wrappingTextBoxFlag xmlns:ma14="http://schemas.microsoft.com/office/mac/drawingml/2011/main" xmlns="" val="1"/>
             </a:ext>
           </a:extLst>
         </p:spPr>
@@ -33889,7 +34196,7 @@
           <a:effectLst/>
           <a:extLst>
             <a:ext uri="{C572A759-6A51-4108-AA02-DFA0A04FC94B}">
-              <ma14:wrappingTextBoxFlag xmlns="" xmlns:ma14="http://schemas.microsoft.com/office/mac/drawingml/2011/main" val="1"/>
+              <ma14:wrappingTextBoxFlag xmlns:ma14="http://schemas.microsoft.com/office/mac/drawingml/2011/main" xmlns="" val="1"/>
             </a:ext>
           </a:extLst>
         </p:spPr>
@@ -34021,7 +34328,7 @@
           <a:effectLst/>
           <a:extLst>
             <a:ext uri="{C572A759-6A51-4108-AA02-DFA0A04FC94B}">
-              <ma14:wrappingTextBoxFlag xmlns="" xmlns:ma14="http://schemas.microsoft.com/office/mac/drawingml/2011/main" val="1"/>
+              <ma14:wrappingTextBoxFlag xmlns:ma14="http://schemas.microsoft.com/office/mac/drawingml/2011/main" xmlns="" val="1"/>
             </a:ext>
           </a:extLst>
         </p:spPr>
@@ -34153,7 +34460,7 @@
           <a:effectLst/>
           <a:extLst>
             <a:ext uri="{C572A759-6A51-4108-AA02-DFA0A04FC94B}">
-              <ma14:wrappingTextBoxFlag xmlns="" xmlns:ma14="http://schemas.microsoft.com/office/mac/drawingml/2011/main" val="1"/>
+              <ma14:wrappingTextBoxFlag xmlns:ma14="http://schemas.microsoft.com/office/mac/drawingml/2011/main" xmlns="" val="1"/>
             </a:ext>
           </a:extLst>
         </p:spPr>
